--- a/JavaLecture/LectureFile/java 6강 객체지향_정답.pptx
+++ b/JavaLecture/LectureFile/java 6강 객체지향_정답.pptx
@@ -5,28 +5,31 @@
     <p:sldMasterId id="2147483648" r:id="rId1"/>
   </p:sldMasterIdLst>
   <p:notesMasterIdLst>
-    <p:notesMasterId r:id="rId21"/>
+    <p:notesMasterId r:id="rId24"/>
   </p:notesMasterIdLst>
   <p:sldIdLst>
     <p:sldId id="257" r:id="rId2"/>
     <p:sldId id="258" r:id="rId3"/>
     <p:sldId id="259" r:id="rId4"/>
     <p:sldId id="567" r:id="rId5"/>
-    <p:sldId id="281" r:id="rId6"/>
-    <p:sldId id="583" r:id="rId7"/>
-    <p:sldId id="584" r:id="rId8"/>
-    <p:sldId id="374" r:id="rId9"/>
-    <p:sldId id="553" r:id="rId10"/>
-    <p:sldId id="589" r:id="rId11"/>
-    <p:sldId id="580" r:id="rId12"/>
-    <p:sldId id="585" r:id="rId13"/>
-    <p:sldId id="581" r:id="rId14"/>
-    <p:sldId id="586" r:id="rId15"/>
-    <p:sldId id="587" r:id="rId16"/>
-    <p:sldId id="563" r:id="rId17"/>
-    <p:sldId id="582" r:id="rId18"/>
-    <p:sldId id="590" r:id="rId19"/>
-    <p:sldId id="275" r:id="rId20"/>
+    <p:sldId id="590" r:id="rId6"/>
+    <p:sldId id="281" r:id="rId7"/>
+    <p:sldId id="583" r:id="rId8"/>
+    <p:sldId id="591" r:id="rId9"/>
+    <p:sldId id="584" r:id="rId10"/>
+    <p:sldId id="592" r:id="rId11"/>
+    <p:sldId id="374" r:id="rId12"/>
+    <p:sldId id="553" r:id="rId13"/>
+    <p:sldId id="589" r:id="rId14"/>
+    <p:sldId id="580" r:id="rId15"/>
+    <p:sldId id="585" r:id="rId16"/>
+    <p:sldId id="581" r:id="rId17"/>
+    <p:sldId id="586" r:id="rId18"/>
+    <p:sldId id="587" r:id="rId19"/>
+    <p:sldId id="563" r:id="rId20"/>
+    <p:sldId id="582" r:id="rId21"/>
+    <p:sldId id="593" r:id="rId22"/>
+    <p:sldId id="275" r:id="rId23"/>
   </p:sldIdLst>
   <p:sldSz cx="18288000" cy="10287000"/>
   <p:notesSz cx="7104063" cy="10234613"/>
@@ -226,7 +229,7 @@
           <a:p>
             <a:fld id="{D79F2C30-10E1-4C46-91DC-BBDB9629E720}" type="datetimeFigureOut">
               <a:rPr lang="ko-KR" altLang="en-US" smtClean="0"/>
-              <a:t>2023-11-22 Wednesday</a:t>
+              <a:t>2024-03-24 Sunday</a:t>
             </a:fld>
             <a:endParaRPr lang="ko-KR" altLang="en-US"/>
           </a:p>
@@ -686,7 +689,7 @@
           <a:p>
             <a:fld id="{F8166F1F-CE9B-4651-A6AA-CD717754106B}" type="datetimeFigureOut">
               <a:rPr lang="en-US" smtClean="0"/>
-              <a:t>11/22/2023</a:t>
+              <a:t>3/24/2024</a:t>
             </a:fld>
             <a:endParaRPr lang="en-US"/>
           </a:p>
@@ -889,7 +892,7 @@
           <a:p>
             <a:fld id="{A76116CE-C4A3-4A05-B2D7-7C2E9A889C0F}" type="datetimeFigureOut">
               <a:rPr lang="en-US" smtClean="0"/>
-              <a:t>11/22/2023</a:t>
+              <a:t>3/24/2024</a:t>
             </a:fld>
             <a:endParaRPr lang="en-US"/>
           </a:p>
@@ -1092,7 +1095,7 @@
           <a:p>
             <a:fld id="{A76116CE-C4A3-4A05-B2D7-7C2E9A889C0F}" type="datetimeFigureOut">
               <a:rPr lang="en-US" smtClean="0"/>
-              <a:t>11/22/2023</a:t>
+              <a:t>3/24/2024</a:t>
             </a:fld>
             <a:endParaRPr lang="en-US"/>
           </a:p>
@@ -1297,7 +1300,7 @@
           <a:p>
             <a:fld id="{A76116CE-C4A3-4A05-B2D7-7C2E9A889C0F}" type="datetimeFigureOut">
               <a:rPr lang="en-US" smtClean="0"/>
-              <a:t>11/22/2023</a:t>
+              <a:t>3/24/2024</a:t>
             </a:fld>
             <a:endParaRPr lang="en-US"/>
           </a:p>
@@ -1567,7 +1570,7 @@
           <a:p>
             <a:fld id="{A76116CE-C4A3-4A05-B2D7-7C2E9A889C0F}" type="datetimeFigureOut">
               <a:rPr lang="en-US" smtClean="0"/>
-              <a:t>11/22/2023</a:t>
+              <a:t>3/24/2024</a:t>
             </a:fld>
             <a:endParaRPr lang="en-US"/>
           </a:p>
@@ -1885,7 +1888,7 @@
           <a:p>
             <a:fld id="{A76116CE-C4A3-4A05-B2D7-7C2E9A889C0F}" type="datetimeFigureOut">
               <a:rPr lang="en-US" smtClean="0"/>
-              <a:t>11/22/2023</a:t>
+              <a:t>3/24/2024</a:t>
             </a:fld>
             <a:endParaRPr lang="en-US"/>
           </a:p>
@@ -2343,7 +2346,7 @@
           <a:p>
             <a:fld id="{A76116CE-C4A3-4A05-B2D7-7C2E9A889C0F}" type="datetimeFigureOut">
               <a:rPr lang="en-US" smtClean="0"/>
-              <a:t>11/22/2023</a:t>
+              <a:t>3/24/2024</a:t>
             </a:fld>
             <a:endParaRPr lang="en-US"/>
           </a:p>
@@ -2487,7 +2490,7 @@
           <a:p>
             <a:fld id="{A76116CE-C4A3-4A05-B2D7-7C2E9A889C0F}" type="datetimeFigureOut">
               <a:rPr lang="en-US" smtClean="0"/>
-              <a:t>11/22/2023</a:t>
+              <a:t>3/24/2024</a:t>
             </a:fld>
             <a:endParaRPr lang="en-US"/>
           </a:p>
@@ -2601,7 +2604,7 @@
           <a:p>
             <a:fld id="{A76116CE-C4A3-4A05-B2D7-7C2E9A889C0F}" type="datetimeFigureOut">
               <a:rPr lang="en-US" smtClean="0"/>
-              <a:t>11/22/2023</a:t>
+              <a:t>3/24/2024</a:t>
             </a:fld>
             <a:endParaRPr lang="en-US"/>
           </a:p>
@@ -2904,7 +2907,7 @@
           <a:p>
             <a:fld id="{A76116CE-C4A3-4A05-B2D7-7C2E9A889C0F}" type="datetimeFigureOut">
               <a:rPr lang="en-US" smtClean="0"/>
-              <a:t>11/22/2023</a:t>
+              <a:t>3/24/2024</a:t>
             </a:fld>
             <a:endParaRPr lang="en-US"/>
           </a:p>
@@ -3184,7 +3187,7 @@
           <a:p>
             <a:fld id="{A76116CE-C4A3-4A05-B2D7-7C2E9A889C0F}" type="datetimeFigureOut">
               <a:rPr lang="en-US" smtClean="0"/>
-              <a:t>11/22/2023</a:t>
+              <a:t>3/24/2024</a:t>
             </a:fld>
             <a:endParaRPr lang="en-US"/>
           </a:p>
@@ -4123,6 +4126,851 @@
       </p:grpSpPr>
       <p:pic>
         <p:nvPicPr>
+          <p:cNvPr id="4" name="그림 3"/>
+          <p:cNvPicPr>
+            <a:picLocks noChangeAspect="1"/>
+          </p:cNvPicPr>
+          <p:nvPr/>
+        </p:nvPicPr>
+        <p:blipFill>
+          <a:blip r:embed="rId2"/>
+          <a:stretch>
+            <a:fillRect/>
+          </a:stretch>
+        </p:blipFill>
+        <p:spPr>
+          <a:xfrm>
+            <a:off x="4343400" y="1485900"/>
+            <a:ext cx="8897664" cy="8191501"/>
+          </a:xfrm>
+          <a:prstGeom prst="rect">
+            <a:avLst/>
+          </a:prstGeom>
+        </p:spPr>
+      </p:pic>
+      <p:sp>
+        <p:nvSpPr>
+          <p:cNvPr id="6" name="TextBox 5">
+            <a:extLst>
+              <a:ext uri="{FF2B5EF4-FFF2-40B4-BE49-F238E27FC236}">
+                <a16:creationId xmlns:a16="http://schemas.microsoft.com/office/drawing/2014/main" id="{33E68E04-890B-B287-E047-0CFC11F77DDA}"/>
+              </a:ext>
+            </a:extLst>
+          </p:cNvPr>
+          <p:cNvSpPr txBox="1"/>
+          <p:nvPr/>
+        </p:nvSpPr>
+        <p:spPr>
+          <a:xfrm>
+            <a:off x="304800" y="114300"/>
+            <a:ext cx="10972800" cy="923330"/>
+          </a:xfrm>
+          <a:prstGeom prst="rect">
+            <a:avLst/>
+          </a:prstGeom>
+          <a:noFill/>
+        </p:spPr>
+        <p:txBody>
+          <a:bodyPr wrap="square" rtlCol="0">
+            <a:spAutoFit/>
+          </a:bodyPr>
+          <a:lstStyle/>
+          <a:p>
+            <a:r>
+              <a:rPr lang="en-US" altLang="ko-KR" sz="5400" spc="-300">
+                <a:solidFill>
+                  <a:srgbClr val="4C50BC"/>
+                </a:solidFill>
+                <a:latin typeface="G마켓 산스 Bold" panose="02000000000000000000" pitchFamily="50" charset="-127"/>
+                <a:ea typeface="G마켓 산스 Bold" panose="02000000000000000000" pitchFamily="50" charset="-127"/>
+              </a:rPr>
+              <a:t>2-2 </a:t>
+            </a:r>
+            <a:r>
+              <a:rPr lang="ko-KR" altLang="en-US" sz="5400" spc="-300">
+                <a:solidFill>
+                  <a:srgbClr val="4C50BC"/>
+                </a:solidFill>
+                <a:latin typeface="G마켓 산스 Bold" panose="02000000000000000000" pitchFamily="50" charset="-127"/>
+                <a:ea typeface="G마켓 산스 Bold" panose="02000000000000000000" pitchFamily="50" charset="-127"/>
+              </a:rPr>
+              <a:t>문제풀이</a:t>
+            </a:r>
+            <a:r>
+              <a:rPr lang="en-US" altLang="ko-KR" sz="5400" spc="-300">
+                <a:solidFill>
+                  <a:srgbClr val="4C50BC"/>
+                </a:solidFill>
+                <a:latin typeface="G마켓 산스 Bold" panose="02000000000000000000" pitchFamily="50" charset="-127"/>
+                <a:ea typeface="G마켓 산스 Bold" panose="02000000000000000000" pitchFamily="50" charset="-127"/>
+              </a:rPr>
+              <a:t> </a:t>
+            </a:r>
+            <a:r>
+              <a:rPr lang="en-US" altLang="ko-KR" sz="5400" spc="-300">
+                <a:solidFill>
+                  <a:srgbClr val="FF0000"/>
+                </a:solidFill>
+                <a:latin typeface="G마켓 산스 Bold" panose="02000000000000000000" pitchFamily="50" charset="-127"/>
+                <a:ea typeface="G마켓 산스 Bold" panose="02000000000000000000" pitchFamily="50" charset="-127"/>
+              </a:rPr>
+              <a:t>(Hard)</a:t>
+            </a:r>
+            <a:endParaRPr lang="en-US" altLang="ko-KR" sz="5400" spc="-300" dirty="0">
+              <a:solidFill>
+                <a:srgbClr val="FF0000"/>
+              </a:solidFill>
+              <a:latin typeface="G마켓 산스 Bold" panose="02000000000000000000" pitchFamily="50" charset="-127"/>
+              <a:ea typeface="G마켓 산스 Bold" panose="02000000000000000000" pitchFamily="50" charset="-127"/>
+            </a:endParaRPr>
+          </a:p>
+        </p:txBody>
+      </p:sp>
+      <p:cxnSp>
+        <p:nvCxnSpPr>
+          <p:cNvPr id="7" name="직선 연결선 6">
+            <a:extLst>
+              <a:ext uri="{FF2B5EF4-FFF2-40B4-BE49-F238E27FC236}">
+                <a16:creationId xmlns:a16="http://schemas.microsoft.com/office/drawing/2014/main" id="{B61CE585-454C-C4A8-2837-19A77F2941CE}"/>
+              </a:ext>
+            </a:extLst>
+          </p:cNvPr>
+          <p:cNvCxnSpPr>
+            <a:cxnSpLocks/>
+          </p:cNvCxnSpPr>
+          <p:nvPr/>
+        </p:nvCxnSpPr>
+        <p:spPr>
+          <a:xfrm flipH="1" flipV="1">
+            <a:off x="-13447" y="972511"/>
+            <a:ext cx="18288000" cy="65119"/>
+          </a:xfrm>
+          <a:prstGeom prst="line">
+            <a:avLst/>
+          </a:prstGeom>
+          <a:ln w="38100">
+            <a:solidFill>
+              <a:srgbClr val="4C50BC"/>
+            </a:solidFill>
+          </a:ln>
+        </p:spPr>
+        <p:style>
+          <a:lnRef idx="1">
+            <a:schemeClr val="accent1"/>
+          </a:lnRef>
+          <a:fillRef idx="0">
+            <a:schemeClr val="accent1"/>
+          </a:fillRef>
+          <a:effectRef idx="0">
+            <a:schemeClr val="accent1"/>
+          </a:effectRef>
+          <a:fontRef idx="minor">
+            <a:schemeClr val="tx1"/>
+          </a:fontRef>
+        </p:style>
+      </p:cxnSp>
+    </p:spTree>
+    <p:extLst>
+      <p:ext uri="{BB962C8B-B14F-4D97-AF65-F5344CB8AC3E}">
+        <p14:creationId xmlns:p14="http://schemas.microsoft.com/office/powerpoint/2010/main" val="148817068"/>
+      </p:ext>
+    </p:extLst>
+  </p:cSld>
+  <p:clrMapOvr>
+    <a:masterClrMapping/>
+  </p:clrMapOvr>
+</p:sld>
+</file>
+
+<file path=ppt/slides/slide11.xml><?xml version="1.0" encoding="utf-8"?>
+<p:sld xmlns:a="http://schemas.openxmlformats.org/drawingml/2006/main" xmlns:r="http://schemas.openxmlformats.org/officeDocument/2006/relationships" xmlns:p="http://schemas.openxmlformats.org/presentationml/2006/main">
+  <p:cSld>
+    <p:bg>
+      <p:bgPr>
+        <a:solidFill>
+          <a:srgbClr val="4C50BC"/>
+        </a:solidFill>
+        <a:effectLst/>
+      </p:bgPr>
+    </p:bg>
+    <p:spTree>
+      <p:nvGrpSpPr>
+        <p:cNvPr id="1" name=""/>
+        <p:cNvGrpSpPr/>
+        <p:nvPr/>
+      </p:nvGrpSpPr>
+      <p:grpSpPr>
+        <a:xfrm>
+          <a:off x="0" y="0"/>
+          <a:ext cx="0" cy="0"/>
+          <a:chOff x="0" y="0"/>
+          <a:chExt cx="0" cy="0"/>
+        </a:xfrm>
+      </p:grpSpPr>
+      <p:pic>
+        <p:nvPicPr>
+          <p:cNvPr id="4" name="Object 1">
+            <a:extLst>
+              <a:ext uri="{FF2B5EF4-FFF2-40B4-BE49-F238E27FC236}">
+                <a16:creationId xmlns:a16="http://schemas.microsoft.com/office/drawing/2014/main" id="{B0329035-BE76-33A8-0F2E-44624FCC1DED}"/>
+              </a:ext>
+            </a:extLst>
+          </p:cNvPr>
+          <p:cNvPicPr>
+            <a:picLocks noChangeAspect="1"/>
+          </p:cNvPicPr>
+          <p:nvPr/>
+        </p:nvPicPr>
+        <p:blipFill>
+          <a:blip r:embed="rId2" cstate="print"/>
+          <a:stretch>
+            <a:fillRect/>
+          </a:stretch>
+        </p:blipFill>
+        <p:spPr>
+          <a:xfrm>
+            <a:off x="13669052" y="2416536"/>
+            <a:ext cx="3677289" cy="3284880"/>
+          </a:xfrm>
+          <a:prstGeom prst="rect">
+            <a:avLst/>
+          </a:prstGeom>
+        </p:spPr>
+      </p:pic>
+      <p:grpSp>
+        <p:nvGrpSpPr>
+          <p:cNvPr id="7" name="그룹 1001">
+            <a:extLst>
+              <a:ext uri="{FF2B5EF4-FFF2-40B4-BE49-F238E27FC236}">
+                <a16:creationId xmlns:a16="http://schemas.microsoft.com/office/drawing/2014/main" id="{CD24CE9D-AC18-B6CD-F397-7E8E03D6FE26}"/>
+              </a:ext>
+            </a:extLst>
+          </p:cNvPr>
+          <p:cNvGrpSpPr/>
+          <p:nvPr/>
+        </p:nvGrpSpPr>
+        <p:grpSpPr>
+          <a:xfrm>
+            <a:off x="1466667" y="-1273641"/>
+            <a:ext cx="4883301" cy="4835933"/>
+            <a:chOff x="1466667" y="-1273641"/>
+            <a:chExt cx="4883301" cy="4835933"/>
+          </a:xfrm>
+        </p:grpSpPr>
+        <p:pic>
+          <p:nvPicPr>
+            <p:cNvPr id="8" name="Object 5">
+              <a:extLst>
+                <a:ext uri="{FF2B5EF4-FFF2-40B4-BE49-F238E27FC236}">
+                  <a16:creationId xmlns:a16="http://schemas.microsoft.com/office/drawing/2014/main" id="{0EEF25E8-3BA8-EBAA-6DC2-66D70C3F9F4D}"/>
+                </a:ext>
+              </a:extLst>
+            </p:cNvPr>
+            <p:cNvPicPr>
+              <a:picLocks noChangeAspect="1"/>
+            </p:cNvPicPr>
+            <p:nvPr/>
+          </p:nvPicPr>
+          <p:blipFill>
+            <a:blip r:embed="rId3" cstate="print"/>
+            <a:stretch>
+              <a:fillRect/>
+            </a:stretch>
+          </p:blipFill>
+          <p:spPr>
+            <a:xfrm>
+              <a:off x="1466667" y="-1273641"/>
+              <a:ext cx="4883301" cy="4835933"/>
+            </a:xfrm>
+            <a:prstGeom prst="rect">
+              <a:avLst/>
+            </a:prstGeom>
+          </p:spPr>
+        </p:pic>
+      </p:grpSp>
+      <p:grpSp>
+        <p:nvGrpSpPr>
+          <p:cNvPr id="9" name="그룹 1002">
+            <a:extLst>
+              <a:ext uri="{FF2B5EF4-FFF2-40B4-BE49-F238E27FC236}">
+                <a16:creationId xmlns:a16="http://schemas.microsoft.com/office/drawing/2014/main" id="{0F281BC9-DE1F-D1FE-E64C-C4640398F00C}"/>
+              </a:ext>
+            </a:extLst>
+          </p:cNvPr>
+          <p:cNvGrpSpPr/>
+          <p:nvPr/>
+        </p:nvGrpSpPr>
+        <p:grpSpPr>
+          <a:xfrm>
+            <a:off x="-1875296" y="7034297"/>
+            <a:ext cx="3902974" cy="3971928"/>
+            <a:chOff x="-1875296" y="7034297"/>
+            <a:chExt cx="3902974" cy="3971928"/>
+          </a:xfrm>
+        </p:grpSpPr>
+        <p:pic>
+          <p:nvPicPr>
+            <p:cNvPr id="10" name="Object 8">
+              <a:extLst>
+                <a:ext uri="{FF2B5EF4-FFF2-40B4-BE49-F238E27FC236}">
+                  <a16:creationId xmlns:a16="http://schemas.microsoft.com/office/drawing/2014/main" id="{F669DCEF-04BB-7046-3F7F-5B513213556E}"/>
+                </a:ext>
+              </a:extLst>
+            </p:cNvPr>
+            <p:cNvPicPr>
+              <a:picLocks noChangeAspect="1"/>
+            </p:cNvPicPr>
+            <p:nvPr/>
+          </p:nvPicPr>
+          <p:blipFill>
+            <a:blip r:embed="rId4" cstate="print"/>
+            <a:stretch>
+              <a:fillRect/>
+            </a:stretch>
+          </p:blipFill>
+          <p:spPr>
+            <a:xfrm rot="-2700000">
+              <a:off x="-1875296" y="7034297"/>
+              <a:ext cx="3902974" cy="3971928"/>
+            </a:xfrm>
+            <a:prstGeom prst="rect">
+              <a:avLst/>
+            </a:prstGeom>
+          </p:spPr>
+        </p:pic>
+      </p:grpSp>
+      <p:grpSp>
+        <p:nvGrpSpPr>
+          <p:cNvPr id="11" name="그룹 1003">
+            <a:extLst>
+              <a:ext uri="{FF2B5EF4-FFF2-40B4-BE49-F238E27FC236}">
+                <a16:creationId xmlns:a16="http://schemas.microsoft.com/office/drawing/2014/main" id="{1F91EEF9-13EA-BB7F-B056-D35E7DB989AC}"/>
+              </a:ext>
+            </a:extLst>
+          </p:cNvPr>
+          <p:cNvGrpSpPr/>
+          <p:nvPr/>
+        </p:nvGrpSpPr>
+        <p:grpSpPr>
+          <a:xfrm>
+            <a:off x="15132166" y="7617758"/>
+            <a:ext cx="3708387" cy="3672416"/>
+            <a:chOff x="15132166" y="7617758"/>
+            <a:chExt cx="3708387" cy="3672416"/>
+          </a:xfrm>
+        </p:grpSpPr>
+        <p:pic>
+          <p:nvPicPr>
+            <p:cNvPr id="12" name="Object 11">
+              <a:extLst>
+                <a:ext uri="{FF2B5EF4-FFF2-40B4-BE49-F238E27FC236}">
+                  <a16:creationId xmlns:a16="http://schemas.microsoft.com/office/drawing/2014/main" id="{2CFFB217-AEFB-2C9E-5F86-6EE19510FFC6}"/>
+                </a:ext>
+              </a:extLst>
+            </p:cNvPr>
+            <p:cNvPicPr>
+              <a:picLocks noChangeAspect="1"/>
+            </p:cNvPicPr>
+            <p:nvPr/>
+          </p:nvPicPr>
+          <p:blipFill>
+            <a:blip r:embed="rId5" cstate="print"/>
+            <a:stretch>
+              <a:fillRect/>
+            </a:stretch>
+          </p:blipFill>
+          <p:spPr>
+            <a:xfrm>
+              <a:off x="15132166" y="7617758"/>
+              <a:ext cx="3708387" cy="3672416"/>
+            </a:xfrm>
+            <a:prstGeom prst="rect">
+              <a:avLst/>
+            </a:prstGeom>
+          </p:spPr>
+        </p:pic>
+      </p:grpSp>
+      <p:grpSp>
+        <p:nvGrpSpPr>
+          <p:cNvPr id="13" name="그룹 1004">
+            <a:extLst>
+              <a:ext uri="{FF2B5EF4-FFF2-40B4-BE49-F238E27FC236}">
+                <a16:creationId xmlns:a16="http://schemas.microsoft.com/office/drawing/2014/main" id="{123B9C7E-94E8-E7E1-81BE-D59EA0299187}"/>
+              </a:ext>
+            </a:extLst>
+          </p:cNvPr>
+          <p:cNvGrpSpPr/>
+          <p:nvPr/>
+        </p:nvGrpSpPr>
+        <p:grpSpPr>
+          <a:xfrm>
+            <a:off x="16986360" y="3561542"/>
+            <a:ext cx="1432688" cy="191978"/>
+            <a:chOff x="16986360" y="3561542"/>
+            <a:chExt cx="1432688" cy="191978"/>
+          </a:xfrm>
+        </p:grpSpPr>
+        <p:pic>
+          <p:nvPicPr>
+            <p:cNvPr id="14" name="Object 14">
+              <a:extLst>
+                <a:ext uri="{FF2B5EF4-FFF2-40B4-BE49-F238E27FC236}">
+                  <a16:creationId xmlns:a16="http://schemas.microsoft.com/office/drawing/2014/main" id="{B6291552-2D89-A79F-7ACD-EA0EF9A4C389}"/>
+                </a:ext>
+              </a:extLst>
+            </p:cNvPr>
+            <p:cNvPicPr>
+              <a:picLocks noChangeAspect="1"/>
+            </p:cNvPicPr>
+            <p:nvPr/>
+          </p:nvPicPr>
+          <p:blipFill>
+            <a:blip r:embed="rId6" cstate="print"/>
+            <a:stretch>
+              <a:fillRect/>
+            </a:stretch>
+          </p:blipFill>
+          <p:spPr>
+            <a:xfrm>
+              <a:off x="16986360" y="3561542"/>
+              <a:ext cx="1432688" cy="191978"/>
+            </a:xfrm>
+            <a:prstGeom prst="rect">
+              <a:avLst/>
+            </a:prstGeom>
+          </p:spPr>
+        </p:pic>
+      </p:grpSp>
+      <p:sp>
+        <p:nvSpPr>
+          <p:cNvPr id="15" name="TextBox 14">
+            <a:extLst>
+              <a:ext uri="{FF2B5EF4-FFF2-40B4-BE49-F238E27FC236}">
+                <a16:creationId xmlns:a16="http://schemas.microsoft.com/office/drawing/2014/main" id="{7D99763A-FC24-23F5-5BA9-D7B042E0F323}"/>
+              </a:ext>
+            </a:extLst>
+          </p:cNvPr>
+          <p:cNvSpPr txBox="1"/>
+          <p:nvPr/>
+        </p:nvSpPr>
+        <p:spPr>
+          <a:xfrm>
+            <a:off x="12725400" y="5254704"/>
+            <a:ext cx="4714752" cy="1107996"/>
+          </a:xfrm>
+          <a:prstGeom prst="rect">
+            <a:avLst/>
+          </a:prstGeom>
+          <a:noFill/>
+        </p:spPr>
+        <p:txBody>
+          <a:bodyPr wrap="none" rtlCol="0">
+            <a:spAutoFit/>
+          </a:bodyPr>
+          <a:lstStyle/>
+          <a:p>
+            <a:r>
+              <a:rPr lang="ko-KR" altLang="en-US" sz="6600" dirty="0">
+                <a:solidFill>
+                  <a:schemeClr val="bg1"/>
+                </a:solidFill>
+                <a:latin typeface="G마켓 산스 Medium" panose="02000000000000000000" pitchFamily="50" charset="-127"/>
+                <a:ea typeface="G마켓 산스 Medium" panose="02000000000000000000" pitchFamily="50" charset="-127"/>
+              </a:rPr>
+              <a:t>메서드 활용</a:t>
+            </a:r>
+            <a:endParaRPr lang="ko-KR" altLang="en-US" sz="2800" dirty="0">
+              <a:solidFill>
+                <a:schemeClr val="bg1"/>
+              </a:solidFill>
+              <a:latin typeface="G마켓 산스 Medium" panose="02000000000000000000" pitchFamily="50" charset="-127"/>
+              <a:ea typeface="G마켓 산스 Medium" panose="02000000000000000000" pitchFamily="50" charset="-127"/>
+            </a:endParaRPr>
+          </a:p>
+        </p:txBody>
+      </p:sp>
+    </p:spTree>
+    <p:extLst>
+      <p:ext uri="{BB962C8B-B14F-4D97-AF65-F5344CB8AC3E}">
+        <p14:creationId xmlns:p14="http://schemas.microsoft.com/office/powerpoint/2010/main" val="4010059195"/>
+      </p:ext>
+    </p:extLst>
+  </p:cSld>
+  <p:clrMapOvr>
+    <a:masterClrMapping/>
+  </p:clrMapOvr>
+</p:sld>
+</file>
+
+<file path=ppt/slides/slide12.xml><?xml version="1.0" encoding="utf-8"?>
+<p:sld xmlns:a="http://schemas.openxmlformats.org/drawingml/2006/main" xmlns:r="http://schemas.openxmlformats.org/officeDocument/2006/relationships" xmlns:p="http://schemas.openxmlformats.org/presentationml/2006/main">
+  <p:cSld>
+    <p:spTree>
+      <p:nvGrpSpPr>
+        <p:cNvPr id="1" name=""/>
+        <p:cNvGrpSpPr/>
+        <p:nvPr/>
+      </p:nvGrpSpPr>
+      <p:grpSpPr>
+        <a:xfrm>
+          <a:off x="0" y="0"/>
+          <a:ext cx="0" cy="0"/>
+          <a:chOff x="0" y="0"/>
+          <a:chExt cx="0" cy="0"/>
+        </a:xfrm>
+      </p:grpSpPr>
+      <p:sp>
+        <p:nvSpPr>
+          <p:cNvPr id="4" name="TextBox 3">
+            <a:extLst>
+              <a:ext uri="{FF2B5EF4-FFF2-40B4-BE49-F238E27FC236}">
+                <a16:creationId xmlns:a16="http://schemas.microsoft.com/office/drawing/2014/main" id="{F0FF9E4E-0550-E648-378E-A52F5B0499D4}"/>
+              </a:ext>
+            </a:extLst>
+          </p:cNvPr>
+          <p:cNvSpPr txBox="1"/>
+          <p:nvPr/>
+        </p:nvSpPr>
+        <p:spPr>
+          <a:xfrm>
+            <a:off x="914400" y="1181100"/>
+            <a:ext cx="17373600" cy="1200329"/>
+          </a:xfrm>
+          <a:prstGeom prst="rect">
+            <a:avLst/>
+          </a:prstGeom>
+          <a:noFill/>
+        </p:spPr>
+        <p:txBody>
+          <a:bodyPr wrap="square" rtlCol="0">
+            <a:spAutoFit/>
+          </a:bodyPr>
+          <a:lstStyle/>
+          <a:p>
+            <a:r>
+              <a:rPr lang="ko-KR" altLang="en-US" sz="3600">
+                <a:solidFill>
+                  <a:srgbClr val="4C50BC"/>
+                </a:solidFill>
+                <a:latin typeface="G마켓 산스 Medium" panose="02000000000000000000" pitchFamily="50" charset="-127"/>
+                <a:ea typeface="G마켓 산스 Medium" panose="02000000000000000000" pitchFamily="50" charset="-127"/>
+              </a:rPr>
+              <a:t>실습문제</a:t>
+            </a:r>
+            <a:r>
+              <a:rPr lang="en-US" altLang="ko-KR" sz="3600">
+                <a:solidFill>
+                  <a:srgbClr val="4C50BC"/>
+                </a:solidFill>
+                <a:latin typeface="G마켓 산스 Medium" panose="02000000000000000000" pitchFamily="50" charset="-127"/>
+                <a:ea typeface="G마켓 산스 Medium" panose="02000000000000000000" pitchFamily="50" charset="-127"/>
+              </a:rPr>
+              <a:t>1</a:t>
+            </a:r>
+            <a:r>
+              <a:rPr lang="ko-KR" altLang="en-US" sz="3600">
+                <a:solidFill>
+                  <a:srgbClr val="4C50BC"/>
+                </a:solidFill>
+                <a:latin typeface="G마켓 산스 Medium" panose="02000000000000000000" pitchFamily="50" charset="-127"/>
+                <a:ea typeface="G마켓 산스 Medium" panose="02000000000000000000" pitchFamily="50" charset="-127"/>
+              </a:rPr>
+              <a:t>에서 구현한 </a:t>
+            </a:r>
+            <a:r>
+              <a:rPr lang="en-US" altLang="ko-KR" sz="3600">
+                <a:solidFill>
+                  <a:srgbClr val="4C50BC"/>
+                </a:solidFill>
+                <a:latin typeface="G마켓 산스 Medium" panose="02000000000000000000" pitchFamily="50" charset="-127"/>
+                <a:ea typeface="G마켓 산스 Medium" panose="02000000000000000000" pitchFamily="50" charset="-127"/>
+              </a:rPr>
+              <a:t>MyMath </a:t>
+            </a:r>
+            <a:r>
+              <a:rPr lang="ko-KR" altLang="en-US" sz="3600">
+                <a:solidFill>
+                  <a:srgbClr val="4C50BC"/>
+                </a:solidFill>
+                <a:latin typeface="G마켓 산스 Medium" panose="02000000000000000000" pitchFamily="50" charset="-127"/>
+                <a:ea typeface="G마켓 산스 Medium" panose="02000000000000000000" pitchFamily="50" charset="-127"/>
+              </a:rPr>
+              <a:t>클래스의 </a:t>
+            </a:r>
+            <a:r>
+              <a:rPr lang="en-US" altLang="ko-KR" sz="3600">
+                <a:solidFill>
+                  <a:srgbClr val="4C50BC"/>
+                </a:solidFill>
+                <a:latin typeface="G마켓 산스 Medium" panose="02000000000000000000" pitchFamily="50" charset="-127"/>
+                <a:ea typeface="G마켓 산스 Medium" panose="02000000000000000000" pitchFamily="50" charset="-127"/>
+              </a:rPr>
+              <a:t>add</a:t>
+            </a:r>
+            <a:r>
+              <a:rPr lang="ko-KR" altLang="en-US" sz="3600">
+                <a:solidFill>
+                  <a:srgbClr val="4C50BC"/>
+                </a:solidFill>
+                <a:latin typeface="G마켓 산스 Medium" panose="02000000000000000000" pitchFamily="50" charset="-127"/>
+                <a:ea typeface="G마켓 산스 Medium" panose="02000000000000000000" pitchFamily="50" charset="-127"/>
+              </a:rPr>
+              <a:t>메서드를 </a:t>
+            </a:r>
+            <a:r>
+              <a:rPr lang="en-US" altLang="ko-KR" sz="3600">
+                <a:solidFill>
+                  <a:srgbClr val="4C50BC"/>
+                </a:solidFill>
+                <a:latin typeface="G마켓 산스 Medium" panose="02000000000000000000" pitchFamily="50" charset="-127"/>
+                <a:ea typeface="G마켓 산스 Medium" panose="02000000000000000000" pitchFamily="50" charset="-127"/>
+              </a:rPr>
+              <a:t>float </a:t>
+            </a:r>
+            <a:r>
+              <a:rPr lang="ko-KR" altLang="en-US" sz="3600">
+                <a:solidFill>
+                  <a:srgbClr val="4C50BC"/>
+                </a:solidFill>
+                <a:latin typeface="G마켓 산스 Medium" panose="02000000000000000000" pitchFamily="50" charset="-127"/>
+                <a:ea typeface="G마켓 산스 Medium" panose="02000000000000000000" pitchFamily="50" charset="-127"/>
+              </a:rPr>
+              <a:t>과 </a:t>
+            </a:r>
+            <a:r>
+              <a:rPr lang="en-US" altLang="ko-KR" sz="3600">
+                <a:solidFill>
+                  <a:srgbClr val="4C50BC"/>
+                </a:solidFill>
+                <a:latin typeface="G마켓 산스 Medium" panose="02000000000000000000" pitchFamily="50" charset="-127"/>
+                <a:ea typeface="G마켓 산스 Medium" panose="02000000000000000000" pitchFamily="50" charset="-127"/>
+              </a:rPr>
+              <a:t>double</a:t>
+            </a:r>
+            <a:r>
+              <a:rPr lang="ko-KR" altLang="en-US" sz="3600">
+                <a:solidFill>
+                  <a:srgbClr val="4C50BC"/>
+                </a:solidFill>
+                <a:latin typeface="G마켓 산스 Medium" panose="02000000000000000000" pitchFamily="50" charset="-127"/>
+                <a:ea typeface="G마켓 산스 Medium" panose="02000000000000000000" pitchFamily="50" charset="-127"/>
+              </a:rPr>
+              <a:t>도 가능하도록 오버로딩 해보자</a:t>
+            </a:r>
+            <a:endParaRPr lang="en-US" altLang="ko-KR" sz="3600" dirty="0">
+              <a:solidFill>
+                <a:srgbClr val="FF0000"/>
+              </a:solidFill>
+              <a:latin typeface="G마켓 산스 Medium" panose="02000000000000000000" pitchFamily="50" charset="-127"/>
+              <a:ea typeface="G마켓 산스 Medium" panose="02000000000000000000" pitchFamily="50" charset="-127"/>
+            </a:endParaRPr>
+          </a:p>
+        </p:txBody>
+      </p:sp>
+      <p:pic>
+        <p:nvPicPr>
+          <p:cNvPr id="24" name="그림 23"/>
+          <p:cNvPicPr>
+            <a:picLocks noChangeAspect="1"/>
+          </p:cNvPicPr>
+          <p:nvPr/>
+        </p:nvPicPr>
+        <p:blipFill>
+          <a:blip r:embed="rId2"/>
+          <a:stretch>
+            <a:fillRect/>
+          </a:stretch>
+        </p:blipFill>
+        <p:spPr>
+          <a:xfrm>
+            <a:off x="1060938" y="2896961"/>
+            <a:ext cx="8784412" cy="4419600"/>
+          </a:xfrm>
+          <a:prstGeom prst="rect">
+            <a:avLst/>
+          </a:prstGeom>
+        </p:spPr>
+      </p:pic>
+      <p:pic>
+        <p:nvPicPr>
+          <p:cNvPr id="25" name="그림 24"/>
+          <p:cNvPicPr>
+            <a:picLocks noChangeAspect="1"/>
+          </p:cNvPicPr>
+          <p:nvPr/>
+        </p:nvPicPr>
+        <p:blipFill>
+          <a:blip r:embed="rId3"/>
+          <a:stretch>
+            <a:fillRect/>
+          </a:stretch>
+        </p:blipFill>
+        <p:spPr>
+          <a:xfrm>
+            <a:off x="1060938" y="7440297"/>
+            <a:ext cx="3053862" cy="2732403"/>
+          </a:xfrm>
+          <a:prstGeom prst="rect">
+            <a:avLst/>
+          </a:prstGeom>
+        </p:spPr>
+      </p:pic>
+      <p:sp>
+        <p:nvSpPr>
+          <p:cNvPr id="7" name="TextBox 6">
+            <a:extLst>
+              <a:ext uri="{FF2B5EF4-FFF2-40B4-BE49-F238E27FC236}">
+                <a16:creationId xmlns:a16="http://schemas.microsoft.com/office/drawing/2014/main" id="{33E68E04-890B-B287-E047-0CFC11F77DDA}"/>
+              </a:ext>
+            </a:extLst>
+          </p:cNvPr>
+          <p:cNvSpPr txBox="1"/>
+          <p:nvPr/>
+        </p:nvSpPr>
+        <p:spPr>
+          <a:xfrm>
+            <a:off x="304800" y="114300"/>
+            <a:ext cx="10972800" cy="923330"/>
+          </a:xfrm>
+          <a:prstGeom prst="rect">
+            <a:avLst/>
+          </a:prstGeom>
+          <a:noFill/>
+        </p:spPr>
+        <p:txBody>
+          <a:bodyPr wrap="square" rtlCol="0">
+            <a:spAutoFit/>
+          </a:bodyPr>
+          <a:lstStyle/>
+          <a:p>
+            <a:r>
+              <a:rPr lang="en-US" altLang="ko-KR" sz="5400" spc="-300" dirty="0">
+                <a:solidFill>
+                  <a:srgbClr val="4C50BC"/>
+                </a:solidFill>
+                <a:latin typeface="G마켓 산스 Bold" panose="02000000000000000000" pitchFamily="50" charset="-127"/>
+                <a:ea typeface="G마켓 산스 Bold" panose="02000000000000000000" pitchFamily="50" charset="-127"/>
+              </a:rPr>
+              <a:t>3</a:t>
+            </a:r>
+            <a:r>
+              <a:rPr lang="en-US" altLang="ko-KR" sz="5400" spc="-300">
+                <a:solidFill>
+                  <a:srgbClr val="4C50BC"/>
+                </a:solidFill>
+                <a:latin typeface="G마켓 산스 Bold" panose="02000000000000000000" pitchFamily="50" charset="-127"/>
+                <a:ea typeface="G마켓 산스 Bold" panose="02000000000000000000" pitchFamily="50" charset="-127"/>
+              </a:rPr>
+              <a:t>-1 </a:t>
+            </a:r>
+            <a:r>
+              <a:rPr lang="ko-KR" altLang="en-US" sz="5400" spc="-300" dirty="0">
+                <a:solidFill>
+                  <a:srgbClr val="4C50BC"/>
+                </a:solidFill>
+                <a:latin typeface="G마켓 산스 Bold" panose="02000000000000000000" pitchFamily="50" charset="-127"/>
+                <a:ea typeface="G마켓 산스 Bold" panose="02000000000000000000" pitchFamily="50" charset="-127"/>
+              </a:rPr>
+              <a:t>실습문제</a:t>
+            </a:r>
+            <a:r>
+              <a:rPr lang="en-US" altLang="ko-KR" sz="5400" spc="-300" dirty="0">
+                <a:solidFill>
+                  <a:srgbClr val="4C50BC"/>
+                </a:solidFill>
+                <a:latin typeface="G마켓 산스 Bold" panose="02000000000000000000" pitchFamily="50" charset="-127"/>
+                <a:ea typeface="G마켓 산스 Bold" panose="02000000000000000000" pitchFamily="50" charset="-127"/>
+              </a:rPr>
+              <a:t> </a:t>
+            </a:r>
+            <a:r>
+              <a:rPr lang="en-US" altLang="ko-KR" sz="5400" spc="-300" dirty="0">
+                <a:solidFill>
+                  <a:srgbClr val="FF0000"/>
+                </a:solidFill>
+                <a:latin typeface="G마켓 산스 Bold" panose="02000000000000000000" pitchFamily="50" charset="-127"/>
+                <a:ea typeface="G마켓 산스 Bold" panose="02000000000000000000" pitchFamily="50" charset="-127"/>
+              </a:rPr>
+              <a:t>(normal)</a:t>
+            </a:r>
+          </a:p>
+        </p:txBody>
+      </p:sp>
+      <p:cxnSp>
+        <p:nvCxnSpPr>
+          <p:cNvPr id="8" name="직선 연결선 7">
+            <a:extLst>
+              <a:ext uri="{FF2B5EF4-FFF2-40B4-BE49-F238E27FC236}">
+                <a16:creationId xmlns:a16="http://schemas.microsoft.com/office/drawing/2014/main" id="{B61CE585-454C-C4A8-2837-19A77F2941CE}"/>
+              </a:ext>
+            </a:extLst>
+          </p:cNvPr>
+          <p:cNvCxnSpPr>
+            <a:cxnSpLocks/>
+          </p:cNvCxnSpPr>
+          <p:nvPr/>
+        </p:nvCxnSpPr>
+        <p:spPr>
+          <a:xfrm flipH="1" flipV="1">
+            <a:off x="-13447" y="972511"/>
+            <a:ext cx="18288000" cy="65119"/>
+          </a:xfrm>
+          <a:prstGeom prst="line">
+            <a:avLst/>
+          </a:prstGeom>
+          <a:ln w="38100">
+            <a:solidFill>
+              <a:srgbClr val="4C50BC"/>
+            </a:solidFill>
+          </a:ln>
+        </p:spPr>
+        <p:style>
+          <a:lnRef idx="1">
+            <a:schemeClr val="accent1"/>
+          </a:lnRef>
+          <a:fillRef idx="0">
+            <a:schemeClr val="accent1"/>
+          </a:fillRef>
+          <a:effectRef idx="0">
+            <a:schemeClr val="accent1"/>
+          </a:effectRef>
+          <a:fontRef idx="minor">
+            <a:schemeClr val="tx1"/>
+          </a:fontRef>
+        </p:style>
+      </p:cxnSp>
+    </p:spTree>
+    <p:extLst>
+      <p:ext uri="{BB962C8B-B14F-4D97-AF65-F5344CB8AC3E}">
+        <p14:creationId xmlns:p14="http://schemas.microsoft.com/office/powerpoint/2010/main" val="3516190594"/>
+      </p:ext>
+    </p:extLst>
+  </p:cSld>
+  <p:clrMapOvr>
+    <a:masterClrMapping/>
+  </p:clrMapOvr>
+</p:sld>
+</file>
+
+<file path=ppt/slides/slide13.xml><?xml version="1.0" encoding="utf-8"?>
+<p:sld xmlns:a="http://schemas.openxmlformats.org/drawingml/2006/main" xmlns:r="http://schemas.openxmlformats.org/officeDocument/2006/relationships" xmlns:p="http://schemas.openxmlformats.org/presentationml/2006/main">
+  <p:cSld>
+    <p:spTree>
+      <p:nvGrpSpPr>
+        <p:cNvPr id="1" name=""/>
+        <p:cNvGrpSpPr/>
+        <p:nvPr/>
+      </p:nvGrpSpPr>
+      <p:grpSpPr>
+        <a:xfrm>
+          <a:off x="0" y="0"/>
+          <a:ext cx="0" cy="0"/>
+          <a:chOff x="0" y="0"/>
+          <a:chExt cx="0" cy="0"/>
+        </a:xfrm>
+      </p:grpSpPr>
+      <p:pic>
+        <p:nvPicPr>
           <p:cNvPr id="5" name="그림 4"/>
           <p:cNvPicPr>
             <a:picLocks noChangeAspect="1"/>
@@ -4137,7 +4985,7 @@
         </p:blipFill>
         <p:spPr>
           <a:xfrm>
-            <a:off x="5181600" y="2083832"/>
+            <a:off x="5181600" y="2628900"/>
             <a:ext cx="7391400" cy="5884062"/>
           </a:xfrm>
           <a:prstGeom prst="rect">
@@ -4147,10 +4995,10 @@
       </p:pic>
       <p:sp>
         <p:nvSpPr>
-          <p:cNvPr id="6" name="TextBox 5">
+          <p:cNvPr id="7" name="TextBox 6">
             <a:extLst>
               <a:ext uri="{FF2B5EF4-FFF2-40B4-BE49-F238E27FC236}">
-                <a16:creationId xmlns:a16="http://schemas.microsoft.com/office/drawing/2014/main" id="{F0FF9E4E-0550-E648-378E-A52F5B0499D4}"/>
+                <a16:creationId xmlns:a16="http://schemas.microsoft.com/office/drawing/2014/main" id="{33E68E04-890B-B287-E047-0CFC11F77DDA}"/>
               </a:ext>
             </a:extLst>
           </p:cNvPr>
@@ -4159,8 +5007,8 @@
         </p:nvSpPr>
         <p:spPr>
           <a:xfrm>
-            <a:off x="457200" y="342900"/>
-            <a:ext cx="1752600" cy="646331"/>
+            <a:off x="304800" y="114300"/>
+            <a:ext cx="10972800" cy="923330"/>
           </a:xfrm>
           <a:prstGeom prst="rect">
             <a:avLst/>
@@ -4174,25 +5022,91 @@
           <a:lstStyle/>
           <a:p>
             <a:r>
-              <a:rPr lang="ko-KR" altLang="en-US" sz="3600">
+              <a:rPr lang="en-US" altLang="ko-KR" sz="5400" spc="-300">
                 <a:solidFill>
                   <a:srgbClr val="4C50BC"/>
                 </a:solidFill>
-                <a:latin typeface="G마켓 산스 Medium" panose="02000000000000000000" pitchFamily="50" charset="-127"/>
-                <a:ea typeface="G마켓 산스 Medium" panose="02000000000000000000" pitchFamily="50" charset="-127"/>
+                <a:latin typeface="G마켓 산스 Bold" panose="02000000000000000000" pitchFamily="50" charset="-127"/>
+                <a:ea typeface="G마켓 산스 Bold" panose="02000000000000000000" pitchFamily="50" charset="-127"/>
               </a:rPr>
-              <a:t>풀이</a:t>
-            </a:r>
-            <a:endParaRPr lang="en-US" altLang="ko-KR" sz="3600" dirty="0">
-              <a:solidFill>
-                <a:srgbClr val="FF0000"/>
-              </a:solidFill>
-              <a:latin typeface="G마켓 산스 Medium" panose="02000000000000000000" pitchFamily="50" charset="-127"/>
-              <a:ea typeface="G마켓 산스 Medium" panose="02000000000000000000" pitchFamily="50" charset="-127"/>
-            </a:endParaRPr>
+              <a:t>3-1 </a:t>
+            </a:r>
+            <a:r>
+              <a:rPr lang="ko-KR" altLang="en-US" sz="5400" spc="-300">
+                <a:solidFill>
+                  <a:srgbClr val="4C50BC"/>
+                </a:solidFill>
+                <a:latin typeface="G마켓 산스 Bold" panose="02000000000000000000" pitchFamily="50" charset="-127"/>
+                <a:ea typeface="G마켓 산스 Bold" panose="02000000000000000000" pitchFamily="50" charset="-127"/>
+              </a:rPr>
+              <a:t>문제풀이</a:t>
+            </a:r>
+            <a:r>
+              <a:rPr lang="en-US" altLang="ko-KR" sz="5400" spc="-300">
+                <a:solidFill>
+                  <a:srgbClr val="4C50BC"/>
+                </a:solidFill>
+                <a:latin typeface="G마켓 산스 Bold" panose="02000000000000000000" pitchFamily="50" charset="-127"/>
+                <a:ea typeface="G마켓 산스 Bold" panose="02000000000000000000" pitchFamily="50" charset="-127"/>
+              </a:rPr>
+              <a:t> </a:t>
+            </a:r>
+            <a:r>
+              <a:rPr lang="en-US" altLang="ko-KR" sz="5400" spc="-300" dirty="0">
+                <a:solidFill>
+                  <a:srgbClr val="FF0000"/>
+                </a:solidFill>
+                <a:latin typeface="G마켓 산스 Bold" panose="02000000000000000000" pitchFamily="50" charset="-127"/>
+                <a:ea typeface="G마켓 산스 Bold" panose="02000000000000000000" pitchFamily="50" charset="-127"/>
+              </a:rPr>
+              <a:t>(normal)</a:t>
+            </a:r>
           </a:p>
         </p:txBody>
       </p:sp>
+      <p:cxnSp>
+        <p:nvCxnSpPr>
+          <p:cNvPr id="8" name="직선 연결선 7">
+            <a:extLst>
+              <a:ext uri="{FF2B5EF4-FFF2-40B4-BE49-F238E27FC236}">
+                <a16:creationId xmlns:a16="http://schemas.microsoft.com/office/drawing/2014/main" id="{B61CE585-454C-C4A8-2837-19A77F2941CE}"/>
+              </a:ext>
+            </a:extLst>
+          </p:cNvPr>
+          <p:cNvCxnSpPr>
+            <a:cxnSpLocks/>
+          </p:cNvCxnSpPr>
+          <p:nvPr/>
+        </p:nvCxnSpPr>
+        <p:spPr>
+          <a:xfrm flipH="1" flipV="1">
+            <a:off x="-13447" y="972511"/>
+            <a:ext cx="18288000" cy="65119"/>
+          </a:xfrm>
+          <a:prstGeom prst="line">
+            <a:avLst/>
+          </a:prstGeom>
+          <a:ln w="38100">
+            <a:solidFill>
+              <a:srgbClr val="4C50BC"/>
+            </a:solidFill>
+          </a:ln>
+        </p:spPr>
+        <p:style>
+          <a:lnRef idx="1">
+            <a:schemeClr val="accent1"/>
+          </a:lnRef>
+          <a:fillRef idx="0">
+            <a:schemeClr val="accent1"/>
+          </a:fillRef>
+          <a:effectRef idx="0">
+            <a:schemeClr val="accent1"/>
+          </a:effectRef>
+          <a:fontRef idx="minor">
+            <a:schemeClr val="tx1"/>
+          </a:fontRef>
+        </p:style>
+      </p:cxnSp>
     </p:spTree>
     <p:extLst>
       <p:ext uri="{BB962C8B-B14F-4D97-AF65-F5344CB8AC3E}">
@@ -4206,7 +5120,7 @@
 </p:sld>
 </file>
 
-<file path=ppt/slides/slide11.xml><?xml version="1.0" encoding="utf-8"?>
+<file path=ppt/slides/slide14.xml><?xml version="1.0" encoding="utf-8"?>
 <p:sld xmlns:a="http://schemas.openxmlformats.org/drawingml/2006/main" xmlns:r="http://schemas.openxmlformats.org/officeDocument/2006/relationships" xmlns:p="http://schemas.openxmlformats.org/presentationml/2006/main">
   <p:cSld>
     <p:spTree>
@@ -4237,7 +5151,7 @@
         </p:nvSpPr>
         <p:spPr>
           <a:xfrm>
-            <a:off x="914400" y="647700"/>
+            <a:off x="914400" y="1446193"/>
             <a:ext cx="15773400" cy="954107"/>
           </a:xfrm>
           <a:prstGeom prst="rect">
@@ -4259,7 +5173,7 @@
                 <a:latin typeface="G마켓 산스 Medium" panose="02000000000000000000" pitchFamily="50" charset="-127"/>
                 <a:ea typeface="G마켓 산스 Medium" panose="02000000000000000000" pitchFamily="50" charset="-127"/>
               </a:rPr>
-              <a:t>3-2MyMath </a:t>
+              <a:t>MyMath </a:t>
             </a:r>
             <a:r>
               <a:rPr lang="ko-KR" altLang="en-US" sz="2800">
@@ -4311,26 +5225,13 @@
               </a:rPr>
               <a:t>최소값을 구하는 메서드를 추가 하자</a:t>
             </a:r>
-            <a:r>
-              <a:rPr lang="en-US" altLang="ko-KR" sz="2800">
-                <a:solidFill>
-                  <a:srgbClr val="FF0000"/>
-                </a:solidFill>
-                <a:latin typeface="G마켓 산스 Medium" panose="02000000000000000000" pitchFamily="50" charset="-127"/>
-                <a:ea typeface="G마켓 산스 Medium" panose="02000000000000000000" pitchFamily="50" charset="-127"/>
-              </a:rPr>
-              <a:t>(normal)</a:t>
-            </a:r>
-            <a:r>
-              <a:rPr lang="en-US" altLang="ko-KR" sz="2800">
-                <a:solidFill>
-                  <a:srgbClr val="4C50BC"/>
-                </a:solidFill>
-                <a:latin typeface="G마켓 산스 Medium" panose="02000000000000000000" pitchFamily="50" charset="-127"/>
-                <a:ea typeface="G마켓 산스 Medium" panose="02000000000000000000" pitchFamily="50" charset="-127"/>
-              </a:rPr>
-              <a:t> </a:t>
-            </a:r>
+            <a:endParaRPr lang="en-US" altLang="ko-KR" sz="2800">
+              <a:solidFill>
+                <a:srgbClr val="4C50BC"/>
+              </a:solidFill>
+              <a:latin typeface="G마켓 산스 Medium" panose="02000000000000000000" pitchFamily="50" charset="-127"/>
+              <a:ea typeface="G마켓 산스 Medium" panose="02000000000000000000" pitchFamily="50" charset="-127"/>
+            </a:endParaRPr>
           </a:p>
           <a:p>
             <a:r>
@@ -4388,13 +5289,13 @@
           <p:nvPr>
             <p:extLst>
               <p:ext uri="{D42A27DB-BD31-4B8C-83A1-F6EECF244321}">
-                <p14:modId xmlns:p14="http://schemas.microsoft.com/office/powerpoint/2010/main" val="3791087791"/>
+                <p14:modId xmlns:p14="http://schemas.microsoft.com/office/powerpoint/2010/main" val="2658143390"/>
               </p:ext>
             </p:extLst>
           </p:nvPr>
         </p:nvGraphicFramePr>
         <p:xfrm>
-          <a:off x="11734800" y="1949982"/>
+          <a:off x="11734800" y="2628900"/>
           <a:ext cx="6215744" cy="2590800"/>
         </p:xfrm>
         <a:graphic>
@@ -5300,7 +6201,7 @@
         </p:blipFill>
         <p:spPr>
           <a:xfrm>
-            <a:off x="838200" y="1949982"/>
+            <a:off x="838200" y="2628900"/>
             <a:ext cx="10773856" cy="3345918"/>
           </a:xfrm>
           <a:prstGeom prst="rect">
@@ -5324,7 +6225,7 @@
         </p:blipFill>
         <p:spPr>
           <a:xfrm>
-            <a:off x="914400" y="5644075"/>
+            <a:off x="914400" y="6322993"/>
             <a:ext cx="2895600" cy="3354659"/>
           </a:xfrm>
           <a:prstGeom prst="rect">
@@ -5332,6 +6233,120 @@
           </a:prstGeom>
         </p:spPr>
       </p:pic>
+      <p:sp>
+        <p:nvSpPr>
+          <p:cNvPr id="10" name="TextBox 9">
+            <a:extLst>
+              <a:ext uri="{FF2B5EF4-FFF2-40B4-BE49-F238E27FC236}">
+                <a16:creationId xmlns:a16="http://schemas.microsoft.com/office/drawing/2014/main" id="{33E68E04-890B-B287-E047-0CFC11F77DDA}"/>
+              </a:ext>
+            </a:extLst>
+          </p:cNvPr>
+          <p:cNvSpPr txBox="1"/>
+          <p:nvPr/>
+        </p:nvSpPr>
+        <p:spPr>
+          <a:xfrm>
+            <a:off x="304800" y="114300"/>
+            <a:ext cx="10972800" cy="923330"/>
+          </a:xfrm>
+          <a:prstGeom prst="rect">
+            <a:avLst/>
+          </a:prstGeom>
+          <a:noFill/>
+        </p:spPr>
+        <p:txBody>
+          <a:bodyPr wrap="square" rtlCol="0">
+            <a:spAutoFit/>
+          </a:bodyPr>
+          <a:lstStyle/>
+          <a:p>
+            <a:r>
+              <a:rPr lang="en-US" altLang="ko-KR" sz="5400" spc="-300">
+                <a:solidFill>
+                  <a:srgbClr val="4C50BC"/>
+                </a:solidFill>
+                <a:latin typeface="G마켓 산스 Bold" panose="02000000000000000000" pitchFamily="50" charset="-127"/>
+                <a:ea typeface="G마켓 산스 Bold" panose="02000000000000000000" pitchFamily="50" charset="-127"/>
+              </a:rPr>
+              <a:t>3-2 </a:t>
+            </a:r>
+            <a:r>
+              <a:rPr lang="ko-KR" altLang="en-US" sz="5400" spc="-300" dirty="0">
+                <a:solidFill>
+                  <a:srgbClr val="4C50BC"/>
+                </a:solidFill>
+                <a:latin typeface="G마켓 산스 Bold" panose="02000000000000000000" pitchFamily="50" charset="-127"/>
+                <a:ea typeface="G마켓 산스 Bold" panose="02000000000000000000" pitchFamily="50" charset="-127"/>
+              </a:rPr>
+              <a:t>실습문제</a:t>
+            </a:r>
+            <a:r>
+              <a:rPr lang="en-US" altLang="ko-KR" sz="5400" spc="-300" dirty="0">
+                <a:solidFill>
+                  <a:srgbClr val="4C50BC"/>
+                </a:solidFill>
+                <a:latin typeface="G마켓 산스 Bold" panose="02000000000000000000" pitchFamily="50" charset="-127"/>
+                <a:ea typeface="G마켓 산스 Bold" panose="02000000000000000000" pitchFamily="50" charset="-127"/>
+              </a:rPr>
+              <a:t> </a:t>
+            </a:r>
+            <a:r>
+              <a:rPr lang="en-US" altLang="ko-KR" sz="5400" spc="-300" dirty="0">
+                <a:solidFill>
+                  <a:srgbClr val="FF0000"/>
+                </a:solidFill>
+                <a:latin typeface="G마켓 산스 Bold" panose="02000000000000000000" pitchFamily="50" charset="-127"/>
+                <a:ea typeface="G마켓 산스 Bold" panose="02000000000000000000" pitchFamily="50" charset="-127"/>
+              </a:rPr>
+              <a:t>(normal)</a:t>
+            </a:r>
+          </a:p>
+        </p:txBody>
+      </p:sp>
+      <p:cxnSp>
+        <p:nvCxnSpPr>
+          <p:cNvPr id="11" name="직선 연결선 10">
+            <a:extLst>
+              <a:ext uri="{FF2B5EF4-FFF2-40B4-BE49-F238E27FC236}">
+                <a16:creationId xmlns:a16="http://schemas.microsoft.com/office/drawing/2014/main" id="{B61CE585-454C-C4A8-2837-19A77F2941CE}"/>
+              </a:ext>
+            </a:extLst>
+          </p:cNvPr>
+          <p:cNvCxnSpPr>
+            <a:cxnSpLocks/>
+          </p:cNvCxnSpPr>
+          <p:nvPr/>
+        </p:nvCxnSpPr>
+        <p:spPr>
+          <a:xfrm flipH="1" flipV="1">
+            <a:off x="-13447" y="972511"/>
+            <a:ext cx="18288000" cy="65119"/>
+          </a:xfrm>
+          <a:prstGeom prst="line">
+            <a:avLst/>
+          </a:prstGeom>
+          <a:ln w="38100">
+            <a:solidFill>
+              <a:srgbClr val="4C50BC"/>
+            </a:solidFill>
+          </a:ln>
+        </p:spPr>
+        <p:style>
+          <a:lnRef idx="1">
+            <a:schemeClr val="accent1"/>
+          </a:lnRef>
+          <a:fillRef idx="0">
+            <a:schemeClr val="accent1"/>
+          </a:fillRef>
+          <a:effectRef idx="0">
+            <a:schemeClr val="accent1"/>
+          </a:effectRef>
+          <a:fontRef idx="minor">
+            <a:schemeClr val="tx1"/>
+          </a:fontRef>
+        </p:style>
+      </p:cxnSp>
     </p:spTree>
     <p:extLst>
       <p:ext uri="{BB962C8B-B14F-4D97-AF65-F5344CB8AC3E}">
@@ -5345,7 +6360,7 @@
 </p:sld>
 </file>
 
-<file path=ppt/slides/slide12.xml><?xml version="1.0" encoding="utf-8"?>
+<file path=ppt/slides/slide15.xml><?xml version="1.0" encoding="utf-8"?>
 <p:sld xmlns:a="http://schemas.openxmlformats.org/drawingml/2006/main" xmlns:r="http://schemas.openxmlformats.org/officeDocument/2006/relationships" xmlns:p="http://schemas.openxmlformats.org/presentationml/2006/main">
   <p:cSld>
     <p:spTree>
@@ -5378,7 +6393,7 @@
         </p:blipFill>
         <p:spPr>
           <a:xfrm>
-            <a:off x="3733800" y="190500"/>
+            <a:off x="3733800" y="1621640"/>
             <a:ext cx="5791200" cy="4037398"/>
           </a:xfrm>
           <a:prstGeom prst="rect">
@@ -5402,7 +6417,7 @@
         </p:blipFill>
         <p:spPr>
           <a:xfrm>
-            <a:off x="3886200" y="4838700"/>
+            <a:off x="3886200" y="5372100"/>
             <a:ext cx="5181600" cy="5274460"/>
           </a:xfrm>
           <a:prstGeom prst="rect">
@@ -5426,7 +6441,7 @@
         </p:blipFill>
         <p:spPr>
           <a:xfrm>
-            <a:off x="11506200" y="188742"/>
+            <a:off x="11506200" y="1619882"/>
             <a:ext cx="5562600" cy="5280711"/>
           </a:xfrm>
           <a:prstGeom prst="rect">
@@ -5436,10 +6451,10 @@
       </p:pic>
       <p:sp>
         <p:nvSpPr>
-          <p:cNvPr id="10" name="TextBox 9">
+          <p:cNvPr id="7" name="TextBox 6">
             <a:extLst>
               <a:ext uri="{FF2B5EF4-FFF2-40B4-BE49-F238E27FC236}">
-                <a16:creationId xmlns:a16="http://schemas.microsoft.com/office/drawing/2014/main" id="{F0FF9E4E-0550-E648-378E-A52F5B0499D4}"/>
+                <a16:creationId xmlns:a16="http://schemas.microsoft.com/office/drawing/2014/main" id="{33E68E04-890B-B287-E047-0CFC11F77DDA}"/>
               </a:ext>
             </a:extLst>
           </p:cNvPr>
@@ -5448,8 +6463,8 @@
         </p:nvSpPr>
         <p:spPr>
           <a:xfrm>
-            <a:off x="457200" y="342900"/>
-            <a:ext cx="1752600" cy="646331"/>
+            <a:off x="304800" y="114300"/>
+            <a:ext cx="10972800" cy="923330"/>
           </a:xfrm>
           <a:prstGeom prst="rect">
             <a:avLst/>
@@ -5463,25 +6478,91 @@
           <a:lstStyle/>
           <a:p>
             <a:r>
-              <a:rPr lang="ko-KR" altLang="en-US" sz="3600">
+              <a:rPr lang="en-US" altLang="ko-KR" sz="5400" spc="-300">
                 <a:solidFill>
                   <a:srgbClr val="4C50BC"/>
                 </a:solidFill>
-                <a:latin typeface="G마켓 산스 Medium" panose="02000000000000000000" pitchFamily="50" charset="-127"/>
-                <a:ea typeface="G마켓 산스 Medium" panose="02000000000000000000" pitchFamily="50" charset="-127"/>
+                <a:latin typeface="G마켓 산스 Bold" panose="02000000000000000000" pitchFamily="50" charset="-127"/>
+                <a:ea typeface="G마켓 산스 Bold" panose="02000000000000000000" pitchFamily="50" charset="-127"/>
               </a:rPr>
-              <a:t>풀이</a:t>
-            </a:r>
-            <a:endParaRPr lang="en-US" altLang="ko-KR" sz="3600" dirty="0">
-              <a:solidFill>
-                <a:srgbClr val="FF0000"/>
-              </a:solidFill>
-              <a:latin typeface="G마켓 산스 Medium" panose="02000000000000000000" pitchFamily="50" charset="-127"/>
-              <a:ea typeface="G마켓 산스 Medium" panose="02000000000000000000" pitchFamily="50" charset="-127"/>
-            </a:endParaRPr>
+              <a:t>3-2 </a:t>
+            </a:r>
+            <a:r>
+              <a:rPr lang="ko-KR" altLang="en-US" sz="5400" spc="-300" dirty="0">
+                <a:solidFill>
+                  <a:srgbClr val="4C50BC"/>
+                </a:solidFill>
+                <a:latin typeface="G마켓 산스 Bold" panose="02000000000000000000" pitchFamily="50" charset="-127"/>
+                <a:ea typeface="G마켓 산스 Bold" panose="02000000000000000000" pitchFamily="50" charset="-127"/>
+              </a:rPr>
+              <a:t>실습문제</a:t>
+            </a:r>
+            <a:r>
+              <a:rPr lang="en-US" altLang="ko-KR" sz="5400" spc="-300" dirty="0">
+                <a:solidFill>
+                  <a:srgbClr val="4C50BC"/>
+                </a:solidFill>
+                <a:latin typeface="G마켓 산스 Bold" panose="02000000000000000000" pitchFamily="50" charset="-127"/>
+                <a:ea typeface="G마켓 산스 Bold" panose="02000000000000000000" pitchFamily="50" charset="-127"/>
+              </a:rPr>
+              <a:t> </a:t>
+            </a:r>
+            <a:r>
+              <a:rPr lang="en-US" altLang="ko-KR" sz="5400" spc="-300" dirty="0">
+                <a:solidFill>
+                  <a:srgbClr val="FF0000"/>
+                </a:solidFill>
+                <a:latin typeface="G마켓 산스 Bold" panose="02000000000000000000" pitchFamily="50" charset="-127"/>
+                <a:ea typeface="G마켓 산스 Bold" panose="02000000000000000000" pitchFamily="50" charset="-127"/>
+              </a:rPr>
+              <a:t>(normal)</a:t>
+            </a:r>
           </a:p>
         </p:txBody>
       </p:sp>
+      <p:cxnSp>
+        <p:nvCxnSpPr>
+          <p:cNvPr id="8" name="직선 연결선 7">
+            <a:extLst>
+              <a:ext uri="{FF2B5EF4-FFF2-40B4-BE49-F238E27FC236}">
+                <a16:creationId xmlns:a16="http://schemas.microsoft.com/office/drawing/2014/main" id="{B61CE585-454C-C4A8-2837-19A77F2941CE}"/>
+              </a:ext>
+            </a:extLst>
+          </p:cNvPr>
+          <p:cNvCxnSpPr>
+            <a:cxnSpLocks/>
+          </p:cNvCxnSpPr>
+          <p:nvPr/>
+        </p:nvCxnSpPr>
+        <p:spPr>
+          <a:xfrm flipH="1" flipV="1">
+            <a:off x="-13447" y="972511"/>
+            <a:ext cx="18288000" cy="65119"/>
+          </a:xfrm>
+          <a:prstGeom prst="line">
+            <a:avLst/>
+          </a:prstGeom>
+          <a:ln w="38100">
+            <a:solidFill>
+              <a:srgbClr val="4C50BC"/>
+            </a:solidFill>
+          </a:ln>
+        </p:spPr>
+        <p:style>
+          <a:lnRef idx="1">
+            <a:schemeClr val="accent1"/>
+          </a:lnRef>
+          <a:fillRef idx="0">
+            <a:schemeClr val="accent1"/>
+          </a:fillRef>
+          <a:effectRef idx="0">
+            <a:schemeClr val="accent1"/>
+          </a:effectRef>
+          <a:fontRef idx="minor">
+            <a:schemeClr val="tx1"/>
+          </a:fontRef>
+        </p:style>
+      </p:cxnSp>
     </p:spTree>
     <p:extLst>
       <p:ext uri="{BB962C8B-B14F-4D97-AF65-F5344CB8AC3E}">
@@ -5495,7 +6576,7 @@
 </p:sld>
 </file>
 
-<file path=ppt/slides/slide13.xml><?xml version="1.0" encoding="utf-8"?>
+<file path=ppt/slides/slide16.xml><?xml version="1.0" encoding="utf-8"?>
 <p:sld xmlns:a="http://schemas.openxmlformats.org/drawingml/2006/main" xmlns:r="http://schemas.openxmlformats.org/officeDocument/2006/relationships" xmlns:p="http://schemas.openxmlformats.org/presentationml/2006/main">
   <p:cSld>
     <p:spTree>
@@ -5526,7 +6607,7 @@
         </p:nvSpPr>
         <p:spPr>
           <a:xfrm>
-            <a:off x="685800" y="571500"/>
+            <a:off x="685800" y="1333500"/>
             <a:ext cx="16078200" cy="954107"/>
           </a:xfrm>
           <a:prstGeom prst="rect">
@@ -5548,7 +6629,7 @@
                 <a:latin typeface="G마켓 산스 Medium" panose="02000000000000000000" pitchFamily="50" charset="-127"/>
                 <a:ea typeface="G마켓 산스 Medium" panose="02000000000000000000" pitchFamily="50" charset="-127"/>
               </a:rPr>
-              <a:t>3-3 MyMath </a:t>
+              <a:t>MyMath </a:t>
             </a:r>
             <a:r>
               <a:rPr lang="ko-KR" altLang="en-US" sz="2800">
@@ -5598,7 +6679,7 @@
                 <a:latin typeface="G마켓 산스 Medium" panose="02000000000000000000" pitchFamily="50" charset="-127"/>
                 <a:ea typeface="G마켓 산스 Medium" panose="02000000000000000000" pitchFamily="50" charset="-127"/>
               </a:rPr>
-              <a:t>)(hard)</a:t>
+              <a:t>)</a:t>
             </a:r>
             <a:endParaRPr lang="en-US" altLang="ko-KR" sz="2800" dirty="0">
               <a:solidFill>
@@ -5640,13 +6721,13 @@
           <p:nvPr>
             <p:extLst>
               <p:ext uri="{D42A27DB-BD31-4B8C-83A1-F6EECF244321}">
-                <p14:modId xmlns:p14="http://schemas.microsoft.com/office/powerpoint/2010/main" val="1494237813"/>
+                <p14:modId xmlns:p14="http://schemas.microsoft.com/office/powerpoint/2010/main" val="167115635"/>
               </p:ext>
             </p:extLst>
           </p:nvPr>
         </p:nvGraphicFramePr>
         <p:xfrm>
-          <a:off x="11026558" y="1292550"/>
+          <a:off x="11026558" y="2206950"/>
           <a:ext cx="6215744" cy="1188720"/>
         </p:xfrm>
         <a:graphic>
@@ -6142,7 +7223,7 @@
         </p:blipFill>
         <p:spPr>
           <a:xfrm>
-            <a:off x="951046" y="1564108"/>
+            <a:off x="951046" y="2478508"/>
             <a:ext cx="8249815" cy="2893592"/>
           </a:xfrm>
           <a:prstGeom prst="rect">
@@ -6166,7 +7247,7 @@
         </p:blipFill>
         <p:spPr>
           <a:xfrm>
-            <a:off x="9379928" y="2729483"/>
+            <a:off x="9379928" y="3643883"/>
             <a:ext cx="1493352" cy="1578202"/>
           </a:xfrm>
           <a:prstGeom prst="rect">
@@ -6174,6 +7255,127 @@
           </a:prstGeom>
         </p:spPr>
       </p:pic>
+      <p:sp>
+        <p:nvSpPr>
+          <p:cNvPr id="6" name="TextBox 5">
+            <a:extLst>
+              <a:ext uri="{FF2B5EF4-FFF2-40B4-BE49-F238E27FC236}">
+                <a16:creationId xmlns:a16="http://schemas.microsoft.com/office/drawing/2014/main" id="{33E68E04-890B-B287-E047-0CFC11F77DDA}"/>
+              </a:ext>
+            </a:extLst>
+          </p:cNvPr>
+          <p:cNvSpPr txBox="1"/>
+          <p:nvPr/>
+        </p:nvSpPr>
+        <p:spPr>
+          <a:xfrm>
+            <a:off x="304800" y="114300"/>
+            <a:ext cx="10972800" cy="923330"/>
+          </a:xfrm>
+          <a:prstGeom prst="rect">
+            <a:avLst/>
+          </a:prstGeom>
+          <a:noFill/>
+        </p:spPr>
+        <p:txBody>
+          <a:bodyPr wrap="square" rtlCol="0">
+            <a:spAutoFit/>
+          </a:bodyPr>
+          <a:lstStyle/>
+          <a:p>
+            <a:r>
+              <a:rPr lang="en-US" altLang="ko-KR" sz="5400" spc="-300">
+                <a:solidFill>
+                  <a:srgbClr val="4C50BC"/>
+                </a:solidFill>
+                <a:latin typeface="G마켓 산스 Bold" panose="02000000000000000000" pitchFamily="50" charset="-127"/>
+                <a:ea typeface="G마켓 산스 Bold" panose="02000000000000000000" pitchFamily="50" charset="-127"/>
+              </a:rPr>
+              <a:t>3-3 </a:t>
+            </a:r>
+            <a:r>
+              <a:rPr lang="ko-KR" altLang="en-US" sz="5400" spc="-300">
+                <a:solidFill>
+                  <a:srgbClr val="4C50BC"/>
+                </a:solidFill>
+                <a:latin typeface="G마켓 산스 Bold" panose="02000000000000000000" pitchFamily="50" charset="-127"/>
+                <a:ea typeface="G마켓 산스 Bold" panose="02000000000000000000" pitchFamily="50" charset="-127"/>
+              </a:rPr>
+              <a:t>실습문제</a:t>
+            </a:r>
+            <a:r>
+              <a:rPr lang="en-US" altLang="ko-KR" sz="5400" spc="-300">
+                <a:solidFill>
+                  <a:srgbClr val="4C50BC"/>
+                </a:solidFill>
+                <a:latin typeface="G마켓 산스 Bold" panose="02000000000000000000" pitchFamily="50" charset="-127"/>
+                <a:ea typeface="G마켓 산스 Bold" panose="02000000000000000000" pitchFamily="50" charset="-127"/>
+              </a:rPr>
+              <a:t> </a:t>
+            </a:r>
+            <a:r>
+              <a:rPr lang="en-US" altLang="ko-KR" sz="5400" spc="-300">
+                <a:solidFill>
+                  <a:srgbClr val="FF0000"/>
+                </a:solidFill>
+                <a:latin typeface="G마켓 산스 Bold" panose="02000000000000000000" pitchFamily="50" charset="-127"/>
+                <a:ea typeface="G마켓 산스 Bold" panose="02000000000000000000" pitchFamily="50" charset="-127"/>
+              </a:rPr>
+              <a:t>(hard)</a:t>
+            </a:r>
+            <a:endParaRPr lang="en-US" altLang="ko-KR" sz="5400" spc="-300" dirty="0">
+              <a:solidFill>
+                <a:srgbClr val="FF0000"/>
+              </a:solidFill>
+              <a:latin typeface="G마켓 산스 Bold" panose="02000000000000000000" pitchFamily="50" charset="-127"/>
+              <a:ea typeface="G마켓 산스 Bold" panose="02000000000000000000" pitchFamily="50" charset="-127"/>
+            </a:endParaRPr>
+          </a:p>
+        </p:txBody>
+      </p:sp>
+      <p:cxnSp>
+        <p:nvCxnSpPr>
+          <p:cNvPr id="7" name="직선 연결선 6">
+            <a:extLst>
+              <a:ext uri="{FF2B5EF4-FFF2-40B4-BE49-F238E27FC236}">
+                <a16:creationId xmlns:a16="http://schemas.microsoft.com/office/drawing/2014/main" id="{B61CE585-454C-C4A8-2837-19A77F2941CE}"/>
+              </a:ext>
+            </a:extLst>
+          </p:cNvPr>
+          <p:cNvCxnSpPr>
+            <a:cxnSpLocks/>
+          </p:cNvCxnSpPr>
+          <p:nvPr/>
+        </p:nvCxnSpPr>
+        <p:spPr>
+          <a:xfrm flipH="1" flipV="1">
+            <a:off x="-13447" y="972511"/>
+            <a:ext cx="18288000" cy="65119"/>
+          </a:xfrm>
+          <a:prstGeom prst="line">
+            <a:avLst/>
+          </a:prstGeom>
+          <a:ln w="38100">
+            <a:solidFill>
+              <a:srgbClr val="4C50BC"/>
+            </a:solidFill>
+          </a:ln>
+        </p:spPr>
+        <p:style>
+          <a:lnRef idx="1">
+            <a:schemeClr val="accent1"/>
+          </a:lnRef>
+          <a:fillRef idx="0">
+            <a:schemeClr val="accent1"/>
+          </a:fillRef>
+          <a:effectRef idx="0">
+            <a:schemeClr val="accent1"/>
+          </a:effectRef>
+          <a:fontRef idx="minor">
+            <a:schemeClr val="tx1"/>
+          </a:fontRef>
+        </p:style>
+      </p:cxnSp>
     </p:spTree>
     <p:extLst>
       <p:ext uri="{BB962C8B-B14F-4D97-AF65-F5344CB8AC3E}">
@@ -6187,7 +7389,7 @@
 </p:sld>
 </file>
 
-<file path=ppt/slides/slide14.xml><?xml version="1.0" encoding="utf-8"?>
+<file path=ppt/slides/slide17.xml><?xml version="1.0" encoding="utf-8"?>
 <p:sld xmlns:a="http://schemas.openxmlformats.org/drawingml/2006/main" xmlns:r="http://schemas.openxmlformats.org/officeDocument/2006/relationships" xmlns:p="http://schemas.openxmlformats.org/presentationml/2006/main">
   <p:cSld>
     <p:spTree>
@@ -6220,7 +7422,7 @@
         </p:blipFill>
         <p:spPr>
           <a:xfrm>
-            <a:off x="457200" y="5191065"/>
+            <a:off x="457200" y="5067300"/>
             <a:ext cx="4808054" cy="3276600"/>
           </a:xfrm>
           <a:prstGeom prst="rect">
@@ -6244,7 +7446,7 @@
         </p:blipFill>
         <p:spPr>
           <a:xfrm>
-            <a:off x="304800" y="2066865"/>
+            <a:off x="304800" y="1943100"/>
             <a:ext cx="7467600" cy="2619233"/>
           </a:xfrm>
           <a:prstGeom prst="rect">
@@ -6266,7 +7468,7 @@
         </p:nvSpPr>
         <p:spPr>
           <a:xfrm>
-            <a:off x="2834264" y="4837122"/>
+            <a:off x="2834264" y="4713357"/>
             <a:ext cx="759343" cy="707886"/>
           </a:xfrm>
           <a:prstGeom prst="rect">
@@ -6307,7 +7509,7 @@
         </p:nvSpPr>
         <p:spPr>
           <a:xfrm>
-            <a:off x="4060794" y="4836536"/>
+            <a:off x="4060794" y="4712771"/>
             <a:ext cx="759343" cy="707886"/>
           </a:xfrm>
           <a:prstGeom prst="rect">
@@ -6348,7 +7550,7 @@
         </p:nvSpPr>
         <p:spPr>
           <a:xfrm>
-            <a:off x="2286000" y="7070174"/>
+            <a:off x="2286000" y="6946409"/>
             <a:ext cx="759343" cy="707886"/>
           </a:xfrm>
           <a:prstGeom prst="rect">
@@ -6389,7 +7591,7 @@
         </p:nvSpPr>
         <p:spPr>
           <a:xfrm>
-            <a:off x="3681122" y="7070174"/>
+            <a:off x="3681122" y="6946409"/>
             <a:ext cx="759343" cy="707886"/>
           </a:xfrm>
           <a:prstGeom prst="rect">
@@ -6430,7 +7632,7 @@
         </p:nvSpPr>
         <p:spPr>
           <a:xfrm>
-            <a:off x="4422257" y="7073979"/>
+            <a:off x="4422257" y="6950214"/>
             <a:ext cx="759343" cy="707886"/>
           </a:xfrm>
           <a:prstGeom prst="rect">
@@ -6473,7 +7675,7 @@
         </p:blipFill>
         <p:spPr>
           <a:xfrm>
-            <a:off x="5992473" y="5210127"/>
+            <a:off x="5992473" y="5086362"/>
             <a:ext cx="4808054" cy="3276600"/>
           </a:xfrm>
           <a:prstGeom prst="rect">
@@ -6495,7 +7697,7 @@
         </p:nvSpPr>
         <p:spPr>
           <a:xfrm>
-            <a:off x="8396500" y="4678478"/>
+            <a:off x="8396500" y="4554713"/>
             <a:ext cx="759343" cy="707886"/>
           </a:xfrm>
           <a:prstGeom prst="rect">
@@ -6536,7 +7738,7 @@
         </p:nvSpPr>
         <p:spPr>
           <a:xfrm>
-            <a:off x="9593033" y="4678478"/>
+            <a:off x="9593033" y="4554713"/>
             <a:ext cx="759343" cy="707886"/>
           </a:xfrm>
           <a:prstGeom prst="rect">
@@ -6577,7 +7779,7 @@
         </p:nvSpPr>
         <p:spPr>
           <a:xfrm>
-            <a:off x="7821272" y="7140714"/>
+            <a:off x="7821272" y="7016949"/>
             <a:ext cx="759343" cy="707886"/>
           </a:xfrm>
           <a:prstGeom prst="rect">
@@ -6618,7 +7820,7 @@
         </p:nvSpPr>
         <p:spPr>
           <a:xfrm>
-            <a:off x="9213361" y="6988314"/>
+            <a:off x="9213361" y="6864549"/>
             <a:ext cx="759343" cy="707886"/>
           </a:xfrm>
           <a:prstGeom prst="rect">
@@ -6659,7 +7861,7 @@
         </p:nvSpPr>
         <p:spPr>
           <a:xfrm>
-            <a:off x="9954259" y="7024359"/>
+            <a:off x="9954259" y="6900594"/>
             <a:ext cx="759343" cy="707886"/>
           </a:xfrm>
           <a:prstGeom prst="rect">
@@ -6709,7 +7911,7 @@
         </p:blipFill>
         <p:spPr>
           <a:xfrm>
-            <a:off x="12732206" y="2066865"/>
+            <a:off x="12732206" y="1943100"/>
             <a:ext cx="4808054" cy="3276600"/>
           </a:xfrm>
           <a:prstGeom prst="rect">
@@ -6731,7 +7933,7 @@
         </p:nvSpPr>
         <p:spPr>
           <a:xfrm>
-            <a:off x="15136233" y="1535216"/>
+            <a:off x="15136233" y="1411451"/>
             <a:ext cx="759343" cy="707886"/>
           </a:xfrm>
           <a:prstGeom prst="rect">
@@ -6772,7 +7974,7 @@
         </p:nvSpPr>
         <p:spPr>
           <a:xfrm>
-            <a:off x="16332766" y="1535216"/>
+            <a:off x="16332766" y="1411451"/>
             <a:ext cx="759343" cy="707886"/>
           </a:xfrm>
           <a:prstGeom prst="rect">
@@ -6813,7 +8015,7 @@
         </p:nvSpPr>
         <p:spPr>
           <a:xfrm>
-            <a:off x="14561005" y="3997452"/>
+            <a:off x="14561005" y="3873687"/>
             <a:ext cx="759343" cy="707886"/>
           </a:xfrm>
           <a:prstGeom prst="rect">
@@ -6854,7 +8056,7 @@
         </p:nvSpPr>
         <p:spPr>
           <a:xfrm>
-            <a:off x="15953094" y="3845052"/>
+            <a:off x="15953094" y="3721287"/>
             <a:ext cx="759343" cy="707886"/>
           </a:xfrm>
           <a:prstGeom prst="rect">
@@ -6895,7 +8097,7 @@
         </p:nvSpPr>
         <p:spPr>
           <a:xfrm>
-            <a:off x="16693992" y="3881097"/>
+            <a:off x="16693992" y="3757332"/>
             <a:ext cx="759343" cy="707886"/>
           </a:xfrm>
           <a:prstGeom prst="rect">
@@ -6945,7 +8147,7 @@
         </p:blipFill>
         <p:spPr>
           <a:xfrm>
-            <a:off x="12801144" y="6057900"/>
+            <a:off x="12801144" y="5934135"/>
             <a:ext cx="4808054" cy="3276600"/>
           </a:xfrm>
           <a:prstGeom prst="rect">
@@ -6967,7 +8169,7 @@
         </p:nvSpPr>
         <p:spPr>
           <a:xfrm>
-            <a:off x="15205171" y="5526251"/>
+            <a:off x="15205171" y="5402486"/>
             <a:ext cx="759343" cy="707886"/>
           </a:xfrm>
           <a:prstGeom prst="rect">
@@ -7008,7 +8210,7 @@
         </p:nvSpPr>
         <p:spPr>
           <a:xfrm>
-            <a:off x="16401704" y="5526251"/>
+            <a:off x="16401704" y="5402486"/>
             <a:ext cx="759343" cy="707886"/>
           </a:xfrm>
           <a:prstGeom prst="rect">
@@ -7049,7 +8251,7 @@
         </p:nvSpPr>
         <p:spPr>
           <a:xfrm>
-            <a:off x="15320348" y="6848427"/>
+            <a:off x="15320348" y="6724662"/>
             <a:ext cx="759343" cy="707886"/>
           </a:xfrm>
           <a:prstGeom prst="rect">
@@ -7078,10 +8280,10 @@
       </p:sp>
       <p:sp>
         <p:nvSpPr>
-          <p:cNvPr id="26" name="TextBox 25">
+          <p:cNvPr id="27" name="TextBox 26">
             <a:extLst>
               <a:ext uri="{FF2B5EF4-FFF2-40B4-BE49-F238E27FC236}">
-                <a16:creationId xmlns:a16="http://schemas.microsoft.com/office/drawing/2014/main" id="{F0FF9E4E-0550-E648-378E-A52F5B0499D4}"/>
+                <a16:creationId xmlns:a16="http://schemas.microsoft.com/office/drawing/2014/main" id="{33E68E04-890B-B287-E047-0CFC11F77DDA}"/>
               </a:ext>
             </a:extLst>
           </p:cNvPr>
@@ -7090,8 +8292,8 @@
         </p:nvSpPr>
         <p:spPr>
           <a:xfrm>
-            <a:off x="457200" y="342900"/>
-            <a:ext cx="1752600" cy="646331"/>
+            <a:off x="304800" y="114300"/>
+            <a:ext cx="10972800" cy="923330"/>
           </a:xfrm>
           <a:prstGeom prst="rect">
             <a:avLst/>
@@ -7105,25 +8307,98 @@
           <a:lstStyle/>
           <a:p>
             <a:r>
-              <a:rPr lang="ko-KR" altLang="en-US" sz="3600" dirty="0">
+              <a:rPr lang="en-US" altLang="ko-KR" sz="5400" spc="-300">
                 <a:solidFill>
                   <a:srgbClr val="4C50BC"/>
                 </a:solidFill>
-                <a:latin typeface="G마켓 산스 Medium" panose="02000000000000000000" pitchFamily="50" charset="-127"/>
-                <a:ea typeface="G마켓 산스 Medium" panose="02000000000000000000" pitchFamily="50" charset="-127"/>
+                <a:latin typeface="G마켓 산스 Bold" panose="02000000000000000000" pitchFamily="50" charset="-127"/>
+                <a:ea typeface="G마켓 산스 Bold" panose="02000000000000000000" pitchFamily="50" charset="-127"/>
               </a:rPr>
-              <a:t>풀이</a:t>
-            </a:r>
-            <a:endParaRPr lang="en-US" altLang="ko-KR" sz="3600" dirty="0">
+              <a:t>3-3 </a:t>
+            </a:r>
+            <a:r>
+              <a:rPr lang="ko-KR" altLang="en-US" sz="5400" spc="-300">
+                <a:solidFill>
+                  <a:srgbClr val="4C50BC"/>
+                </a:solidFill>
+                <a:latin typeface="G마켓 산스 Bold" panose="02000000000000000000" pitchFamily="50" charset="-127"/>
+                <a:ea typeface="G마켓 산스 Bold" panose="02000000000000000000" pitchFamily="50" charset="-127"/>
+              </a:rPr>
+              <a:t>문제풀이</a:t>
+            </a:r>
+            <a:r>
+              <a:rPr lang="en-US" altLang="ko-KR" sz="5400" spc="-300">
+                <a:solidFill>
+                  <a:srgbClr val="4C50BC"/>
+                </a:solidFill>
+                <a:latin typeface="G마켓 산스 Bold" panose="02000000000000000000" pitchFamily="50" charset="-127"/>
+                <a:ea typeface="G마켓 산스 Bold" panose="02000000000000000000" pitchFamily="50" charset="-127"/>
+              </a:rPr>
+              <a:t> </a:t>
+            </a:r>
+            <a:r>
+              <a:rPr lang="en-US" altLang="ko-KR" sz="5400" spc="-300">
+                <a:solidFill>
+                  <a:srgbClr val="FF0000"/>
+                </a:solidFill>
+                <a:latin typeface="G마켓 산스 Bold" panose="02000000000000000000" pitchFamily="50" charset="-127"/>
+                <a:ea typeface="G마켓 산스 Bold" panose="02000000000000000000" pitchFamily="50" charset="-127"/>
+              </a:rPr>
+              <a:t>(hard)</a:t>
+            </a:r>
+            <a:endParaRPr lang="en-US" altLang="ko-KR" sz="5400" spc="-300" dirty="0">
               <a:solidFill>
                 <a:srgbClr val="FF0000"/>
               </a:solidFill>
-              <a:latin typeface="G마켓 산스 Medium" panose="02000000000000000000" pitchFamily="50" charset="-127"/>
-              <a:ea typeface="G마켓 산스 Medium" panose="02000000000000000000" pitchFamily="50" charset="-127"/>
+              <a:latin typeface="G마켓 산스 Bold" panose="02000000000000000000" pitchFamily="50" charset="-127"/>
+              <a:ea typeface="G마켓 산스 Bold" panose="02000000000000000000" pitchFamily="50" charset="-127"/>
             </a:endParaRPr>
           </a:p>
         </p:txBody>
       </p:sp>
+      <p:cxnSp>
+        <p:nvCxnSpPr>
+          <p:cNvPr id="28" name="직선 연결선 27">
+            <a:extLst>
+              <a:ext uri="{FF2B5EF4-FFF2-40B4-BE49-F238E27FC236}">
+                <a16:creationId xmlns:a16="http://schemas.microsoft.com/office/drawing/2014/main" id="{B61CE585-454C-C4A8-2837-19A77F2941CE}"/>
+              </a:ext>
+            </a:extLst>
+          </p:cNvPr>
+          <p:cNvCxnSpPr>
+            <a:cxnSpLocks/>
+          </p:cNvCxnSpPr>
+          <p:nvPr/>
+        </p:nvCxnSpPr>
+        <p:spPr>
+          <a:xfrm flipH="1" flipV="1">
+            <a:off x="-13447" y="972511"/>
+            <a:ext cx="18288000" cy="65119"/>
+          </a:xfrm>
+          <a:prstGeom prst="line">
+            <a:avLst/>
+          </a:prstGeom>
+          <a:ln w="38100">
+            <a:solidFill>
+              <a:srgbClr val="4C50BC"/>
+            </a:solidFill>
+          </a:ln>
+        </p:spPr>
+        <p:style>
+          <a:lnRef idx="1">
+            <a:schemeClr val="accent1"/>
+          </a:lnRef>
+          <a:fillRef idx="0">
+            <a:schemeClr val="accent1"/>
+          </a:fillRef>
+          <a:effectRef idx="0">
+            <a:schemeClr val="accent1"/>
+          </a:effectRef>
+          <a:fontRef idx="minor">
+            <a:schemeClr val="tx1"/>
+          </a:fontRef>
+        </p:style>
+      </p:cxnSp>
     </p:spTree>
     <p:extLst>
       <p:ext uri="{BB962C8B-B14F-4D97-AF65-F5344CB8AC3E}">
@@ -8141,7 +9416,7 @@
 </p:sld>
 </file>
 
-<file path=ppt/slides/slide15.xml><?xml version="1.0" encoding="utf-8"?>
+<file path=ppt/slides/slide18.xml><?xml version="1.0" encoding="utf-8"?>
 <p:sld xmlns:a="http://schemas.openxmlformats.org/drawingml/2006/main" xmlns:r="http://schemas.openxmlformats.org/officeDocument/2006/relationships" xmlns:p="http://schemas.openxmlformats.org/presentationml/2006/main">
   <p:cSld>
     <p:spTree>
@@ -9414,7 +10689,7 @@
 </p:sld>
 </file>
 
-<file path=ppt/slides/slide16.xml><?xml version="1.0" encoding="utf-8"?>
+<file path=ppt/slides/slide19.xml><?xml version="1.0" encoding="utf-8"?>
 <p:sld xmlns:a="http://schemas.openxmlformats.org/drawingml/2006/main" xmlns:r="http://schemas.openxmlformats.org/officeDocument/2006/relationships" xmlns:p="http://schemas.openxmlformats.org/presentationml/2006/main">
   <p:cSld>
     <p:spTree>
@@ -9680,7 +10955,494 @@
 </p:sld>
 </file>
 
-<file path=ppt/slides/slide17.xml><?xml version="1.0" encoding="utf-8"?>
+<file path=ppt/slides/slide2.xml><?xml version="1.0" encoding="utf-8"?>
+<p:sld xmlns:a="http://schemas.openxmlformats.org/drawingml/2006/main" xmlns:r="http://schemas.openxmlformats.org/officeDocument/2006/relationships" xmlns:p="http://schemas.openxmlformats.org/presentationml/2006/main">
+  <p:cSld name="Slide 3">
+    <p:bg>
+      <p:bgPr>
+        <a:solidFill>
+          <a:srgbClr val="FFFFFF"/>
+        </a:solidFill>
+        <a:effectLst/>
+      </p:bgPr>
+    </p:bg>
+    <p:spTree>
+      <p:nvGrpSpPr>
+        <p:cNvPr id="1" name=""/>
+        <p:cNvGrpSpPr/>
+        <p:nvPr/>
+      </p:nvGrpSpPr>
+      <p:grpSpPr>
+        <a:xfrm>
+          <a:off x="0" y="0"/>
+          <a:ext cx="0" cy="0"/>
+          <a:chOff x="0" y="0"/>
+          <a:chExt cx="0" cy="0"/>
+        </a:xfrm>
+      </p:grpSpPr>
+      <p:grpSp>
+        <p:nvGrpSpPr>
+          <p:cNvPr id="1001" name="그룹 1001"/>
+          <p:cNvGrpSpPr/>
+          <p:nvPr/>
+        </p:nvGrpSpPr>
+        <p:grpSpPr>
+          <a:xfrm>
+            <a:off x="16986360" y="2195397"/>
+            <a:ext cx="1432688" cy="191978"/>
+            <a:chOff x="16986360" y="2195397"/>
+            <a:chExt cx="1432688" cy="191978"/>
+          </a:xfrm>
+        </p:grpSpPr>
+        <p:pic>
+          <p:nvPicPr>
+            <p:cNvPr id="3" name="Object 2"/>
+            <p:cNvPicPr>
+              <a:picLocks noChangeAspect="1"/>
+            </p:cNvPicPr>
+            <p:nvPr/>
+          </p:nvPicPr>
+          <p:blipFill>
+            <a:blip r:embed="rId2" cstate="print"/>
+            <a:stretch>
+              <a:fillRect/>
+            </a:stretch>
+          </p:blipFill>
+          <p:spPr>
+            <a:xfrm>
+              <a:off x="16986360" y="2195397"/>
+              <a:ext cx="1432688" cy="191978"/>
+            </a:xfrm>
+            <a:prstGeom prst="rect">
+              <a:avLst/>
+            </a:prstGeom>
+          </p:spPr>
+        </p:pic>
+      </p:grpSp>
+      <p:pic>
+        <p:nvPicPr>
+          <p:cNvPr id="6" name="Object 5"/>
+          <p:cNvPicPr>
+            <a:picLocks noChangeAspect="1"/>
+          </p:cNvPicPr>
+          <p:nvPr/>
+        </p:nvPicPr>
+        <p:blipFill>
+          <a:blip r:embed="rId3" cstate="print"/>
+          <a:stretch>
+            <a:fillRect/>
+          </a:stretch>
+        </p:blipFill>
+        <p:spPr>
+          <a:xfrm>
+            <a:off x="1399461" y="4488270"/>
+            <a:ext cx="1758572" cy="1832228"/>
+          </a:xfrm>
+          <a:prstGeom prst="rect">
+            <a:avLst/>
+          </a:prstGeom>
+        </p:spPr>
+      </p:pic>
+      <p:pic>
+        <p:nvPicPr>
+          <p:cNvPr id="7" name="Object 6"/>
+          <p:cNvPicPr>
+            <a:picLocks noChangeAspect="1"/>
+          </p:cNvPicPr>
+          <p:nvPr/>
+        </p:nvPicPr>
+        <p:blipFill>
+          <a:blip r:embed="rId4" cstate="print"/>
+          <a:stretch>
+            <a:fillRect/>
+          </a:stretch>
+        </p:blipFill>
+        <p:spPr>
+          <a:xfrm>
+            <a:off x="7212477" y="4488270"/>
+            <a:ext cx="1768115" cy="1832228"/>
+          </a:xfrm>
+          <a:prstGeom prst="rect">
+            <a:avLst/>
+          </a:prstGeom>
+        </p:spPr>
+      </p:pic>
+      <p:grpSp>
+        <p:nvGrpSpPr>
+          <p:cNvPr id="1002" name="그룹 1002"/>
+          <p:cNvGrpSpPr/>
+          <p:nvPr/>
+        </p:nvGrpSpPr>
+        <p:grpSpPr>
+          <a:xfrm>
+            <a:off x="14827311" y="6820582"/>
+            <a:ext cx="3911298" cy="3873359"/>
+            <a:chOff x="14827311" y="6820582"/>
+            <a:chExt cx="3911298" cy="3873359"/>
+          </a:xfrm>
+        </p:grpSpPr>
+        <p:pic>
+          <p:nvPicPr>
+            <p:cNvPr id="12" name="Object 11"/>
+            <p:cNvPicPr>
+              <a:picLocks noChangeAspect="1"/>
+            </p:cNvPicPr>
+            <p:nvPr/>
+          </p:nvPicPr>
+          <p:blipFill>
+            <a:blip r:embed="rId5" cstate="print"/>
+            <a:stretch>
+              <a:fillRect/>
+            </a:stretch>
+          </p:blipFill>
+          <p:spPr>
+            <a:xfrm>
+              <a:off x="14827311" y="6820582"/>
+              <a:ext cx="3911298" cy="3873359"/>
+            </a:xfrm>
+            <a:prstGeom prst="rect">
+              <a:avLst/>
+            </a:prstGeom>
+          </p:spPr>
+        </p:pic>
+      </p:grpSp>
+      <p:grpSp>
+        <p:nvGrpSpPr>
+          <p:cNvPr id="1003" name="그룹 1003"/>
+          <p:cNvGrpSpPr/>
+          <p:nvPr/>
+        </p:nvGrpSpPr>
+        <p:grpSpPr>
+          <a:xfrm>
+            <a:off x="-600196" y="-982225"/>
+            <a:ext cx="4279052" cy="4237545"/>
+            <a:chOff x="-600196" y="-982225"/>
+            <a:chExt cx="4279052" cy="4237545"/>
+          </a:xfrm>
+        </p:grpSpPr>
+        <p:pic>
+          <p:nvPicPr>
+            <p:cNvPr id="15" name="Object 14"/>
+            <p:cNvPicPr>
+              <a:picLocks noChangeAspect="1"/>
+            </p:cNvPicPr>
+            <p:nvPr/>
+          </p:nvPicPr>
+          <p:blipFill>
+            <a:blip r:embed="rId6" cstate="print"/>
+            <a:stretch>
+              <a:fillRect/>
+            </a:stretch>
+          </p:blipFill>
+          <p:spPr>
+            <a:xfrm>
+              <a:off x="-600196" y="-982225"/>
+              <a:ext cx="4279052" cy="4237545"/>
+            </a:xfrm>
+            <a:prstGeom prst="rect">
+              <a:avLst/>
+            </a:prstGeom>
+          </p:spPr>
+        </p:pic>
+      </p:grpSp>
+      <p:sp>
+        <p:nvSpPr>
+          <p:cNvPr id="11" name="TextBox 10">
+            <a:extLst>
+              <a:ext uri="{FF2B5EF4-FFF2-40B4-BE49-F238E27FC236}">
+                <a16:creationId xmlns:a16="http://schemas.microsoft.com/office/drawing/2014/main" id="{9F88F580-08BE-88C2-D640-13F0026591CB}"/>
+              </a:ext>
+            </a:extLst>
+          </p:cNvPr>
+          <p:cNvSpPr txBox="1"/>
+          <p:nvPr/>
+        </p:nvSpPr>
+        <p:spPr>
+          <a:xfrm>
+            <a:off x="9906000" y="1530396"/>
+            <a:ext cx="6870855" cy="1200329"/>
+          </a:xfrm>
+          <a:prstGeom prst="rect">
+            <a:avLst/>
+          </a:prstGeom>
+          <a:noFill/>
+        </p:spPr>
+        <p:txBody>
+          <a:bodyPr wrap="none" rtlCol="0">
+            <a:spAutoFit/>
+          </a:bodyPr>
+          <a:lstStyle/>
+          <a:p>
+            <a:r>
+              <a:rPr lang="en-US" altLang="ko-KR" sz="7200" dirty="0">
+                <a:solidFill>
+                  <a:srgbClr val="4C50BC"/>
+                </a:solidFill>
+                <a:latin typeface="G마켓 산스 Bold" panose="02000000000000000000" pitchFamily="50" charset="-127"/>
+                <a:ea typeface="G마켓 산스 Bold" panose="02000000000000000000" pitchFamily="50" charset="-127"/>
+              </a:rPr>
+              <a:t>Part06 </a:t>
+            </a:r>
+            <a:r>
+              <a:rPr lang="ko-KR" altLang="en-US" sz="7200" dirty="0">
+                <a:solidFill>
+                  <a:srgbClr val="4C50BC"/>
+                </a:solidFill>
+                <a:latin typeface="G마켓 산스 Bold" panose="02000000000000000000" pitchFamily="50" charset="-127"/>
+                <a:ea typeface="G마켓 산스 Bold" panose="02000000000000000000" pitchFamily="50" charset="-127"/>
+              </a:rPr>
+              <a:t>객체지향</a:t>
+            </a:r>
+          </a:p>
+        </p:txBody>
+      </p:sp>
+      <p:sp>
+        <p:nvSpPr>
+          <p:cNvPr id="13" name="TextBox 12">
+            <a:extLst>
+              <a:ext uri="{FF2B5EF4-FFF2-40B4-BE49-F238E27FC236}">
+                <a16:creationId xmlns:a16="http://schemas.microsoft.com/office/drawing/2014/main" id="{72769C28-9BB6-DE9C-7B6F-264B77B8DD0E}"/>
+              </a:ext>
+            </a:extLst>
+          </p:cNvPr>
+          <p:cNvSpPr txBox="1"/>
+          <p:nvPr/>
+        </p:nvSpPr>
+        <p:spPr>
+          <a:xfrm>
+            <a:off x="3048000" y="5092125"/>
+            <a:ext cx="3201517" cy="584775"/>
+          </a:xfrm>
+          <a:prstGeom prst="rect">
+            <a:avLst/>
+          </a:prstGeom>
+          <a:noFill/>
+        </p:spPr>
+        <p:txBody>
+          <a:bodyPr wrap="none" rtlCol="0">
+            <a:spAutoFit/>
+          </a:bodyPr>
+          <a:lstStyle/>
+          <a:p>
+            <a:r>
+              <a:rPr lang="ko-KR" altLang="en-US" sz="3200" dirty="0">
+                <a:solidFill>
+                  <a:srgbClr val="4D4848"/>
+                </a:solidFill>
+                <a:latin typeface="G마켓 산스 Medium" panose="02000000000000000000" pitchFamily="50" charset="-127"/>
+                <a:ea typeface="G마켓 산스 Medium" panose="02000000000000000000" pitchFamily="50" charset="-127"/>
+              </a:rPr>
+              <a:t>객체지향의 이해</a:t>
+            </a:r>
+          </a:p>
+        </p:txBody>
+      </p:sp>
+      <p:sp>
+        <p:nvSpPr>
+          <p:cNvPr id="14" name="TextBox 13">
+            <a:extLst>
+              <a:ext uri="{FF2B5EF4-FFF2-40B4-BE49-F238E27FC236}">
+                <a16:creationId xmlns:a16="http://schemas.microsoft.com/office/drawing/2014/main" id="{270FBB6A-01CE-5637-78DA-58F0C974145C}"/>
+              </a:ext>
+            </a:extLst>
+          </p:cNvPr>
+          <p:cNvSpPr txBox="1"/>
+          <p:nvPr/>
+        </p:nvSpPr>
+        <p:spPr>
+          <a:xfrm>
+            <a:off x="9179922" y="5092125"/>
+            <a:ext cx="1415772" cy="584775"/>
+          </a:xfrm>
+          <a:prstGeom prst="rect">
+            <a:avLst/>
+          </a:prstGeom>
+          <a:noFill/>
+        </p:spPr>
+        <p:txBody>
+          <a:bodyPr wrap="none" rtlCol="0">
+            <a:spAutoFit/>
+          </a:bodyPr>
+          <a:lstStyle/>
+          <a:p>
+            <a:r>
+              <a:rPr lang="ko-KR" altLang="en-US" sz="3200" dirty="0">
+                <a:solidFill>
+                  <a:srgbClr val="4D4848"/>
+                </a:solidFill>
+                <a:latin typeface="G마켓 산스 Medium" panose="02000000000000000000" pitchFamily="50" charset="-127"/>
+                <a:ea typeface="G마켓 산스 Medium" panose="02000000000000000000" pitchFamily="50" charset="-127"/>
+              </a:rPr>
+              <a:t>메서드</a:t>
+            </a:r>
+            <a:endParaRPr lang="ko-KR" altLang="en-US" sz="2400" dirty="0">
+              <a:solidFill>
+                <a:srgbClr val="4D4848"/>
+              </a:solidFill>
+              <a:latin typeface="G마켓 산스 Medium" panose="02000000000000000000" pitchFamily="50" charset="-127"/>
+              <a:ea typeface="G마켓 산스 Medium" panose="02000000000000000000" pitchFamily="50" charset="-127"/>
+            </a:endParaRPr>
+          </a:p>
+        </p:txBody>
+      </p:sp>
+      <p:pic>
+        <p:nvPicPr>
+          <p:cNvPr id="2" name="Object 17">
+            <a:extLst>
+              <a:ext uri="{FF2B5EF4-FFF2-40B4-BE49-F238E27FC236}">
+                <a16:creationId xmlns:a16="http://schemas.microsoft.com/office/drawing/2014/main" id="{140B283D-FE58-FA6F-6F7C-E0F1DBB62A65}"/>
+              </a:ext>
+            </a:extLst>
+          </p:cNvPr>
+          <p:cNvPicPr>
+            <a:picLocks noChangeAspect="1"/>
+          </p:cNvPicPr>
+          <p:nvPr/>
+        </p:nvPicPr>
+        <p:blipFill>
+          <a:blip r:embed="rId7" cstate="print"/>
+          <a:stretch>
+            <a:fillRect/>
+          </a:stretch>
+        </p:blipFill>
+        <p:spPr>
+          <a:xfrm>
+            <a:off x="1399461" y="6684996"/>
+            <a:ext cx="1768115" cy="1832228"/>
+          </a:xfrm>
+          <a:prstGeom prst="rect">
+            <a:avLst/>
+          </a:prstGeom>
+        </p:spPr>
+      </p:pic>
+      <p:sp>
+        <p:nvSpPr>
+          <p:cNvPr id="4" name="TextBox 3">
+            <a:extLst>
+              <a:ext uri="{FF2B5EF4-FFF2-40B4-BE49-F238E27FC236}">
+                <a16:creationId xmlns:a16="http://schemas.microsoft.com/office/drawing/2014/main" id="{2C8D0998-79BC-6FD2-59D9-8052B4A25F65}"/>
+              </a:ext>
+            </a:extLst>
+          </p:cNvPr>
+          <p:cNvSpPr txBox="1"/>
+          <p:nvPr/>
+        </p:nvSpPr>
+        <p:spPr>
+          <a:xfrm>
+            <a:off x="3126859" y="7353300"/>
+            <a:ext cx="2380780" cy="584775"/>
+          </a:xfrm>
+          <a:prstGeom prst="rect">
+            <a:avLst/>
+          </a:prstGeom>
+          <a:noFill/>
+        </p:spPr>
+        <p:txBody>
+          <a:bodyPr wrap="none" rtlCol="0">
+            <a:spAutoFit/>
+          </a:bodyPr>
+          <a:lstStyle/>
+          <a:p>
+            <a:r>
+              <a:rPr lang="ko-KR" altLang="en-US" sz="3200" dirty="0">
+                <a:solidFill>
+                  <a:srgbClr val="4D4848"/>
+                </a:solidFill>
+                <a:latin typeface="G마켓 산스 Medium" panose="02000000000000000000" pitchFamily="50" charset="-127"/>
+                <a:ea typeface="G마켓 산스 Medium" panose="02000000000000000000" pitchFamily="50" charset="-127"/>
+              </a:rPr>
+              <a:t>메서드 활용</a:t>
+            </a:r>
+          </a:p>
+        </p:txBody>
+      </p:sp>
+      <p:pic>
+        <p:nvPicPr>
+          <p:cNvPr id="5" name="Object 18">
+            <a:extLst>
+              <a:ext uri="{FF2B5EF4-FFF2-40B4-BE49-F238E27FC236}">
+                <a16:creationId xmlns:a16="http://schemas.microsoft.com/office/drawing/2014/main" id="{3F58EA3E-1018-64D3-FAB2-4F6B9618FA56}"/>
+              </a:ext>
+            </a:extLst>
+          </p:cNvPr>
+          <p:cNvPicPr>
+            <a:picLocks noChangeAspect="1"/>
+          </p:cNvPicPr>
+          <p:nvPr/>
+        </p:nvPicPr>
+        <p:blipFill>
+          <a:blip r:embed="rId8" cstate="print"/>
+          <a:stretch>
+            <a:fillRect/>
+          </a:stretch>
+        </p:blipFill>
+        <p:spPr>
+          <a:xfrm>
+            <a:off x="7212477" y="6684996"/>
+            <a:ext cx="1787181" cy="1832228"/>
+          </a:xfrm>
+          <a:prstGeom prst="rect">
+            <a:avLst/>
+          </a:prstGeom>
+        </p:spPr>
+      </p:pic>
+      <p:sp>
+        <p:nvSpPr>
+          <p:cNvPr id="8" name="TextBox 7">
+            <a:extLst>
+              <a:ext uri="{FF2B5EF4-FFF2-40B4-BE49-F238E27FC236}">
+                <a16:creationId xmlns:a16="http://schemas.microsoft.com/office/drawing/2014/main" id="{681D3F16-7DCF-41AD-F5F1-0558C78C0E4D}"/>
+              </a:ext>
+            </a:extLst>
+          </p:cNvPr>
+          <p:cNvSpPr txBox="1"/>
+          <p:nvPr/>
+        </p:nvSpPr>
+        <p:spPr>
+          <a:xfrm>
+            <a:off x="9144000" y="7353300"/>
+            <a:ext cx="4343400" cy="584775"/>
+          </a:xfrm>
+          <a:prstGeom prst="rect">
+            <a:avLst/>
+          </a:prstGeom>
+          <a:noFill/>
+        </p:spPr>
+        <p:txBody>
+          <a:bodyPr wrap="square" rtlCol="0">
+            <a:spAutoFit/>
+          </a:bodyPr>
+          <a:lstStyle/>
+          <a:p>
+            <a:r>
+              <a:rPr lang="ko-KR" altLang="en-US" sz="3200">
+                <a:solidFill>
+                  <a:srgbClr val="4D4848"/>
+                </a:solidFill>
+                <a:latin typeface="G마켓 산스 Medium" panose="02000000000000000000" pitchFamily="50" charset="-127"/>
+                <a:ea typeface="G마켓 산스 Medium" panose="02000000000000000000" pitchFamily="50" charset="-127"/>
+              </a:rPr>
+              <a:t>실습 문제</a:t>
+            </a:r>
+            <a:endParaRPr lang="ko-KR" altLang="en-US" sz="3200" dirty="0">
+              <a:solidFill>
+                <a:srgbClr val="4D4848"/>
+              </a:solidFill>
+              <a:latin typeface="G마켓 산스 Medium" panose="02000000000000000000" pitchFamily="50" charset="-127"/>
+              <a:ea typeface="G마켓 산스 Medium" panose="02000000000000000000" pitchFamily="50" charset="-127"/>
+            </a:endParaRPr>
+          </a:p>
+        </p:txBody>
+      </p:sp>
+    </p:spTree>
+  </p:cSld>
+  <p:clrMapOvr>
+    <a:masterClrMapping/>
+  </p:clrMapOvr>
+</p:sld>
+</file>
+
+<file path=ppt/slides/slide20.xml><?xml version="1.0" encoding="utf-8"?>
 <p:sld xmlns:a="http://schemas.openxmlformats.org/drawingml/2006/main" xmlns:r="http://schemas.openxmlformats.org/officeDocument/2006/relationships" xmlns:p="http://schemas.openxmlformats.org/presentationml/2006/main">
   <p:cSld>
     <p:spTree>
@@ -9711,7 +11473,7 @@
         </p:nvSpPr>
         <p:spPr>
           <a:xfrm>
-            <a:off x="152400" y="342900"/>
+            <a:off x="152400" y="1257300"/>
             <a:ext cx="17526000" cy="2554545"/>
           </a:xfrm>
           <a:prstGeom prst="rect">
@@ -9726,16 +11488,6 @@
           <a:lstStyle/>
           <a:p>
             <a:r>
-              <a:rPr lang="en-US" altLang="ko-KR" sz="3200">
-                <a:solidFill>
-                  <a:srgbClr val="4C50BC"/>
-                </a:solidFill>
-                <a:latin typeface="G마켓 산스 Medium" panose="02000000000000000000" pitchFamily="50" charset="-127"/>
-                <a:ea typeface="G마켓 산스 Medium" panose="02000000000000000000" pitchFamily="50" charset="-127"/>
-              </a:rPr>
-              <a:t>3-4 </a:t>
-            </a:r>
-            <a:r>
               <a:rPr lang="ko-KR" altLang="en-US" sz="3200">
                 <a:solidFill>
                   <a:srgbClr val="4C50BC"/>
@@ -9783,7 +11535,7 @@
                 <a:latin typeface="G마켓 산스 Medium" panose="02000000000000000000" pitchFamily="50" charset="-127"/>
                 <a:ea typeface="G마켓 산스 Medium" panose="02000000000000000000" pitchFamily="50" charset="-127"/>
               </a:rPr>
-              <a:t>.)(Expert)</a:t>
+              <a:t>.)</a:t>
             </a:r>
           </a:p>
           <a:p>
@@ -9953,7 +11705,7 @@
         </p:blipFill>
         <p:spPr>
           <a:xfrm>
-            <a:off x="418653" y="3130584"/>
+            <a:off x="418653" y="4784013"/>
             <a:ext cx="3876675" cy="1371600"/>
           </a:xfrm>
           <a:prstGeom prst="rect">
@@ -9977,7 +11729,7 @@
         </p:blipFill>
         <p:spPr>
           <a:xfrm>
-            <a:off x="5295453" y="3238500"/>
+            <a:off x="5295453" y="4891929"/>
             <a:ext cx="3924747" cy="1216791"/>
           </a:xfrm>
           <a:prstGeom prst="rect">
@@ -9999,7 +11751,7 @@
         </p:nvGrpSpPr>
         <p:grpSpPr>
           <a:xfrm>
-            <a:off x="4533453" y="3522880"/>
+            <a:off x="4533453" y="5176309"/>
             <a:ext cx="720996" cy="587007"/>
             <a:chOff x="9011713" y="5350533"/>
             <a:chExt cx="720996" cy="587007"/>
@@ -10175,7 +11927,7 @@
         </p:blipFill>
         <p:spPr>
           <a:xfrm>
-            <a:off x="9067800" y="4838700"/>
+            <a:off x="9067800" y="6492129"/>
             <a:ext cx="2645225" cy="3604371"/>
           </a:xfrm>
           <a:prstGeom prst="rect">
@@ -10198,13 +11950,13 @@
           <p:nvPr>
             <p:extLst>
               <p:ext uri="{D42A27DB-BD31-4B8C-83A1-F6EECF244321}">
-                <p14:modId xmlns:p14="http://schemas.microsoft.com/office/powerpoint/2010/main" val="3827903682"/>
+                <p14:modId xmlns:p14="http://schemas.microsoft.com/office/powerpoint/2010/main" val="3675149927"/>
               </p:ext>
             </p:extLst>
           </p:nvPr>
         </p:nvGraphicFramePr>
         <p:xfrm>
-          <a:off x="10896600" y="2335035"/>
+          <a:off x="10896600" y="3988464"/>
           <a:ext cx="6355227" cy="2072640"/>
         </p:xfrm>
         <a:graphic>
@@ -10742,7 +12494,7 @@
         </p:blipFill>
         <p:spPr>
           <a:xfrm>
-            <a:off x="228600" y="4871996"/>
+            <a:off x="228600" y="6525425"/>
             <a:ext cx="8610803" cy="2252704"/>
           </a:xfrm>
           <a:prstGeom prst="rect">
@@ -10750,6 +12502,127 @@
           </a:prstGeom>
         </p:spPr>
       </p:pic>
+      <p:sp>
+        <p:nvSpPr>
+          <p:cNvPr id="17" name="TextBox 16">
+            <a:extLst>
+              <a:ext uri="{FF2B5EF4-FFF2-40B4-BE49-F238E27FC236}">
+                <a16:creationId xmlns:a16="http://schemas.microsoft.com/office/drawing/2014/main" id="{33E68E04-890B-B287-E047-0CFC11F77DDA}"/>
+              </a:ext>
+            </a:extLst>
+          </p:cNvPr>
+          <p:cNvSpPr txBox="1"/>
+          <p:nvPr/>
+        </p:nvSpPr>
+        <p:spPr>
+          <a:xfrm>
+            <a:off x="304800" y="114300"/>
+            <a:ext cx="10972800" cy="923330"/>
+          </a:xfrm>
+          <a:prstGeom prst="rect">
+            <a:avLst/>
+          </a:prstGeom>
+          <a:noFill/>
+        </p:spPr>
+        <p:txBody>
+          <a:bodyPr wrap="square" rtlCol="0">
+            <a:spAutoFit/>
+          </a:bodyPr>
+          <a:lstStyle/>
+          <a:p>
+            <a:r>
+              <a:rPr lang="en-US" altLang="ko-KR" sz="5400" spc="-300">
+                <a:solidFill>
+                  <a:srgbClr val="4C50BC"/>
+                </a:solidFill>
+                <a:latin typeface="G마켓 산스 Bold" panose="02000000000000000000" pitchFamily="50" charset="-127"/>
+                <a:ea typeface="G마켓 산스 Bold" panose="02000000000000000000" pitchFamily="50" charset="-127"/>
+              </a:rPr>
+              <a:t>3-4 </a:t>
+            </a:r>
+            <a:r>
+              <a:rPr lang="ko-KR" altLang="en-US" sz="5400" spc="-300">
+                <a:solidFill>
+                  <a:srgbClr val="4C50BC"/>
+                </a:solidFill>
+                <a:latin typeface="G마켓 산스 Bold" panose="02000000000000000000" pitchFamily="50" charset="-127"/>
+                <a:ea typeface="G마켓 산스 Bold" panose="02000000000000000000" pitchFamily="50" charset="-127"/>
+              </a:rPr>
+              <a:t>실습문제</a:t>
+            </a:r>
+            <a:r>
+              <a:rPr lang="en-US" altLang="ko-KR" sz="5400" spc="-300">
+                <a:solidFill>
+                  <a:srgbClr val="4C50BC"/>
+                </a:solidFill>
+                <a:latin typeface="G마켓 산스 Bold" panose="02000000000000000000" pitchFamily="50" charset="-127"/>
+                <a:ea typeface="G마켓 산스 Bold" panose="02000000000000000000" pitchFamily="50" charset="-127"/>
+              </a:rPr>
+              <a:t> </a:t>
+            </a:r>
+            <a:r>
+              <a:rPr lang="en-US" altLang="ko-KR" sz="5400" spc="-300">
+                <a:solidFill>
+                  <a:srgbClr val="FF0000"/>
+                </a:solidFill>
+                <a:latin typeface="G마켓 산스 Bold" panose="02000000000000000000" pitchFamily="50" charset="-127"/>
+                <a:ea typeface="G마켓 산스 Bold" panose="02000000000000000000" pitchFamily="50" charset="-127"/>
+              </a:rPr>
+              <a:t>(Expert)</a:t>
+            </a:r>
+            <a:endParaRPr lang="en-US" altLang="ko-KR" sz="5400" spc="-300" dirty="0">
+              <a:solidFill>
+                <a:srgbClr val="FF0000"/>
+              </a:solidFill>
+              <a:latin typeface="G마켓 산스 Bold" panose="02000000000000000000" pitchFamily="50" charset="-127"/>
+              <a:ea typeface="G마켓 산스 Bold" panose="02000000000000000000" pitchFamily="50" charset="-127"/>
+            </a:endParaRPr>
+          </a:p>
+        </p:txBody>
+      </p:sp>
+      <p:cxnSp>
+        <p:nvCxnSpPr>
+          <p:cNvPr id="18" name="직선 연결선 17">
+            <a:extLst>
+              <a:ext uri="{FF2B5EF4-FFF2-40B4-BE49-F238E27FC236}">
+                <a16:creationId xmlns:a16="http://schemas.microsoft.com/office/drawing/2014/main" id="{B61CE585-454C-C4A8-2837-19A77F2941CE}"/>
+              </a:ext>
+            </a:extLst>
+          </p:cNvPr>
+          <p:cNvCxnSpPr>
+            <a:cxnSpLocks/>
+          </p:cNvCxnSpPr>
+          <p:nvPr/>
+        </p:nvCxnSpPr>
+        <p:spPr>
+          <a:xfrm flipH="1" flipV="1">
+            <a:off x="-13447" y="972511"/>
+            <a:ext cx="18288000" cy="65119"/>
+          </a:xfrm>
+          <a:prstGeom prst="line">
+            <a:avLst/>
+          </a:prstGeom>
+          <a:ln w="38100">
+            <a:solidFill>
+              <a:srgbClr val="4C50BC"/>
+            </a:solidFill>
+          </a:ln>
+        </p:spPr>
+        <p:style>
+          <a:lnRef idx="1">
+            <a:schemeClr val="accent1"/>
+          </a:lnRef>
+          <a:fillRef idx="0">
+            <a:schemeClr val="accent1"/>
+          </a:fillRef>
+          <a:effectRef idx="0">
+            <a:schemeClr val="accent1"/>
+          </a:effectRef>
+          <a:fontRef idx="minor">
+            <a:schemeClr val="tx1"/>
+          </a:fontRef>
+        </p:style>
+      </p:cxnSp>
     </p:spTree>
     <p:extLst>
       <p:ext uri="{BB962C8B-B14F-4D97-AF65-F5344CB8AC3E}">
@@ -10763,7 +12636,7 @@
 </p:sld>
 </file>
 
-<file path=ppt/slides/slide18.xml><?xml version="1.0" encoding="utf-8"?>
+<file path=ppt/slides/slide21.xml><?xml version="1.0" encoding="utf-8"?>
 <p:sld xmlns:a="http://schemas.openxmlformats.org/drawingml/2006/main" xmlns:r="http://schemas.openxmlformats.org/officeDocument/2006/relationships" xmlns:p="http://schemas.openxmlformats.org/presentationml/2006/main">
   <p:cSld>
     <p:spTree>
@@ -10782,13 +12655,7 @@
       </p:grpSpPr>
       <p:pic>
         <p:nvPicPr>
-          <p:cNvPr id="5" name="그림 4">
-            <a:extLst>
-              <a:ext uri="{FF2B5EF4-FFF2-40B4-BE49-F238E27FC236}">
-                <a16:creationId xmlns:a16="http://schemas.microsoft.com/office/drawing/2014/main" id="{FF08380C-19EC-BECA-FC38-7A23534EE49A}"/>
-              </a:ext>
-            </a:extLst>
-          </p:cNvPr>
+          <p:cNvPr id="4" name="그림 3"/>
           <p:cNvPicPr>
             <a:picLocks noChangeAspect="1"/>
           </p:cNvPicPr>
@@ -10802,8 +12669,8 @@
         </p:blipFill>
         <p:spPr>
           <a:xfrm>
-            <a:off x="1355271" y="1790700"/>
-            <a:ext cx="14176269" cy="6705600"/>
+            <a:off x="4924425" y="3024187"/>
+            <a:ext cx="8439150" cy="4238625"/>
           </a:xfrm>
           <a:prstGeom prst="rect">
             <a:avLst/>
@@ -10812,10 +12679,10 @@
       </p:pic>
       <p:sp>
         <p:nvSpPr>
-          <p:cNvPr id="6" name="TextBox 5">
+          <p:cNvPr id="5" name="TextBox 4">
             <a:extLst>
               <a:ext uri="{FF2B5EF4-FFF2-40B4-BE49-F238E27FC236}">
-                <a16:creationId xmlns:a16="http://schemas.microsoft.com/office/drawing/2014/main" id="{46C61474-B737-AC62-262A-B3DA80B2312D}"/>
+                <a16:creationId xmlns:a16="http://schemas.microsoft.com/office/drawing/2014/main" id="{33E68E04-890B-B287-E047-0CFC11F77DDA}"/>
               </a:ext>
             </a:extLst>
           </p:cNvPr>
@@ -10824,8 +12691,8 @@
         </p:nvSpPr>
         <p:spPr>
           <a:xfrm>
-            <a:off x="457200" y="342900"/>
-            <a:ext cx="1752600" cy="646331"/>
+            <a:off x="304800" y="114300"/>
+            <a:ext cx="10972800" cy="923330"/>
           </a:xfrm>
           <a:prstGeom prst="rect">
             <a:avLst/>
@@ -10839,29 +12706,102 @@
           <a:lstStyle/>
           <a:p>
             <a:r>
-              <a:rPr lang="ko-KR" altLang="en-US" sz="3600" dirty="0">
+              <a:rPr lang="en-US" altLang="ko-KR" sz="5400" spc="-300">
                 <a:solidFill>
                   <a:srgbClr val="4C50BC"/>
                 </a:solidFill>
-                <a:latin typeface="G마켓 산스 Medium" panose="02000000000000000000" pitchFamily="50" charset="-127"/>
-                <a:ea typeface="G마켓 산스 Medium" panose="02000000000000000000" pitchFamily="50" charset="-127"/>
+                <a:latin typeface="G마켓 산스 Bold" panose="02000000000000000000" pitchFamily="50" charset="-127"/>
+                <a:ea typeface="G마켓 산스 Bold" panose="02000000000000000000" pitchFamily="50" charset="-127"/>
               </a:rPr>
-              <a:t>풀이</a:t>
-            </a:r>
-            <a:endParaRPr lang="en-US" altLang="ko-KR" sz="3600" dirty="0">
+              <a:t>3-4 </a:t>
+            </a:r>
+            <a:r>
+              <a:rPr lang="ko-KR" altLang="en-US" sz="5400" spc="-300">
+                <a:solidFill>
+                  <a:srgbClr val="4C50BC"/>
+                </a:solidFill>
+                <a:latin typeface="G마켓 산스 Bold" panose="02000000000000000000" pitchFamily="50" charset="-127"/>
+                <a:ea typeface="G마켓 산스 Bold" panose="02000000000000000000" pitchFamily="50" charset="-127"/>
+              </a:rPr>
+              <a:t>문제풀이</a:t>
+            </a:r>
+            <a:r>
+              <a:rPr lang="en-US" altLang="ko-KR" sz="5400" spc="-300">
+                <a:solidFill>
+                  <a:srgbClr val="4C50BC"/>
+                </a:solidFill>
+                <a:latin typeface="G마켓 산스 Bold" panose="02000000000000000000" pitchFamily="50" charset="-127"/>
+                <a:ea typeface="G마켓 산스 Bold" panose="02000000000000000000" pitchFamily="50" charset="-127"/>
+              </a:rPr>
+              <a:t> </a:t>
+            </a:r>
+            <a:r>
+              <a:rPr lang="en-US" altLang="ko-KR" sz="5400" spc="-300">
+                <a:solidFill>
+                  <a:srgbClr val="FF0000"/>
+                </a:solidFill>
+                <a:latin typeface="G마켓 산스 Bold" panose="02000000000000000000" pitchFamily="50" charset="-127"/>
+                <a:ea typeface="G마켓 산스 Bold" panose="02000000000000000000" pitchFamily="50" charset="-127"/>
+              </a:rPr>
+              <a:t>(Expert)</a:t>
+            </a:r>
+            <a:endParaRPr lang="en-US" altLang="ko-KR" sz="5400" spc="-300" dirty="0">
               <a:solidFill>
                 <a:srgbClr val="FF0000"/>
               </a:solidFill>
-              <a:latin typeface="G마켓 산스 Medium" panose="02000000000000000000" pitchFamily="50" charset="-127"/>
-              <a:ea typeface="G마켓 산스 Medium" panose="02000000000000000000" pitchFamily="50" charset="-127"/>
+              <a:latin typeface="G마켓 산스 Bold" panose="02000000000000000000" pitchFamily="50" charset="-127"/>
+              <a:ea typeface="G마켓 산스 Bold" panose="02000000000000000000" pitchFamily="50" charset="-127"/>
             </a:endParaRPr>
           </a:p>
         </p:txBody>
       </p:sp>
+      <p:cxnSp>
+        <p:nvCxnSpPr>
+          <p:cNvPr id="6" name="직선 연결선 5">
+            <a:extLst>
+              <a:ext uri="{FF2B5EF4-FFF2-40B4-BE49-F238E27FC236}">
+                <a16:creationId xmlns:a16="http://schemas.microsoft.com/office/drawing/2014/main" id="{B61CE585-454C-C4A8-2837-19A77F2941CE}"/>
+              </a:ext>
+            </a:extLst>
+          </p:cNvPr>
+          <p:cNvCxnSpPr>
+            <a:cxnSpLocks/>
+          </p:cNvCxnSpPr>
+          <p:nvPr/>
+        </p:nvCxnSpPr>
+        <p:spPr>
+          <a:xfrm flipH="1" flipV="1">
+            <a:off x="-13447" y="972511"/>
+            <a:ext cx="18288000" cy="65119"/>
+          </a:xfrm>
+          <a:prstGeom prst="line">
+            <a:avLst/>
+          </a:prstGeom>
+          <a:ln w="38100">
+            <a:solidFill>
+              <a:srgbClr val="4C50BC"/>
+            </a:solidFill>
+          </a:ln>
+        </p:spPr>
+        <p:style>
+          <a:lnRef idx="1">
+            <a:schemeClr val="accent1"/>
+          </a:lnRef>
+          <a:fillRef idx="0">
+            <a:schemeClr val="accent1"/>
+          </a:fillRef>
+          <a:effectRef idx="0">
+            <a:schemeClr val="accent1"/>
+          </a:effectRef>
+          <a:fontRef idx="minor">
+            <a:schemeClr val="tx1"/>
+          </a:fontRef>
+        </p:style>
+      </p:cxnSp>
     </p:spTree>
     <p:extLst>
       <p:ext uri="{BB962C8B-B14F-4D97-AF65-F5344CB8AC3E}">
-        <p14:creationId xmlns:p14="http://schemas.microsoft.com/office/powerpoint/2010/main" val="4228119818"/>
+        <p14:creationId xmlns:p14="http://schemas.microsoft.com/office/powerpoint/2010/main" val="1396636727"/>
       </p:ext>
     </p:extLst>
   </p:cSld>
@@ -10871,7 +12811,7 @@
 </p:sld>
 </file>
 
-<file path=ppt/slides/slide19.xml><?xml version="1.0" encoding="utf-8"?>
+<file path=ppt/slides/slide22.xml><?xml version="1.0" encoding="utf-8"?>
 <p:sld xmlns:a="http://schemas.openxmlformats.org/drawingml/2006/main" xmlns:r="http://schemas.openxmlformats.org/officeDocument/2006/relationships" xmlns:p="http://schemas.openxmlformats.org/presentationml/2006/main">
   <p:cSld name="Slide 20">
     <p:bg>
@@ -11198,493 +13138,6 @@
               </a:solidFill>
               <a:latin typeface="G마켓 산스 Light" panose="02000000000000000000" pitchFamily="50" charset="-127"/>
               <a:ea typeface="G마켓 산스 Light" panose="02000000000000000000" pitchFamily="50" charset="-127"/>
-            </a:endParaRPr>
-          </a:p>
-        </p:txBody>
-      </p:sp>
-    </p:spTree>
-  </p:cSld>
-  <p:clrMapOvr>
-    <a:masterClrMapping/>
-  </p:clrMapOvr>
-</p:sld>
-</file>
-
-<file path=ppt/slides/slide2.xml><?xml version="1.0" encoding="utf-8"?>
-<p:sld xmlns:a="http://schemas.openxmlformats.org/drawingml/2006/main" xmlns:r="http://schemas.openxmlformats.org/officeDocument/2006/relationships" xmlns:p="http://schemas.openxmlformats.org/presentationml/2006/main">
-  <p:cSld name="Slide 3">
-    <p:bg>
-      <p:bgPr>
-        <a:solidFill>
-          <a:srgbClr val="FFFFFF"/>
-        </a:solidFill>
-        <a:effectLst/>
-      </p:bgPr>
-    </p:bg>
-    <p:spTree>
-      <p:nvGrpSpPr>
-        <p:cNvPr id="1" name=""/>
-        <p:cNvGrpSpPr/>
-        <p:nvPr/>
-      </p:nvGrpSpPr>
-      <p:grpSpPr>
-        <a:xfrm>
-          <a:off x="0" y="0"/>
-          <a:ext cx="0" cy="0"/>
-          <a:chOff x="0" y="0"/>
-          <a:chExt cx="0" cy="0"/>
-        </a:xfrm>
-      </p:grpSpPr>
-      <p:grpSp>
-        <p:nvGrpSpPr>
-          <p:cNvPr id="1001" name="그룹 1001"/>
-          <p:cNvGrpSpPr/>
-          <p:nvPr/>
-        </p:nvGrpSpPr>
-        <p:grpSpPr>
-          <a:xfrm>
-            <a:off x="16986360" y="2195397"/>
-            <a:ext cx="1432688" cy="191978"/>
-            <a:chOff x="16986360" y="2195397"/>
-            <a:chExt cx="1432688" cy="191978"/>
-          </a:xfrm>
-        </p:grpSpPr>
-        <p:pic>
-          <p:nvPicPr>
-            <p:cNvPr id="3" name="Object 2"/>
-            <p:cNvPicPr>
-              <a:picLocks noChangeAspect="1"/>
-            </p:cNvPicPr>
-            <p:nvPr/>
-          </p:nvPicPr>
-          <p:blipFill>
-            <a:blip r:embed="rId2" cstate="print"/>
-            <a:stretch>
-              <a:fillRect/>
-            </a:stretch>
-          </p:blipFill>
-          <p:spPr>
-            <a:xfrm>
-              <a:off x="16986360" y="2195397"/>
-              <a:ext cx="1432688" cy="191978"/>
-            </a:xfrm>
-            <a:prstGeom prst="rect">
-              <a:avLst/>
-            </a:prstGeom>
-          </p:spPr>
-        </p:pic>
-      </p:grpSp>
-      <p:pic>
-        <p:nvPicPr>
-          <p:cNvPr id="6" name="Object 5"/>
-          <p:cNvPicPr>
-            <a:picLocks noChangeAspect="1"/>
-          </p:cNvPicPr>
-          <p:nvPr/>
-        </p:nvPicPr>
-        <p:blipFill>
-          <a:blip r:embed="rId3" cstate="print"/>
-          <a:stretch>
-            <a:fillRect/>
-          </a:stretch>
-        </p:blipFill>
-        <p:spPr>
-          <a:xfrm>
-            <a:off x="1399461" y="4488270"/>
-            <a:ext cx="1758572" cy="1832228"/>
-          </a:xfrm>
-          <a:prstGeom prst="rect">
-            <a:avLst/>
-          </a:prstGeom>
-        </p:spPr>
-      </p:pic>
-      <p:pic>
-        <p:nvPicPr>
-          <p:cNvPr id="7" name="Object 6"/>
-          <p:cNvPicPr>
-            <a:picLocks noChangeAspect="1"/>
-          </p:cNvPicPr>
-          <p:nvPr/>
-        </p:nvPicPr>
-        <p:blipFill>
-          <a:blip r:embed="rId4" cstate="print"/>
-          <a:stretch>
-            <a:fillRect/>
-          </a:stretch>
-        </p:blipFill>
-        <p:spPr>
-          <a:xfrm>
-            <a:off x="7212477" y="4488270"/>
-            <a:ext cx="1768115" cy="1832228"/>
-          </a:xfrm>
-          <a:prstGeom prst="rect">
-            <a:avLst/>
-          </a:prstGeom>
-        </p:spPr>
-      </p:pic>
-      <p:grpSp>
-        <p:nvGrpSpPr>
-          <p:cNvPr id="1002" name="그룹 1002"/>
-          <p:cNvGrpSpPr/>
-          <p:nvPr/>
-        </p:nvGrpSpPr>
-        <p:grpSpPr>
-          <a:xfrm>
-            <a:off x="14827311" y="6820582"/>
-            <a:ext cx="3911298" cy="3873359"/>
-            <a:chOff x="14827311" y="6820582"/>
-            <a:chExt cx="3911298" cy="3873359"/>
-          </a:xfrm>
-        </p:grpSpPr>
-        <p:pic>
-          <p:nvPicPr>
-            <p:cNvPr id="12" name="Object 11"/>
-            <p:cNvPicPr>
-              <a:picLocks noChangeAspect="1"/>
-            </p:cNvPicPr>
-            <p:nvPr/>
-          </p:nvPicPr>
-          <p:blipFill>
-            <a:blip r:embed="rId5" cstate="print"/>
-            <a:stretch>
-              <a:fillRect/>
-            </a:stretch>
-          </p:blipFill>
-          <p:spPr>
-            <a:xfrm>
-              <a:off x="14827311" y="6820582"/>
-              <a:ext cx="3911298" cy="3873359"/>
-            </a:xfrm>
-            <a:prstGeom prst="rect">
-              <a:avLst/>
-            </a:prstGeom>
-          </p:spPr>
-        </p:pic>
-      </p:grpSp>
-      <p:grpSp>
-        <p:nvGrpSpPr>
-          <p:cNvPr id="1003" name="그룹 1003"/>
-          <p:cNvGrpSpPr/>
-          <p:nvPr/>
-        </p:nvGrpSpPr>
-        <p:grpSpPr>
-          <a:xfrm>
-            <a:off x="-600196" y="-982225"/>
-            <a:ext cx="4279052" cy="4237545"/>
-            <a:chOff x="-600196" y="-982225"/>
-            <a:chExt cx="4279052" cy="4237545"/>
-          </a:xfrm>
-        </p:grpSpPr>
-        <p:pic>
-          <p:nvPicPr>
-            <p:cNvPr id="15" name="Object 14"/>
-            <p:cNvPicPr>
-              <a:picLocks noChangeAspect="1"/>
-            </p:cNvPicPr>
-            <p:nvPr/>
-          </p:nvPicPr>
-          <p:blipFill>
-            <a:blip r:embed="rId6" cstate="print"/>
-            <a:stretch>
-              <a:fillRect/>
-            </a:stretch>
-          </p:blipFill>
-          <p:spPr>
-            <a:xfrm>
-              <a:off x="-600196" y="-982225"/>
-              <a:ext cx="4279052" cy="4237545"/>
-            </a:xfrm>
-            <a:prstGeom prst="rect">
-              <a:avLst/>
-            </a:prstGeom>
-          </p:spPr>
-        </p:pic>
-      </p:grpSp>
-      <p:sp>
-        <p:nvSpPr>
-          <p:cNvPr id="11" name="TextBox 10">
-            <a:extLst>
-              <a:ext uri="{FF2B5EF4-FFF2-40B4-BE49-F238E27FC236}">
-                <a16:creationId xmlns:a16="http://schemas.microsoft.com/office/drawing/2014/main" id="{9F88F580-08BE-88C2-D640-13F0026591CB}"/>
-              </a:ext>
-            </a:extLst>
-          </p:cNvPr>
-          <p:cNvSpPr txBox="1"/>
-          <p:nvPr/>
-        </p:nvSpPr>
-        <p:spPr>
-          <a:xfrm>
-            <a:off x="9906000" y="1530396"/>
-            <a:ext cx="6870855" cy="1200329"/>
-          </a:xfrm>
-          <a:prstGeom prst="rect">
-            <a:avLst/>
-          </a:prstGeom>
-          <a:noFill/>
-        </p:spPr>
-        <p:txBody>
-          <a:bodyPr wrap="none" rtlCol="0">
-            <a:spAutoFit/>
-          </a:bodyPr>
-          <a:lstStyle/>
-          <a:p>
-            <a:r>
-              <a:rPr lang="en-US" altLang="ko-KR" sz="7200" dirty="0">
-                <a:solidFill>
-                  <a:srgbClr val="4C50BC"/>
-                </a:solidFill>
-                <a:latin typeface="G마켓 산스 Bold" panose="02000000000000000000" pitchFamily="50" charset="-127"/>
-                <a:ea typeface="G마켓 산스 Bold" panose="02000000000000000000" pitchFamily="50" charset="-127"/>
-              </a:rPr>
-              <a:t>Part06 </a:t>
-            </a:r>
-            <a:r>
-              <a:rPr lang="ko-KR" altLang="en-US" sz="7200" dirty="0">
-                <a:solidFill>
-                  <a:srgbClr val="4C50BC"/>
-                </a:solidFill>
-                <a:latin typeface="G마켓 산스 Bold" panose="02000000000000000000" pitchFamily="50" charset="-127"/>
-                <a:ea typeface="G마켓 산스 Bold" panose="02000000000000000000" pitchFamily="50" charset="-127"/>
-              </a:rPr>
-              <a:t>객체지향</a:t>
-            </a:r>
-          </a:p>
-        </p:txBody>
-      </p:sp>
-      <p:sp>
-        <p:nvSpPr>
-          <p:cNvPr id="13" name="TextBox 12">
-            <a:extLst>
-              <a:ext uri="{FF2B5EF4-FFF2-40B4-BE49-F238E27FC236}">
-                <a16:creationId xmlns:a16="http://schemas.microsoft.com/office/drawing/2014/main" id="{72769C28-9BB6-DE9C-7B6F-264B77B8DD0E}"/>
-              </a:ext>
-            </a:extLst>
-          </p:cNvPr>
-          <p:cNvSpPr txBox="1"/>
-          <p:nvPr/>
-        </p:nvSpPr>
-        <p:spPr>
-          <a:xfrm>
-            <a:off x="3048000" y="5092125"/>
-            <a:ext cx="3201517" cy="584775"/>
-          </a:xfrm>
-          <a:prstGeom prst="rect">
-            <a:avLst/>
-          </a:prstGeom>
-          <a:noFill/>
-        </p:spPr>
-        <p:txBody>
-          <a:bodyPr wrap="none" rtlCol="0">
-            <a:spAutoFit/>
-          </a:bodyPr>
-          <a:lstStyle/>
-          <a:p>
-            <a:r>
-              <a:rPr lang="ko-KR" altLang="en-US" sz="3200" dirty="0">
-                <a:solidFill>
-                  <a:srgbClr val="4D4848"/>
-                </a:solidFill>
-                <a:latin typeface="G마켓 산스 Medium" panose="02000000000000000000" pitchFamily="50" charset="-127"/>
-                <a:ea typeface="G마켓 산스 Medium" panose="02000000000000000000" pitchFamily="50" charset="-127"/>
-              </a:rPr>
-              <a:t>객체지향의 이해</a:t>
-            </a:r>
-          </a:p>
-        </p:txBody>
-      </p:sp>
-      <p:sp>
-        <p:nvSpPr>
-          <p:cNvPr id="14" name="TextBox 13">
-            <a:extLst>
-              <a:ext uri="{FF2B5EF4-FFF2-40B4-BE49-F238E27FC236}">
-                <a16:creationId xmlns:a16="http://schemas.microsoft.com/office/drawing/2014/main" id="{270FBB6A-01CE-5637-78DA-58F0C974145C}"/>
-              </a:ext>
-            </a:extLst>
-          </p:cNvPr>
-          <p:cNvSpPr txBox="1"/>
-          <p:nvPr/>
-        </p:nvSpPr>
-        <p:spPr>
-          <a:xfrm>
-            <a:off x="9179922" y="5092125"/>
-            <a:ext cx="1415772" cy="584775"/>
-          </a:xfrm>
-          <a:prstGeom prst="rect">
-            <a:avLst/>
-          </a:prstGeom>
-          <a:noFill/>
-        </p:spPr>
-        <p:txBody>
-          <a:bodyPr wrap="none" rtlCol="0">
-            <a:spAutoFit/>
-          </a:bodyPr>
-          <a:lstStyle/>
-          <a:p>
-            <a:r>
-              <a:rPr lang="ko-KR" altLang="en-US" sz="3200" dirty="0">
-                <a:solidFill>
-                  <a:srgbClr val="4D4848"/>
-                </a:solidFill>
-                <a:latin typeface="G마켓 산스 Medium" panose="02000000000000000000" pitchFamily="50" charset="-127"/>
-                <a:ea typeface="G마켓 산스 Medium" panose="02000000000000000000" pitchFamily="50" charset="-127"/>
-              </a:rPr>
-              <a:t>메서드</a:t>
-            </a:r>
-            <a:endParaRPr lang="ko-KR" altLang="en-US" sz="2400" dirty="0">
-              <a:solidFill>
-                <a:srgbClr val="4D4848"/>
-              </a:solidFill>
-              <a:latin typeface="G마켓 산스 Medium" panose="02000000000000000000" pitchFamily="50" charset="-127"/>
-              <a:ea typeface="G마켓 산스 Medium" panose="02000000000000000000" pitchFamily="50" charset="-127"/>
-            </a:endParaRPr>
-          </a:p>
-        </p:txBody>
-      </p:sp>
-      <p:pic>
-        <p:nvPicPr>
-          <p:cNvPr id="2" name="Object 17">
-            <a:extLst>
-              <a:ext uri="{FF2B5EF4-FFF2-40B4-BE49-F238E27FC236}">
-                <a16:creationId xmlns:a16="http://schemas.microsoft.com/office/drawing/2014/main" id="{140B283D-FE58-FA6F-6F7C-E0F1DBB62A65}"/>
-              </a:ext>
-            </a:extLst>
-          </p:cNvPr>
-          <p:cNvPicPr>
-            <a:picLocks noChangeAspect="1"/>
-          </p:cNvPicPr>
-          <p:nvPr/>
-        </p:nvPicPr>
-        <p:blipFill>
-          <a:blip r:embed="rId7" cstate="print"/>
-          <a:stretch>
-            <a:fillRect/>
-          </a:stretch>
-        </p:blipFill>
-        <p:spPr>
-          <a:xfrm>
-            <a:off x="1399461" y="6684996"/>
-            <a:ext cx="1768115" cy="1832228"/>
-          </a:xfrm>
-          <a:prstGeom prst="rect">
-            <a:avLst/>
-          </a:prstGeom>
-        </p:spPr>
-      </p:pic>
-      <p:sp>
-        <p:nvSpPr>
-          <p:cNvPr id="4" name="TextBox 3">
-            <a:extLst>
-              <a:ext uri="{FF2B5EF4-FFF2-40B4-BE49-F238E27FC236}">
-                <a16:creationId xmlns:a16="http://schemas.microsoft.com/office/drawing/2014/main" id="{2C8D0998-79BC-6FD2-59D9-8052B4A25F65}"/>
-              </a:ext>
-            </a:extLst>
-          </p:cNvPr>
-          <p:cNvSpPr txBox="1"/>
-          <p:nvPr/>
-        </p:nvSpPr>
-        <p:spPr>
-          <a:xfrm>
-            <a:off x="3126859" y="7353300"/>
-            <a:ext cx="2380780" cy="584775"/>
-          </a:xfrm>
-          <a:prstGeom prst="rect">
-            <a:avLst/>
-          </a:prstGeom>
-          <a:noFill/>
-        </p:spPr>
-        <p:txBody>
-          <a:bodyPr wrap="none" rtlCol="0">
-            <a:spAutoFit/>
-          </a:bodyPr>
-          <a:lstStyle/>
-          <a:p>
-            <a:r>
-              <a:rPr lang="ko-KR" altLang="en-US" sz="3200" dirty="0">
-                <a:solidFill>
-                  <a:srgbClr val="4D4848"/>
-                </a:solidFill>
-                <a:latin typeface="G마켓 산스 Medium" panose="02000000000000000000" pitchFamily="50" charset="-127"/>
-                <a:ea typeface="G마켓 산스 Medium" panose="02000000000000000000" pitchFamily="50" charset="-127"/>
-              </a:rPr>
-              <a:t>메서드 활용</a:t>
-            </a:r>
-          </a:p>
-        </p:txBody>
-      </p:sp>
-      <p:pic>
-        <p:nvPicPr>
-          <p:cNvPr id="5" name="Object 18">
-            <a:extLst>
-              <a:ext uri="{FF2B5EF4-FFF2-40B4-BE49-F238E27FC236}">
-                <a16:creationId xmlns:a16="http://schemas.microsoft.com/office/drawing/2014/main" id="{3F58EA3E-1018-64D3-FAB2-4F6B9618FA56}"/>
-              </a:ext>
-            </a:extLst>
-          </p:cNvPr>
-          <p:cNvPicPr>
-            <a:picLocks noChangeAspect="1"/>
-          </p:cNvPicPr>
-          <p:nvPr/>
-        </p:nvPicPr>
-        <p:blipFill>
-          <a:blip r:embed="rId8" cstate="print"/>
-          <a:stretch>
-            <a:fillRect/>
-          </a:stretch>
-        </p:blipFill>
-        <p:spPr>
-          <a:xfrm>
-            <a:off x="7212477" y="6684996"/>
-            <a:ext cx="1787181" cy="1832228"/>
-          </a:xfrm>
-          <a:prstGeom prst="rect">
-            <a:avLst/>
-          </a:prstGeom>
-        </p:spPr>
-      </p:pic>
-      <p:sp>
-        <p:nvSpPr>
-          <p:cNvPr id="8" name="TextBox 7">
-            <a:extLst>
-              <a:ext uri="{FF2B5EF4-FFF2-40B4-BE49-F238E27FC236}">
-                <a16:creationId xmlns:a16="http://schemas.microsoft.com/office/drawing/2014/main" id="{681D3F16-7DCF-41AD-F5F1-0558C78C0E4D}"/>
-              </a:ext>
-            </a:extLst>
-          </p:cNvPr>
-          <p:cNvSpPr txBox="1"/>
-          <p:nvPr/>
-        </p:nvSpPr>
-        <p:spPr>
-          <a:xfrm>
-            <a:off x="9144000" y="7353300"/>
-            <a:ext cx="4343400" cy="584775"/>
-          </a:xfrm>
-          <a:prstGeom prst="rect">
-            <a:avLst/>
-          </a:prstGeom>
-          <a:noFill/>
-        </p:spPr>
-        <p:txBody>
-          <a:bodyPr wrap="square" rtlCol="0">
-            <a:spAutoFit/>
-          </a:bodyPr>
-          <a:lstStyle/>
-          <a:p>
-            <a:r>
-              <a:rPr lang="ko-KR" altLang="en-US" sz="3200">
-                <a:solidFill>
-                  <a:srgbClr val="4D4848"/>
-                </a:solidFill>
-                <a:latin typeface="G마켓 산스 Medium" panose="02000000000000000000" pitchFamily="50" charset="-127"/>
-                <a:ea typeface="G마켓 산스 Medium" panose="02000000000000000000" pitchFamily="50" charset="-127"/>
-              </a:rPr>
-              <a:t>실습 문제</a:t>
-            </a:r>
-            <a:endParaRPr lang="ko-KR" altLang="en-US" sz="3200" dirty="0">
-              <a:solidFill>
-                <a:srgbClr val="4D4848"/>
-              </a:solidFill>
-              <a:latin typeface="G마켓 산스 Medium" panose="02000000000000000000" pitchFamily="50" charset="-127"/>
-              <a:ea typeface="G마켓 산스 Medium" panose="02000000000000000000" pitchFamily="50" charset="-127"/>
             </a:endParaRPr>
           </a:p>
         </p:txBody>
@@ -11977,57 +13430,6 @@
       </p:grpSpPr>
       <p:sp>
         <p:nvSpPr>
-          <p:cNvPr id="4" name="TextBox 3">
-            <a:extLst>
-              <a:ext uri="{FF2B5EF4-FFF2-40B4-BE49-F238E27FC236}">
-                <a16:creationId xmlns:a16="http://schemas.microsoft.com/office/drawing/2014/main" id="{37C30BAF-D498-C798-BC14-1718488A3435}"/>
-              </a:ext>
-            </a:extLst>
-          </p:cNvPr>
-          <p:cNvSpPr txBox="1"/>
-          <p:nvPr/>
-        </p:nvSpPr>
-        <p:spPr>
-          <a:xfrm>
-            <a:off x="685800" y="114300"/>
-            <a:ext cx="3657600" cy="830997"/>
-          </a:xfrm>
-          <a:prstGeom prst="rect">
-            <a:avLst/>
-          </a:prstGeom>
-          <a:noFill/>
-        </p:spPr>
-        <p:txBody>
-          <a:bodyPr wrap="square" rtlCol="0">
-            <a:spAutoFit/>
-          </a:bodyPr>
-          <a:lstStyle/>
-          <a:p>
-            <a:r>
-              <a:rPr lang="ko-KR" altLang="en-US" sz="4800" dirty="0">
-                <a:solidFill>
-                  <a:srgbClr val="4C50BC"/>
-                </a:solidFill>
-                <a:latin typeface="G마켓 산스 Medium" panose="02000000000000000000" pitchFamily="50" charset="-127"/>
-                <a:ea typeface="G마켓 산스 Medium" panose="02000000000000000000" pitchFamily="50" charset="-127"/>
-              </a:rPr>
-              <a:t>실습문제</a:t>
-            </a:r>
-            <a:r>
-              <a:rPr lang="en-US" altLang="ko-KR" sz="4800" dirty="0">
-                <a:solidFill>
-                  <a:srgbClr val="4C50BC"/>
-                </a:solidFill>
-                <a:latin typeface="G마켓 산스 Medium" panose="02000000000000000000" pitchFamily="50" charset="-127"/>
-                <a:ea typeface="G마켓 산스 Medium" panose="02000000000000000000" pitchFamily="50" charset="-127"/>
-              </a:rPr>
-              <a:t>1</a:t>
-            </a:r>
-          </a:p>
-        </p:txBody>
-      </p:sp>
-      <p:sp>
-        <p:nvSpPr>
           <p:cNvPr id="9" name="TextBox 8">
             <a:extLst>
               <a:ext uri="{FF2B5EF4-FFF2-40B4-BE49-F238E27FC236}">
@@ -12040,7 +13442,7 @@
         </p:nvSpPr>
         <p:spPr>
           <a:xfrm>
-            <a:off x="1066800" y="981052"/>
+            <a:off x="1066800" y="1181100"/>
             <a:ext cx="14935200" cy="2062103"/>
           </a:xfrm>
           <a:prstGeom prst="rect">
@@ -12055,24 +13457,14 @@
           <a:lstStyle/>
           <a:p>
             <a:r>
-              <a:rPr lang="en-US" altLang="ko-KR" sz="3200">
+              <a:rPr lang="ko-KR" altLang="en-US" sz="3200">
                 <a:solidFill>
                   <a:srgbClr val="4C50BC"/>
                 </a:solidFill>
                 <a:latin typeface="G마켓 산스 Medium" panose="02000000000000000000" pitchFamily="50" charset="-127"/>
                 <a:ea typeface="G마켓 산스 Medium" panose="02000000000000000000" pitchFamily="50" charset="-127"/>
               </a:rPr>
-              <a:t>1-1</a:t>
-            </a:r>
-            <a:r>
-              <a:rPr lang="ko-KR" altLang="en-US" sz="3200">
-                <a:solidFill>
-                  <a:srgbClr val="4C50BC"/>
-                </a:solidFill>
-                <a:latin typeface="G마켓 산스 Medium" panose="02000000000000000000" pitchFamily="50" charset="-127"/>
-                <a:ea typeface="G마켓 산스 Medium" panose="02000000000000000000" pitchFamily="50" charset="-127"/>
-              </a:rPr>
-              <a:t> 아래의 정보를 참고하여 </a:t>
+              <a:t>아래의 정보를 참고하여 </a:t>
             </a:r>
             <a:r>
               <a:rPr lang="en-US" altLang="ko-KR" sz="3200">
@@ -12104,16 +13496,13 @@
               </a:rPr>
               <a:t>.</a:t>
             </a:r>
-            <a:r>
-              <a:rPr lang="en-US" altLang="ko-KR" sz="3200">
-                <a:solidFill>
-                  <a:srgbClr val="FF0000"/>
-                </a:solidFill>
-                <a:latin typeface="G마켓 산스 Medium" panose="02000000000000000000" pitchFamily="50" charset="-127"/>
-                <a:ea typeface="G마켓 산스 Medium" panose="02000000000000000000" pitchFamily="50" charset="-127"/>
-              </a:rPr>
-              <a:t>(normal)</a:t>
-            </a:r>
+            <a:endParaRPr lang="en-US" altLang="ko-KR" sz="3200">
+              <a:solidFill>
+                <a:srgbClr val="FF0000"/>
+              </a:solidFill>
+              <a:latin typeface="G마켓 산스 Medium" panose="02000000000000000000" pitchFamily="50" charset="-127"/>
+              <a:ea typeface="G마켓 산스 Medium" panose="02000000000000000000" pitchFamily="50" charset="-127"/>
+            </a:endParaRPr>
           </a:p>
           <a:p>
             <a:pPr marL="457200" indent="-457200">
@@ -12173,6 +13562,36 @@
                 <a:ea typeface="G마켓 산스 Medium" panose="02000000000000000000" pitchFamily="50" charset="-127"/>
               </a:rPr>
               <a:t>: channal</a:t>
+            </a:r>
+          </a:p>
+          <a:p>
+            <a:pPr marL="457200" indent="-457200">
+              <a:buFontTx/>
+              <a:buChar char="-"/>
+            </a:pPr>
+            <a:r>
+              <a:rPr lang="ko-KR" altLang="en-US" sz="3200">
+                <a:solidFill>
+                  <a:schemeClr val="bg1">
+                    <a:lumMod val="50000"/>
+                  </a:schemeClr>
+                </a:solidFill>
+                <a:latin typeface="G마켓 산스 Medium" panose="02000000000000000000" pitchFamily="50" charset="-127"/>
+                <a:ea typeface="G마켓 산스 Medium" panose="02000000000000000000" pitchFamily="50" charset="-127"/>
+              </a:rPr>
+              <a:t>메서드는 없어도 된다</a:t>
+            </a:r>
+            <a:r>
+              <a:rPr lang="en-US" altLang="ko-KR" sz="3200">
+                <a:solidFill>
+                  <a:schemeClr val="bg1">
+                    <a:lumMod val="50000"/>
+                  </a:schemeClr>
+                </a:solidFill>
+                <a:latin typeface="G마켓 산스 Medium" panose="02000000000000000000" pitchFamily="50" charset="-127"/>
+                <a:ea typeface="G마켓 산스 Medium" panose="02000000000000000000" pitchFamily="50" charset="-127"/>
+              </a:rPr>
+              <a:t>.</a:t>
             </a:r>
           </a:p>
         </p:txBody>
@@ -12193,8 +13612,78 @@
         </p:blipFill>
         <p:spPr>
           <a:xfrm>
-            <a:off x="457200" y="3314700"/>
+            <a:off x="457200" y="3238500"/>
             <a:ext cx="11049426" cy="6400800"/>
+          </a:xfrm>
+          <a:prstGeom prst="rect">
+            <a:avLst/>
+          </a:prstGeom>
+        </p:spPr>
+      </p:pic>
+      <p:pic>
+        <p:nvPicPr>
+          <p:cNvPr id="11" name="그림 10"/>
+          <p:cNvPicPr>
+            <a:picLocks noChangeAspect="1"/>
+          </p:cNvPicPr>
+          <p:nvPr/>
+        </p:nvPicPr>
+        <p:blipFill rotWithShape="1">
+          <a:blip r:embed="rId3">
+            <a:extLst>
+              <a:ext uri="{BEBA8EAE-BF5A-486C-A8C5-ECC9F3942E4B}">
+                <a14:imgProps xmlns:a14="http://schemas.microsoft.com/office/drawing/2010/main">
+                  <a14:imgLayer r:embed="rId4">
+                    <a14:imgEffect>
+                      <a14:artisticGlass/>
+                    </a14:imgEffect>
+                  </a14:imgLayer>
+                </a14:imgProps>
+              </a:ext>
+            </a:extLst>
+          </a:blip>
+          <a:srcRect t="32143" r="1383" b="54762"/>
+          <a:stretch/>
+        </p:blipFill>
+        <p:spPr>
+          <a:xfrm>
+            <a:off x="609600" y="5448300"/>
+            <a:ext cx="10896601" cy="838200"/>
+          </a:xfrm>
+          <a:prstGeom prst="rect">
+            <a:avLst/>
+          </a:prstGeom>
+        </p:spPr>
+      </p:pic>
+      <p:pic>
+        <p:nvPicPr>
+          <p:cNvPr id="12" name="그림 11"/>
+          <p:cNvPicPr>
+            <a:picLocks noChangeAspect="1"/>
+          </p:cNvPicPr>
+          <p:nvPr/>
+        </p:nvPicPr>
+        <p:blipFill rotWithShape="1">
+          <a:blip r:embed="rId3">
+            <a:extLst>
+              <a:ext uri="{BEBA8EAE-BF5A-486C-A8C5-ECC9F3942E4B}">
+                <a14:imgProps xmlns:a14="http://schemas.microsoft.com/office/drawing/2010/main">
+                  <a14:imgLayer r:embed="rId4">
+                    <a14:imgEffect>
+                      <a14:artisticGlass/>
+                    </a14:imgEffect>
+                  </a14:imgLayer>
+                </a14:imgProps>
+              </a:ext>
+            </a:extLst>
+          </a:blip>
+          <a:srcRect l="-1" t="59524" r="-685" b="32143"/>
+          <a:stretch/>
+        </p:blipFill>
+        <p:spPr>
+          <a:xfrm>
+            <a:off x="457201" y="7048500"/>
+            <a:ext cx="11125200" cy="533400"/>
           </a:xfrm>
           <a:prstGeom prst="rect">
             <a:avLst/>
@@ -12210,14 +13699,14 @@
           <p:nvPr/>
         </p:nvPicPr>
         <p:blipFill>
-          <a:blip r:embed="rId3"/>
+          <a:blip r:embed="rId5"/>
           <a:stretch>
             <a:fillRect/>
           </a:stretch>
         </p:blipFill>
         <p:spPr>
           <a:xfrm>
-            <a:off x="12191999" y="3314700"/>
+            <a:off x="12191999" y="3238500"/>
             <a:ext cx="5387947" cy="3581400"/>
           </a:xfrm>
           <a:prstGeom prst="rect">
@@ -12225,6 +13714,120 @@
           </a:prstGeom>
         </p:spPr>
       </p:pic>
+      <p:sp>
+        <p:nvSpPr>
+          <p:cNvPr id="14" name="TextBox 13">
+            <a:extLst>
+              <a:ext uri="{FF2B5EF4-FFF2-40B4-BE49-F238E27FC236}">
+                <a16:creationId xmlns:a16="http://schemas.microsoft.com/office/drawing/2014/main" id="{33E68E04-890B-B287-E047-0CFC11F77DDA}"/>
+              </a:ext>
+            </a:extLst>
+          </p:cNvPr>
+          <p:cNvSpPr txBox="1"/>
+          <p:nvPr/>
+        </p:nvSpPr>
+        <p:spPr>
+          <a:xfrm>
+            <a:off x="304800" y="114300"/>
+            <a:ext cx="10972800" cy="923330"/>
+          </a:xfrm>
+          <a:prstGeom prst="rect">
+            <a:avLst/>
+          </a:prstGeom>
+          <a:noFill/>
+        </p:spPr>
+        <p:txBody>
+          <a:bodyPr wrap="square" rtlCol="0">
+            <a:spAutoFit/>
+          </a:bodyPr>
+          <a:lstStyle/>
+          <a:p>
+            <a:r>
+              <a:rPr lang="en-US" altLang="ko-KR" sz="5400" spc="-300" dirty="0">
+                <a:solidFill>
+                  <a:srgbClr val="4C50BC"/>
+                </a:solidFill>
+                <a:latin typeface="G마켓 산스 Bold" panose="02000000000000000000" pitchFamily="50" charset="-127"/>
+                <a:ea typeface="G마켓 산스 Bold" panose="02000000000000000000" pitchFamily="50" charset="-127"/>
+              </a:rPr>
+              <a:t>1-1 </a:t>
+            </a:r>
+            <a:r>
+              <a:rPr lang="ko-KR" altLang="en-US" sz="5400" spc="-300" dirty="0">
+                <a:solidFill>
+                  <a:srgbClr val="4C50BC"/>
+                </a:solidFill>
+                <a:latin typeface="G마켓 산스 Bold" panose="02000000000000000000" pitchFamily="50" charset="-127"/>
+                <a:ea typeface="G마켓 산스 Bold" panose="02000000000000000000" pitchFamily="50" charset="-127"/>
+              </a:rPr>
+              <a:t>실습문제</a:t>
+            </a:r>
+            <a:r>
+              <a:rPr lang="en-US" altLang="ko-KR" sz="5400" spc="-300" dirty="0">
+                <a:solidFill>
+                  <a:srgbClr val="4C50BC"/>
+                </a:solidFill>
+                <a:latin typeface="G마켓 산스 Bold" panose="02000000000000000000" pitchFamily="50" charset="-127"/>
+                <a:ea typeface="G마켓 산스 Bold" panose="02000000000000000000" pitchFamily="50" charset="-127"/>
+              </a:rPr>
+              <a:t> </a:t>
+            </a:r>
+            <a:r>
+              <a:rPr lang="en-US" altLang="ko-KR" sz="5400" spc="-300" dirty="0">
+                <a:solidFill>
+                  <a:srgbClr val="FF0000"/>
+                </a:solidFill>
+                <a:latin typeface="G마켓 산스 Bold" panose="02000000000000000000" pitchFamily="50" charset="-127"/>
+                <a:ea typeface="G마켓 산스 Bold" panose="02000000000000000000" pitchFamily="50" charset="-127"/>
+              </a:rPr>
+              <a:t>(normal)</a:t>
+            </a:r>
+          </a:p>
+        </p:txBody>
+      </p:sp>
+      <p:cxnSp>
+        <p:nvCxnSpPr>
+          <p:cNvPr id="15" name="직선 연결선 14">
+            <a:extLst>
+              <a:ext uri="{FF2B5EF4-FFF2-40B4-BE49-F238E27FC236}">
+                <a16:creationId xmlns:a16="http://schemas.microsoft.com/office/drawing/2014/main" id="{B61CE585-454C-C4A8-2837-19A77F2941CE}"/>
+              </a:ext>
+            </a:extLst>
+          </p:cNvPr>
+          <p:cNvCxnSpPr>
+            <a:cxnSpLocks/>
+          </p:cNvCxnSpPr>
+          <p:nvPr/>
+        </p:nvCxnSpPr>
+        <p:spPr>
+          <a:xfrm flipH="1" flipV="1">
+            <a:off x="-13447" y="972511"/>
+            <a:ext cx="18288000" cy="65119"/>
+          </a:xfrm>
+          <a:prstGeom prst="line">
+            <a:avLst/>
+          </a:prstGeom>
+          <a:ln w="38100">
+            <a:solidFill>
+              <a:srgbClr val="4C50BC"/>
+            </a:solidFill>
+          </a:ln>
+        </p:spPr>
+        <p:style>
+          <a:lnRef idx="1">
+            <a:schemeClr val="accent1"/>
+          </a:lnRef>
+          <a:fillRef idx="0">
+            <a:schemeClr val="accent1"/>
+          </a:fillRef>
+          <a:effectRef idx="0">
+            <a:schemeClr val="accent1"/>
+          </a:effectRef>
+          <a:fontRef idx="minor">
+            <a:schemeClr val="tx1"/>
+          </a:fontRef>
+        </p:style>
+      </p:cxnSp>
     </p:spTree>
     <p:extLst>
       <p:ext uri="{BB962C8B-B14F-4D97-AF65-F5344CB8AC3E}">
@@ -12235,10 +13838,280 @@
   <p:clrMapOvr>
     <a:masterClrMapping/>
   </p:clrMapOvr>
+  <p:timing>
+    <p:tnLst>
+      <p:par>
+        <p:cTn id="1" dur="indefinite" restart="never" nodeType="tmRoot">
+          <p:childTnLst>
+            <p:seq concurrent="1" nextAc="seek">
+              <p:cTn id="2" dur="indefinite" nodeType="mainSeq">
+                <p:childTnLst>
+                  <p:par>
+                    <p:cTn id="3" fill="hold">
+                      <p:stCondLst>
+                        <p:cond delay="indefinite"/>
+                      </p:stCondLst>
+                      <p:childTnLst>
+                        <p:par>
+                          <p:cTn id="4" fill="hold">
+                            <p:stCondLst>
+                              <p:cond delay="0"/>
+                            </p:stCondLst>
+                            <p:childTnLst>
+                              <p:par>
+                                <p:cTn id="5" presetID="1" presetClass="exit" presetSubtype="0" fill="hold" nodeType="clickEffect">
+                                  <p:stCondLst>
+                                    <p:cond delay="0"/>
+                                  </p:stCondLst>
+                                  <p:childTnLst>
+                                    <p:set>
+                                      <p:cBhvr>
+                                        <p:cTn id="6" dur="1" fill="hold">
+                                          <p:stCondLst>
+                                            <p:cond delay="0"/>
+                                          </p:stCondLst>
+                                        </p:cTn>
+                                        <p:tgtEl>
+                                          <p:spTgt spid="11"/>
+                                        </p:tgtEl>
+                                        <p:attrNameLst>
+                                          <p:attrName>style.visibility</p:attrName>
+                                        </p:attrNameLst>
+                                      </p:cBhvr>
+                                      <p:to>
+                                        <p:strVal val="hidden"/>
+                                      </p:to>
+                                    </p:set>
+                                  </p:childTnLst>
+                                </p:cTn>
+                              </p:par>
+                              <p:par>
+                                <p:cTn id="7" presetID="1" presetClass="exit" presetSubtype="0" fill="hold" nodeType="withEffect">
+                                  <p:stCondLst>
+                                    <p:cond delay="0"/>
+                                  </p:stCondLst>
+                                  <p:childTnLst>
+                                    <p:set>
+                                      <p:cBhvr>
+                                        <p:cTn id="8" dur="1" fill="hold">
+                                          <p:stCondLst>
+                                            <p:cond delay="0"/>
+                                          </p:stCondLst>
+                                        </p:cTn>
+                                        <p:tgtEl>
+                                          <p:spTgt spid="12"/>
+                                        </p:tgtEl>
+                                        <p:attrNameLst>
+                                          <p:attrName>style.visibility</p:attrName>
+                                        </p:attrNameLst>
+                                      </p:cBhvr>
+                                      <p:to>
+                                        <p:strVal val="hidden"/>
+                                      </p:to>
+                                    </p:set>
+                                  </p:childTnLst>
+                                </p:cTn>
+                              </p:par>
+                            </p:childTnLst>
+                          </p:cTn>
+                        </p:par>
+                      </p:childTnLst>
+                    </p:cTn>
+                  </p:par>
+                </p:childTnLst>
+              </p:cTn>
+              <p:prevCondLst>
+                <p:cond evt="onPrev" delay="0">
+                  <p:tgtEl>
+                    <p:sldTgt/>
+                  </p:tgtEl>
+                </p:cond>
+              </p:prevCondLst>
+              <p:nextCondLst>
+                <p:cond evt="onNext" delay="0">
+                  <p:tgtEl>
+                    <p:sldTgt/>
+                  </p:tgtEl>
+                </p:cond>
+              </p:nextCondLst>
+            </p:seq>
+          </p:childTnLst>
+        </p:cTn>
+      </p:par>
+    </p:tnLst>
+  </p:timing>
 </p:sld>
 </file>
 
 <file path=ppt/slides/slide5.xml><?xml version="1.0" encoding="utf-8"?>
+<p:sld xmlns:a="http://schemas.openxmlformats.org/drawingml/2006/main" xmlns:r="http://schemas.openxmlformats.org/officeDocument/2006/relationships" xmlns:p="http://schemas.openxmlformats.org/presentationml/2006/main">
+  <p:cSld>
+    <p:spTree>
+      <p:nvGrpSpPr>
+        <p:cNvPr id="1" name=""/>
+        <p:cNvGrpSpPr/>
+        <p:nvPr/>
+      </p:nvGrpSpPr>
+      <p:grpSpPr>
+        <a:xfrm>
+          <a:off x="0" y="0"/>
+          <a:ext cx="0" cy="0"/>
+          <a:chOff x="0" y="0"/>
+          <a:chExt cx="0" cy="0"/>
+        </a:xfrm>
+      </p:grpSpPr>
+      <p:sp>
+        <p:nvSpPr>
+          <p:cNvPr id="4" name="TextBox 3">
+            <a:extLst>
+              <a:ext uri="{FF2B5EF4-FFF2-40B4-BE49-F238E27FC236}">
+                <a16:creationId xmlns:a16="http://schemas.microsoft.com/office/drawing/2014/main" id="{33E68E04-890B-B287-E047-0CFC11F77DDA}"/>
+              </a:ext>
+            </a:extLst>
+          </p:cNvPr>
+          <p:cNvSpPr txBox="1"/>
+          <p:nvPr/>
+        </p:nvSpPr>
+        <p:spPr>
+          <a:xfrm>
+            <a:off x="304800" y="114300"/>
+            <a:ext cx="10972800" cy="923330"/>
+          </a:xfrm>
+          <a:prstGeom prst="rect">
+            <a:avLst/>
+          </a:prstGeom>
+          <a:noFill/>
+        </p:spPr>
+        <p:txBody>
+          <a:bodyPr wrap="square" rtlCol="0">
+            <a:spAutoFit/>
+          </a:bodyPr>
+          <a:lstStyle/>
+          <a:p>
+            <a:r>
+              <a:rPr lang="en-US" altLang="ko-KR" sz="5400" spc="-300">
+                <a:solidFill>
+                  <a:srgbClr val="4C50BC"/>
+                </a:solidFill>
+                <a:latin typeface="G마켓 산스 Bold" panose="02000000000000000000" pitchFamily="50" charset="-127"/>
+                <a:ea typeface="G마켓 산스 Bold" panose="02000000000000000000" pitchFamily="50" charset="-127"/>
+              </a:rPr>
+              <a:t>1-1 </a:t>
+            </a:r>
+            <a:r>
+              <a:rPr lang="ko-KR" altLang="en-US" sz="5400" spc="-300">
+                <a:solidFill>
+                  <a:srgbClr val="4C50BC"/>
+                </a:solidFill>
+                <a:latin typeface="G마켓 산스 Bold" panose="02000000000000000000" pitchFamily="50" charset="-127"/>
+                <a:ea typeface="G마켓 산스 Bold" panose="02000000000000000000" pitchFamily="50" charset="-127"/>
+              </a:rPr>
+              <a:t>문제풀이</a:t>
+            </a:r>
+            <a:r>
+              <a:rPr lang="en-US" altLang="ko-KR" sz="5400" spc="-300">
+                <a:solidFill>
+                  <a:srgbClr val="4C50BC"/>
+                </a:solidFill>
+                <a:latin typeface="G마켓 산스 Bold" panose="02000000000000000000" pitchFamily="50" charset="-127"/>
+                <a:ea typeface="G마켓 산스 Bold" panose="02000000000000000000" pitchFamily="50" charset="-127"/>
+              </a:rPr>
+              <a:t> </a:t>
+            </a:r>
+            <a:r>
+              <a:rPr lang="en-US" altLang="ko-KR" sz="5400" spc="-300" dirty="0">
+                <a:solidFill>
+                  <a:srgbClr val="FF0000"/>
+                </a:solidFill>
+                <a:latin typeface="G마켓 산스 Bold" panose="02000000000000000000" pitchFamily="50" charset="-127"/>
+                <a:ea typeface="G마켓 산스 Bold" panose="02000000000000000000" pitchFamily="50" charset="-127"/>
+              </a:rPr>
+              <a:t>(normal)</a:t>
+            </a:r>
+          </a:p>
+        </p:txBody>
+      </p:sp>
+      <p:cxnSp>
+        <p:nvCxnSpPr>
+          <p:cNvPr id="5" name="직선 연결선 4">
+            <a:extLst>
+              <a:ext uri="{FF2B5EF4-FFF2-40B4-BE49-F238E27FC236}">
+                <a16:creationId xmlns:a16="http://schemas.microsoft.com/office/drawing/2014/main" id="{B61CE585-454C-C4A8-2837-19A77F2941CE}"/>
+              </a:ext>
+            </a:extLst>
+          </p:cNvPr>
+          <p:cNvCxnSpPr>
+            <a:cxnSpLocks/>
+          </p:cNvCxnSpPr>
+          <p:nvPr/>
+        </p:nvCxnSpPr>
+        <p:spPr>
+          <a:xfrm flipH="1" flipV="1">
+            <a:off x="-13447" y="972511"/>
+            <a:ext cx="18288000" cy="65119"/>
+          </a:xfrm>
+          <a:prstGeom prst="line">
+            <a:avLst/>
+          </a:prstGeom>
+          <a:ln w="38100">
+            <a:solidFill>
+              <a:srgbClr val="4C50BC"/>
+            </a:solidFill>
+          </a:ln>
+        </p:spPr>
+        <p:style>
+          <a:lnRef idx="1">
+            <a:schemeClr val="accent1"/>
+          </a:lnRef>
+          <a:fillRef idx="0">
+            <a:schemeClr val="accent1"/>
+          </a:fillRef>
+          <a:effectRef idx="0">
+            <a:schemeClr val="accent1"/>
+          </a:effectRef>
+          <a:fontRef idx="minor">
+            <a:schemeClr val="tx1"/>
+          </a:fontRef>
+        </p:style>
+      </p:cxnSp>
+      <p:pic>
+        <p:nvPicPr>
+          <p:cNvPr id="6" name="그림 5"/>
+          <p:cNvPicPr>
+            <a:picLocks noChangeAspect="1"/>
+          </p:cNvPicPr>
+          <p:nvPr/>
+        </p:nvPicPr>
+        <p:blipFill>
+          <a:blip r:embed="rId2"/>
+          <a:stretch>
+            <a:fillRect/>
+          </a:stretch>
+        </p:blipFill>
+        <p:spPr>
+          <a:xfrm>
+            <a:off x="3605840" y="2019300"/>
+            <a:ext cx="11049426" cy="6400800"/>
+          </a:xfrm>
+          <a:prstGeom prst="rect">
+            <a:avLst/>
+          </a:prstGeom>
+        </p:spPr>
+      </p:pic>
+    </p:spTree>
+    <p:extLst>
+      <p:ext uri="{BB962C8B-B14F-4D97-AF65-F5344CB8AC3E}">
+        <p14:creationId xmlns:p14="http://schemas.microsoft.com/office/powerpoint/2010/main" val="1830961332"/>
+      </p:ext>
+    </p:extLst>
+  </p:cSld>
+  <p:clrMapOvr>
+    <a:masterClrMapping/>
+  </p:clrMapOvr>
+</p:sld>
+</file>
+
+<file path=ppt/slides/slide6.xml><?xml version="1.0" encoding="utf-8"?>
 <p:sld xmlns:a="http://schemas.openxmlformats.org/drawingml/2006/main" xmlns:r="http://schemas.openxmlformats.org/officeDocument/2006/relationships" xmlns:p="http://schemas.openxmlformats.org/presentationml/2006/main">
   <p:cSld>
     <p:bg>
@@ -12504,7 +14377,7 @@
 </p:sld>
 </file>
 
-<file path=ppt/slides/slide6.xml><?xml version="1.0" encoding="utf-8"?>
+<file path=ppt/slides/slide7.xml><?xml version="1.0" encoding="utf-8"?>
 <p:sld xmlns:a="http://schemas.openxmlformats.org/drawingml/2006/main" xmlns:r="http://schemas.openxmlformats.org/officeDocument/2006/relationships" xmlns:p="http://schemas.openxmlformats.org/presentationml/2006/main">
   <p:cSld>
     <p:spTree>
@@ -12535,7 +14408,7 @@
         </p:nvSpPr>
         <p:spPr>
           <a:xfrm>
-            <a:off x="990600" y="869316"/>
+            <a:off x="990600" y="1104900"/>
             <a:ext cx="16553516" cy="1077218"/>
           </a:xfrm>
           <a:prstGeom prst="rect">
@@ -12557,7 +14430,7 @@
                 <a:latin typeface="G마켓 산스 Medium" panose="02000000000000000000" pitchFamily="50" charset="-127"/>
                 <a:ea typeface="G마켓 산스 Medium" panose="02000000000000000000" pitchFamily="50" charset="-127"/>
               </a:rPr>
-              <a:t>2-1 MyMath</a:t>
+              <a:t>MyMath</a:t>
             </a:r>
             <a:r>
               <a:rPr lang="ko-KR" altLang="en-US" sz="3200">
@@ -12587,18 +14460,15 @@
                 <a:latin typeface="G마켓 산스 Medium" panose="02000000000000000000" pitchFamily="50" charset="-127"/>
                 <a:ea typeface="G마켓 산스 Medium" panose="02000000000000000000" pitchFamily="50" charset="-127"/>
               </a:rPr>
-              <a:t>답을 출력하자 </a:t>
-            </a:r>
-            <a:r>
-              <a:rPr lang="en-US" altLang="ko-KR" sz="3200">
-                <a:solidFill>
-                  <a:srgbClr val="FF0000"/>
-                </a:solidFill>
-                <a:latin typeface="G마켓 산스 Medium" panose="02000000000000000000" pitchFamily="50" charset="-127"/>
-                <a:ea typeface="G마켓 산스 Medium" panose="02000000000000000000" pitchFamily="50" charset="-127"/>
-              </a:rPr>
-              <a:t>(normal)</a:t>
-            </a:r>
+              <a:t>답을 출력하자</a:t>
+            </a:r>
+            <a:endParaRPr lang="en-US" altLang="ko-KR" sz="3200">
+              <a:solidFill>
+                <a:srgbClr val="FF0000"/>
+              </a:solidFill>
+              <a:latin typeface="G마켓 산스 Medium" panose="02000000000000000000" pitchFamily="50" charset="-127"/>
+              <a:ea typeface="G마켓 산스 Medium" panose="02000000000000000000" pitchFamily="50" charset="-127"/>
+            </a:endParaRPr>
           </a:p>
           <a:p>
             <a:r>
@@ -12663,10 +14533,16 @@
           <p:cNvGraphicFramePr>
             <a:graphicFrameLocks noGrp="1"/>
           </p:cNvGraphicFramePr>
-          <p:nvPr/>
+          <p:nvPr>
+            <p:extLst>
+              <p:ext uri="{D42A27DB-BD31-4B8C-83A1-F6EECF244321}">
+                <p14:modId xmlns:p14="http://schemas.microsoft.com/office/powerpoint/2010/main" val="3762971969"/>
+              </p:ext>
+            </p:extLst>
+          </p:nvPr>
         </p:nvGraphicFramePr>
         <p:xfrm>
-          <a:off x="7620000" y="6057900"/>
+          <a:off x="7620000" y="6591300"/>
           <a:ext cx="6215744" cy="3657600"/>
         </p:xfrm>
         <a:graphic>
@@ -13986,7 +15862,7 @@
         </p:blipFill>
         <p:spPr>
           <a:xfrm>
-            <a:off x="214531" y="5876696"/>
+            <a:off x="214531" y="6410096"/>
             <a:ext cx="2985869" cy="2839023"/>
           </a:xfrm>
           <a:prstGeom prst="rect">
@@ -14010,8 +15886,43 @@
         </p:blipFill>
         <p:spPr>
           <a:xfrm>
-            <a:off x="228599" y="1840870"/>
+            <a:off x="228599" y="2374270"/>
             <a:ext cx="14381041" cy="3683630"/>
+          </a:xfrm>
+          <a:prstGeom prst="rect">
+            <a:avLst/>
+          </a:prstGeom>
+        </p:spPr>
+      </p:pic>
+      <p:pic>
+        <p:nvPicPr>
+          <p:cNvPr id="8" name="그림 7"/>
+          <p:cNvPicPr>
+            <a:picLocks noChangeAspect="1"/>
+          </p:cNvPicPr>
+          <p:nvPr/>
+        </p:nvPicPr>
+        <p:blipFill rotWithShape="1">
+          <a:blip r:embed="rId4">
+            <a:extLst>
+              <a:ext uri="{BEBA8EAE-BF5A-486C-A8C5-ECC9F3942E4B}">
+                <a14:imgProps xmlns:a14="http://schemas.microsoft.com/office/drawing/2010/main">
+                  <a14:imgLayer r:embed="rId5">
+                    <a14:imgEffect>
+                      <a14:artisticBlur radius="25"/>
+                    </a14:imgEffect>
+                  </a14:imgLayer>
+                </a14:imgProps>
+              </a:ext>
+            </a:extLst>
+          </a:blip>
+          <a:srcRect l="-1" t="26892" r="386" b="33805"/>
+          <a:stretch/>
+        </p:blipFill>
+        <p:spPr>
+          <a:xfrm>
+            <a:off x="228600" y="3238500"/>
+            <a:ext cx="14325600" cy="1447800"/>
           </a:xfrm>
           <a:prstGeom prst="rect">
             <a:avLst/>
@@ -14020,10 +15931,10 @@
       </p:pic>
       <p:sp>
         <p:nvSpPr>
-          <p:cNvPr id="10" name="TextBox 9">
+          <p:cNvPr id="9" name="TextBox 8">
             <a:extLst>
               <a:ext uri="{FF2B5EF4-FFF2-40B4-BE49-F238E27FC236}">
-                <a16:creationId xmlns:a16="http://schemas.microsoft.com/office/drawing/2014/main" id="{37C30BAF-D498-C798-BC14-1718488A3435}"/>
+                <a16:creationId xmlns:a16="http://schemas.microsoft.com/office/drawing/2014/main" id="{33E68E04-890B-B287-E047-0CFC11F77DDA}"/>
               </a:ext>
             </a:extLst>
           </p:cNvPr>
@@ -14032,8 +15943,8 @@
         </p:nvSpPr>
         <p:spPr>
           <a:xfrm>
-            <a:off x="685800" y="114300"/>
-            <a:ext cx="3657600" cy="830997"/>
+            <a:off x="304800" y="114300"/>
+            <a:ext cx="10972800" cy="923330"/>
           </a:xfrm>
           <a:prstGeom prst="rect">
             <a:avLst/>
@@ -14047,28 +15958,101 @@
           <a:lstStyle/>
           <a:p>
             <a:r>
-              <a:rPr lang="ko-KR" altLang="en-US" sz="4800">
+              <a:rPr lang="en-US" altLang="ko-KR" sz="5400" spc="-300" dirty="0">
                 <a:solidFill>
                   <a:srgbClr val="4C50BC"/>
                 </a:solidFill>
-                <a:latin typeface="G마켓 산스 Medium" panose="02000000000000000000" pitchFamily="50" charset="-127"/>
-                <a:ea typeface="G마켓 산스 Medium" panose="02000000000000000000" pitchFamily="50" charset="-127"/>
+                <a:latin typeface="G마켓 산스 Bold" panose="02000000000000000000" pitchFamily="50" charset="-127"/>
+                <a:ea typeface="G마켓 산스 Bold" panose="02000000000000000000" pitchFamily="50" charset="-127"/>
+              </a:rPr>
+              <a:t>2</a:t>
+            </a:r>
+            <a:r>
+              <a:rPr lang="en-US" altLang="ko-KR" sz="5400" spc="-300">
+                <a:solidFill>
+                  <a:srgbClr val="4C50BC"/>
+                </a:solidFill>
+                <a:latin typeface="G마켓 산스 Bold" panose="02000000000000000000" pitchFamily="50" charset="-127"/>
+                <a:ea typeface="G마켓 산스 Bold" panose="02000000000000000000" pitchFamily="50" charset="-127"/>
+              </a:rPr>
+              <a:t>-1 </a:t>
+            </a:r>
+            <a:r>
+              <a:rPr lang="ko-KR" altLang="en-US" sz="5400" spc="-300" dirty="0">
+                <a:solidFill>
+                  <a:srgbClr val="4C50BC"/>
+                </a:solidFill>
+                <a:latin typeface="G마켓 산스 Bold" panose="02000000000000000000" pitchFamily="50" charset="-127"/>
+                <a:ea typeface="G마켓 산스 Bold" panose="02000000000000000000" pitchFamily="50" charset="-127"/>
               </a:rPr>
               <a:t>실습문제</a:t>
             </a:r>
             <a:r>
-              <a:rPr lang="en-US" altLang="ko-KR" sz="4800" dirty="0">
+              <a:rPr lang="en-US" altLang="ko-KR" sz="5400" spc="-300" dirty="0">
                 <a:solidFill>
                   <a:srgbClr val="4C50BC"/>
                 </a:solidFill>
-                <a:latin typeface="G마켓 산스 Medium" panose="02000000000000000000" pitchFamily="50" charset="-127"/>
-                <a:ea typeface="G마켓 산스 Medium" panose="02000000000000000000" pitchFamily="50" charset="-127"/>
+                <a:latin typeface="G마켓 산스 Bold" panose="02000000000000000000" pitchFamily="50" charset="-127"/>
+                <a:ea typeface="G마켓 산스 Bold" panose="02000000000000000000" pitchFamily="50" charset="-127"/>
               </a:rPr>
-              <a:t>2</a:t>
+              <a:t> </a:t>
+            </a:r>
+            <a:r>
+              <a:rPr lang="en-US" altLang="ko-KR" sz="5400" spc="-300" dirty="0">
+                <a:solidFill>
+                  <a:srgbClr val="FF0000"/>
+                </a:solidFill>
+                <a:latin typeface="G마켓 산스 Bold" panose="02000000000000000000" pitchFamily="50" charset="-127"/>
+                <a:ea typeface="G마켓 산스 Bold" panose="02000000000000000000" pitchFamily="50" charset="-127"/>
+              </a:rPr>
+              <a:t>(normal)</a:t>
             </a:r>
           </a:p>
         </p:txBody>
       </p:sp>
+      <p:cxnSp>
+        <p:nvCxnSpPr>
+          <p:cNvPr id="11" name="직선 연결선 10">
+            <a:extLst>
+              <a:ext uri="{FF2B5EF4-FFF2-40B4-BE49-F238E27FC236}">
+                <a16:creationId xmlns:a16="http://schemas.microsoft.com/office/drawing/2014/main" id="{B61CE585-454C-C4A8-2837-19A77F2941CE}"/>
+              </a:ext>
+            </a:extLst>
+          </p:cNvPr>
+          <p:cNvCxnSpPr>
+            <a:cxnSpLocks/>
+          </p:cNvCxnSpPr>
+          <p:nvPr/>
+        </p:nvCxnSpPr>
+        <p:spPr>
+          <a:xfrm flipH="1" flipV="1">
+            <a:off x="-13447" y="972511"/>
+            <a:ext cx="18288000" cy="65119"/>
+          </a:xfrm>
+          <a:prstGeom prst="line">
+            <a:avLst/>
+          </a:prstGeom>
+          <a:ln w="38100">
+            <a:solidFill>
+              <a:srgbClr val="4C50BC"/>
+            </a:solidFill>
+          </a:ln>
+        </p:spPr>
+        <p:style>
+          <a:lnRef idx="1">
+            <a:schemeClr val="accent1"/>
+          </a:lnRef>
+          <a:fillRef idx="0">
+            <a:schemeClr val="accent1"/>
+          </a:fillRef>
+          <a:effectRef idx="0">
+            <a:schemeClr val="accent1"/>
+          </a:effectRef>
+          <a:fontRef idx="minor">
+            <a:schemeClr val="tx1"/>
+          </a:fontRef>
+        </p:style>
+      </p:cxnSp>
     </p:spTree>
     <p:extLst>
       <p:ext uri="{BB962C8B-B14F-4D97-AF65-F5344CB8AC3E}">
@@ -14079,10 +16063,253 @@
   <p:clrMapOvr>
     <a:masterClrMapping/>
   </p:clrMapOvr>
+  <p:timing>
+    <p:tnLst>
+      <p:par>
+        <p:cTn id="1" dur="indefinite" restart="never" nodeType="tmRoot">
+          <p:childTnLst>
+            <p:seq concurrent="1" nextAc="seek">
+              <p:cTn id="2" dur="indefinite" nodeType="mainSeq">
+                <p:childTnLst>
+                  <p:par>
+                    <p:cTn id="3" fill="hold">
+                      <p:stCondLst>
+                        <p:cond delay="indefinite"/>
+                      </p:stCondLst>
+                      <p:childTnLst>
+                        <p:par>
+                          <p:cTn id="4" fill="hold">
+                            <p:stCondLst>
+                              <p:cond delay="0"/>
+                            </p:stCondLst>
+                            <p:childTnLst>
+                              <p:par>
+                                <p:cTn id="5" presetID="1" presetClass="exit" presetSubtype="0" fill="hold" nodeType="clickEffect">
+                                  <p:stCondLst>
+                                    <p:cond delay="0"/>
+                                  </p:stCondLst>
+                                  <p:childTnLst>
+                                    <p:set>
+                                      <p:cBhvr>
+                                        <p:cTn id="6" dur="1" fill="hold">
+                                          <p:stCondLst>
+                                            <p:cond delay="0"/>
+                                          </p:stCondLst>
+                                        </p:cTn>
+                                        <p:tgtEl>
+                                          <p:spTgt spid="8"/>
+                                        </p:tgtEl>
+                                        <p:attrNameLst>
+                                          <p:attrName>style.visibility</p:attrName>
+                                        </p:attrNameLst>
+                                      </p:cBhvr>
+                                      <p:to>
+                                        <p:strVal val="hidden"/>
+                                      </p:to>
+                                    </p:set>
+                                  </p:childTnLst>
+                                </p:cTn>
+                              </p:par>
+                            </p:childTnLst>
+                          </p:cTn>
+                        </p:par>
+                      </p:childTnLst>
+                    </p:cTn>
+                  </p:par>
+                </p:childTnLst>
+              </p:cTn>
+              <p:prevCondLst>
+                <p:cond evt="onPrev" delay="0">
+                  <p:tgtEl>
+                    <p:sldTgt/>
+                  </p:tgtEl>
+                </p:cond>
+              </p:prevCondLst>
+              <p:nextCondLst>
+                <p:cond evt="onNext" delay="0">
+                  <p:tgtEl>
+                    <p:sldTgt/>
+                  </p:tgtEl>
+                </p:cond>
+              </p:nextCondLst>
+            </p:seq>
+          </p:childTnLst>
+        </p:cTn>
+      </p:par>
+    </p:tnLst>
+  </p:timing>
 </p:sld>
 </file>
 
-<file path=ppt/slides/slide7.xml><?xml version="1.0" encoding="utf-8"?>
+<file path=ppt/slides/slide8.xml><?xml version="1.0" encoding="utf-8"?>
+<p:sld xmlns:a="http://schemas.openxmlformats.org/drawingml/2006/main" xmlns:r="http://schemas.openxmlformats.org/officeDocument/2006/relationships" xmlns:p="http://schemas.openxmlformats.org/presentationml/2006/main">
+  <p:cSld>
+    <p:spTree>
+      <p:nvGrpSpPr>
+        <p:cNvPr id="1" name=""/>
+        <p:cNvGrpSpPr/>
+        <p:nvPr/>
+      </p:nvGrpSpPr>
+      <p:grpSpPr>
+        <a:xfrm>
+          <a:off x="0" y="0"/>
+          <a:ext cx="0" cy="0"/>
+          <a:chOff x="0" y="0"/>
+          <a:chExt cx="0" cy="0"/>
+        </a:xfrm>
+      </p:grpSpPr>
+      <p:sp>
+        <p:nvSpPr>
+          <p:cNvPr id="5" name="TextBox 4">
+            <a:extLst>
+              <a:ext uri="{FF2B5EF4-FFF2-40B4-BE49-F238E27FC236}">
+                <a16:creationId xmlns:a16="http://schemas.microsoft.com/office/drawing/2014/main" id="{33E68E04-890B-B287-E047-0CFC11F77DDA}"/>
+              </a:ext>
+            </a:extLst>
+          </p:cNvPr>
+          <p:cNvSpPr txBox="1"/>
+          <p:nvPr/>
+        </p:nvSpPr>
+        <p:spPr>
+          <a:xfrm>
+            <a:off x="304800" y="114300"/>
+            <a:ext cx="10972800" cy="923330"/>
+          </a:xfrm>
+          <a:prstGeom prst="rect">
+            <a:avLst/>
+          </a:prstGeom>
+          <a:noFill/>
+        </p:spPr>
+        <p:txBody>
+          <a:bodyPr wrap="square" rtlCol="0">
+            <a:spAutoFit/>
+          </a:bodyPr>
+          <a:lstStyle/>
+          <a:p>
+            <a:r>
+              <a:rPr lang="en-US" altLang="ko-KR" sz="5400" spc="-300">
+                <a:solidFill>
+                  <a:srgbClr val="4C50BC"/>
+                </a:solidFill>
+                <a:latin typeface="G마켓 산스 Bold" panose="02000000000000000000" pitchFamily="50" charset="-127"/>
+                <a:ea typeface="G마켓 산스 Bold" panose="02000000000000000000" pitchFamily="50" charset="-127"/>
+              </a:rPr>
+              <a:t>2-1 </a:t>
+            </a:r>
+            <a:r>
+              <a:rPr lang="ko-KR" altLang="en-US" sz="5400" spc="-300">
+                <a:solidFill>
+                  <a:srgbClr val="4C50BC"/>
+                </a:solidFill>
+                <a:latin typeface="G마켓 산스 Bold" panose="02000000000000000000" pitchFamily="50" charset="-127"/>
+                <a:ea typeface="G마켓 산스 Bold" panose="02000000000000000000" pitchFamily="50" charset="-127"/>
+              </a:rPr>
+              <a:t>문제풀이</a:t>
+            </a:r>
+            <a:r>
+              <a:rPr lang="en-US" altLang="ko-KR" sz="5400" spc="-300">
+                <a:solidFill>
+                  <a:srgbClr val="4C50BC"/>
+                </a:solidFill>
+                <a:latin typeface="G마켓 산스 Bold" panose="02000000000000000000" pitchFamily="50" charset="-127"/>
+                <a:ea typeface="G마켓 산스 Bold" panose="02000000000000000000" pitchFamily="50" charset="-127"/>
+              </a:rPr>
+              <a:t> </a:t>
+            </a:r>
+            <a:r>
+              <a:rPr lang="en-US" altLang="ko-KR" sz="5400" spc="-300" dirty="0">
+                <a:solidFill>
+                  <a:srgbClr val="FF0000"/>
+                </a:solidFill>
+                <a:latin typeface="G마켓 산스 Bold" panose="02000000000000000000" pitchFamily="50" charset="-127"/>
+                <a:ea typeface="G마켓 산스 Bold" panose="02000000000000000000" pitchFamily="50" charset="-127"/>
+              </a:rPr>
+              <a:t>(normal)</a:t>
+            </a:r>
+          </a:p>
+        </p:txBody>
+      </p:sp>
+      <p:cxnSp>
+        <p:nvCxnSpPr>
+          <p:cNvPr id="6" name="직선 연결선 5">
+            <a:extLst>
+              <a:ext uri="{FF2B5EF4-FFF2-40B4-BE49-F238E27FC236}">
+                <a16:creationId xmlns:a16="http://schemas.microsoft.com/office/drawing/2014/main" id="{B61CE585-454C-C4A8-2837-19A77F2941CE}"/>
+              </a:ext>
+            </a:extLst>
+          </p:cNvPr>
+          <p:cNvCxnSpPr>
+            <a:cxnSpLocks/>
+          </p:cNvCxnSpPr>
+          <p:nvPr/>
+        </p:nvCxnSpPr>
+        <p:spPr>
+          <a:xfrm flipH="1" flipV="1">
+            <a:off x="-13447" y="972511"/>
+            <a:ext cx="18288000" cy="65119"/>
+          </a:xfrm>
+          <a:prstGeom prst="line">
+            <a:avLst/>
+          </a:prstGeom>
+          <a:ln w="38100">
+            <a:solidFill>
+              <a:srgbClr val="4C50BC"/>
+            </a:solidFill>
+          </a:ln>
+        </p:spPr>
+        <p:style>
+          <a:lnRef idx="1">
+            <a:schemeClr val="accent1"/>
+          </a:lnRef>
+          <a:fillRef idx="0">
+            <a:schemeClr val="accent1"/>
+          </a:fillRef>
+          <a:effectRef idx="0">
+            <a:schemeClr val="accent1"/>
+          </a:effectRef>
+          <a:fontRef idx="minor">
+            <a:schemeClr val="tx1"/>
+          </a:fontRef>
+        </p:style>
+      </p:cxnSp>
+      <p:pic>
+        <p:nvPicPr>
+          <p:cNvPr id="7" name="그림 6"/>
+          <p:cNvPicPr>
+            <a:picLocks noChangeAspect="1"/>
+          </p:cNvPicPr>
+          <p:nvPr/>
+        </p:nvPicPr>
+        <p:blipFill>
+          <a:blip r:embed="rId2"/>
+          <a:stretch>
+            <a:fillRect/>
+          </a:stretch>
+        </p:blipFill>
+        <p:spPr>
+          <a:xfrm>
+            <a:off x="1940032" y="3238500"/>
+            <a:ext cx="14381041" cy="3683630"/>
+          </a:xfrm>
+          <a:prstGeom prst="rect">
+            <a:avLst/>
+          </a:prstGeom>
+        </p:spPr>
+      </p:pic>
+    </p:spTree>
+    <p:extLst>
+      <p:ext uri="{BB962C8B-B14F-4D97-AF65-F5344CB8AC3E}">
+        <p14:creationId xmlns:p14="http://schemas.microsoft.com/office/powerpoint/2010/main" val="2833007740"/>
+      </p:ext>
+    </p:extLst>
+  </p:cSld>
+  <p:clrMapOvr>
+    <a:masterClrMapping/>
+  </p:clrMapOvr>
+</p:sld>
+</file>
+
+<file path=ppt/slides/slide9.xml><?xml version="1.0" encoding="utf-8"?>
 <p:sld xmlns:a="http://schemas.openxmlformats.org/drawingml/2006/main" xmlns:r="http://schemas.openxmlformats.org/officeDocument/2006/relationships" xmlns:p="http://schemas.openxmlformats.org/presentationml/2006/main">
   <p:cSld>
     <p:spTree>
@@ -14113,8 +16340,8 @@
         </p:nvSpPr>
         <p:spPr>
           <a:xfrm>
-            <a:off x="781929" y="266700"/>
-            <a:ext cx="15524871" cy="1569660"/>
+            <a:off x="762000" y="1018282"/>
+            <a:ext cx="15524871" cy="1077218"/>
           </a:xfrm>
           <a:prstGeom prst="rect">
             <a:avLst/>
@@ -14135,7 +16362,7 @@
                 <a:latin typeface="G마켓 산스 Medium" panose="02000000000000000000" pitchFamily="50" charset="-127"/>
                 <a:ea typeface="G마켓 산스 Medium" panose="02000000000000000000" pitchFamily="50" charset="-127"/>
               </a:rPr>
-              <a:t>2-2 </a:t>
+              <a:t> </a:t>
             </a:r>
             <a:r>
               <a:rPr lang="en-US" altLang="ko-KR" sz="3200" dirty="0">
@@ -14168,7 +16395,7 @@
               <a:t>(</a:t>
             </a:r>
             <a:r>
-              <a:rPr lang="ko-KR" altLang="en-US" sz="3200" dirty="0">
+              <a:rPr lang="ko-KR" altLang="en-US" sz="3200">
                 <a:solidFill>
                   <a:srgbClr val="4C50BC"/>
                 </a:solidFill>
@@ -14187,120 +16414,98 @@
               </a:rPr>
               <a:t>)</a:t>
             </a:r>
-            <a:r>
-              <a:rPr lang="ko-KR" altLang="en-US" sz="3200">
-                <a:solidFill>
-                  <a:srgbClr val="4C50BC"/>
-                </a:solidFill>
-                <a:latin typeface="G마켓 산스 Medium" panose="02000000000000000000" pitchFamily="50" charset="-127"/>
-                <a:ea typeface="G마켓 산스 Medium" panose="02000000000000000000" pitchFamily="50" charset="-127"/>
-              </a:rPr>
-              <a:t> </a:t>
-            </a:r>
-            <a:r>
-              <a:rPr lang="en-US" altLang="ko-KR" sz="3200">
-                <a:solidFill>
-                  <a:srgbClr val="FF0000"/>
-                </a:solidFill>
-                <a:latin typeface="G마켓 산스 Medium" panose="02000000000000000000" pitchFamily="50" charset="-127"/>
-                <a:ea typeface="G마켓 산스 Medium" panose="02000000000000000000" pitchFamily="50" charset="-127"/>
-              </a:rPr>
-              <a:t>(Hard)</a:t>
-            </a:r>
-          </a:p>
-          <a:p>
-            <a:r>
-              <a:rPr lang="en-US" altLang="ko-KR" sz="3200">
-                <a:solidFill>
-                  <a:srgbClr val="4D4848"/>
-                </a:solidFill>
-                <a:latin typeface="G마켓 산스 Medium" panose="02000000000000000000" pitchFamily="50" charset="-127"/>
-                <a:ea typeface="G마켓 산스 Medium" panose="02000000000000000000" pitchFamily="50" charset="-127"/>
-              </a:rPr>
-              <a:t>- </a:t>
-            </a:r>
-            <a:r>
-              <a:rPr lang="ko-KR" altLang="en-US" sz="3200">
-                <a:solidFill>
-                  <a:srgbClr val="4D4848"/>
-                </a:solidFill>
-                <a:latin typeface="G마켓 산스 Medium" panose="02000000000000000000" pitchFamily="50" charset="-127"/>
-                <a:ea typeface="G마켓 산스 Medium" panose="02000000000000000000" pitchFamily="50" charset="-127"/>
-              </a:rPr>
-              <a:t>객체배열 활용하고</a:t>
-            </a:r>
-            <a:r>
-              <a:rPr lang="en-US" altLang="ko-KR" sz="3200">
-                <a:solidFill>
-                  <a:srgbClr val="4D4848"/>
-                </a:solidFill>
-                <a:latin typeface="G마켓 산스 Medium" panose="02000000000000000000" pitchFamily="50" charset="-127"/>
-                <a:ea typeface="G마켓 산스 Medium" panose="02000000000000000000" pitchFamily="50" charset="-127"/>
-              </a:rPr>
-              <a:t>  </a:t>
-            </a:r>
-            <a:r>
-              <a:rPr lang="ko-KR" altLang="en-US" sz="3200">
-                <a:solidFill>
-                  <a:srgbClr val="4D4848"/>
-                </a:solidFill>
-                <a:latin typeface="G마켓 산스 Medium" panose="02000000000000000000" pitchFamily="50" charset="-127"/>
-                <a:ea typeface="G마켓 산스 Medium" panose="02000000000000000000" pitchFamily="50" charset="-127"/>
-              </a:rPr>
-              <a:t>성적은 </a:t>
-            </a:r>
-            <a:r>
-              <a:rPr lang="en-US" altLang="ko-KR" sz="3200">
-                <a:solidFill>
-                  <a:srgbClr val="4D4848"/>
-                </a:solidFill>
-                <a:latin typeface="G마켓 산스 Medium" panose="02000000000000000000" pitchFamily="50" charset="-127"/>
-                <a:ea typeface="G마켓 산스 Medium" panose="02000000000000000000" pitchFamily="50" charset="-127"/>
-              </a:rPr>
-              <a:t>Math.random()  </a:t>
-            </a:r>
-            <a:r>
-              <a:rPr lang="ko-KR" altLang="en-US" sz="3200">
-                <a:solidFill>
-                  <a:srgbClr val="4D4848"/>
-                </a:solidFill>
-                <a:latin typeface="G마켓 산스 Medium" panose="02000000000000000000" pitchFamily="50" charset="-127"/>
-                <a:ea typeface="G마켓 산스 Medium" panose="02000000000000000000" pitchFamily="50" charset="-127"/>
-              </a:rPr>
-              <a:t>으로 </a:t>
-            </a:r>
-            <a:r>
-              <a:rPr lang="en-US" altLang="ko-KR" sz="3200">
-                <a:solidFill>
-                  <a:srgbClr val="4D4848"/>
-                </a:solidFill>
-                <a:latin typeface="G마켓 산스 Medium" panose="02000000000000000000" pitchFamily="50" charset="-127"/>
-                <a:ea typeface="G마켓 산스 Medium" panose="02000000000000000000" pitchFamily="50" charset="-127"/>
-              </a:rPr>
-              <a:t>1~100</a:t>
-            </a:r>
-            <a:r>
-              <a:rPr lang="ko-KR" altLang="en-US" sz="3200">
-                <a:solidFill>
-                  <a:srgbClr val="4D4848"/>
-                </a:solidFill>
-                <a:latin typeface="G마켓 산스 Medium" panose="02000000000000000000" pitchFamily="50" charset="-127"/>
-                <a:ea typeface="G마켓 산스 Medium" panose="02000000000000000000" pitchFamily="50" charset="-127"/>
-              </a:rPr>
-              <a:t>점 사이</a:t>
-            </a:r>
             <a:endParaRPr lang="en-US" altLang="ko-KR" sz="3200">
               <a:solidFill>
-                <a:srgbClr val="4D4848"/>
+                <a:srgbClr val="FF0000"/>
               </a:solidFill>
               <a:latin typeface="G마켓 산스 Medium" panose="02000000000000000000" pitchFamily="50" charset="-127"/>
               <a:ea typeface="G마켓 산스 Medium" panose="02000000000000000000" pitchFamily="50" charset="-127"/>
             </a:endParaRPr>
           </a:p>
           <a:p>
-            <a:endParaRPr lang="en-US" altLang="ko-KR" sz="3200" dirty="0">
+            <a:r>
+              <a:rPr lang="en-US" altLang="ko-KR" sz="3200">
+                <a:solidFill>
+                  <a:srgbClr val="4D4848"/>
+                </a:solidFill>
+                <a:latin typeface="G마켓 산스 Medium" panose="02000000000000000000" pitchFamily="50" charset="-127"/>
+                <a:ea typeface="G마켓 산스 Medium" panose="02000000000000000000" pitchFamily="50" charset="-127"/>
+              </a:rPr>
+              <a:t>- </a:t>
+            </a:r>
+            <a:r>
+              <a:rPr lang="ko-KR" altLang="en-US" sz="3200">
+                <a:solidFill>
+                  <a:srgbClr val="4D4848"/>
+                </a:solidFill>
+                <a:latin typeface="G마켓 산스 Medium" panose="02000000000000000000" pitchFamily="50" charset="-127"/>
+                <a:ea typeface="G마켓 산스 Medium" panose="02000000000000000000" pitchFamily="50" charset="-127"/>
+              </a:rPr>
+              <a:t>객체배열 활용하고</a:t>
+            </a:r>
+            <a:r>
+              <a:rPr lang="en-US" altLang="ko-KR" sz="3200">
+                <a:solidFill>
+                  <a:srgbClr val="4D4848"/>
+                </a:solidFill>
+                <a:latin typeface="G마켓 산스 Medium" panose="02000000000000000000" pitchFamily="50" charset="-127"/>
+                <a:ea typeface="G마켓 산스 Medium" panose="02000000000000000000" pitchFamily="50" charset="-127"/>
+              </a:rPr>
+              <a:t>  </a:t>
+            </a:r>
+            <a:r>
+              <a:rPr lang="ko-KR" altLang="en-US" sz="3200">
+                <a:solidFill>
+                  <a:srgbClr val="4D4848"/>
+                </a:solidFill>
+                <a:latin typeface="G마켓 산스 Medium" panose="02000000000000000000" pitchFamily="50" charset="-127"/>
+                <a:ea typeface="G마켓 산스 Medium" panose="02000000000000000000" pitchFamily="50" charset="-127"/>
+              </a:rPr>
+              <a:t>성적은 </a:t>
+            </a:r>
+            <a:r>
+              <a:rPr lang="en-US" altLang="ko-KR" sz="3200">
+                <a:solidFill>
+                  <a:srgbClr val="4D4848"/>
+                </a:solidFill>
+                <a:latin typeface="G마켓 산스 Medium" panose="02000000000000000000" pitchFamily="50" charset="-127"/>
+                <a:ea typeface="G마켓 산스 Medium" panose="02000000000000000000" pitchFamily="50" charset="-127"/>
+              </a:rPr>
+              <a:t>Math.random()  </a:t>
+            </a:r>
+            <a:r>
+              <a:rPr lang="ko-KR" altLang="en-US" sz="3200">
+                <a:solidFill>
+                  <a:srgbClr val="4D4848"/>
+                </a:solidFill>
+                <a:latin typeface="G마켓 산스 Medium" panose="02000000000000000000" pitchFamily="50" charset="-127"/>
+                <a:ea typeface="G마켓 산스 Medium" panose="02000000000000000000" pitchFamily="50" charset="-127"/>
+              </a:rPr>
+              <a:t>으로 </a:t>
+            </a:r>
+            <a:r>
+              <a:rPr lang="en-US" altLang="ko-KR" sz="3200">
+                <a:solidFill>
+                  <a:srgbClr val="4D4848"/>
+                </a:solidFill>
+                <a:latin typeface="G마켓 산스 Medium" panose="02000000000000000000" pitchFamily="50" charset="-127"/>
+                <a:ea typeface="G마켓 산스 Medium" panose="02000000000000000000" pitchFamily="50" charset="-127"/>
+              </a:rPr>
+              <a:t>1~100</a:t>
+            </a:r>
+            <a:r>
+              <a:rPr lang="ko-KR" altLang="en-US" sz="3200">
+                <a:solidFill>
+                  <a:srgbClr val="4D4848"/>
+                </a:solidFill>
+                <a:latin typeface="G마켓 산스 Medium" panose="02000000000000000000" pitchFamily="50" charset="-127"/>
+                <a:ea typeface="G마켓 산스 Medium" panose="02000000000000000000" pitchFamily="50" charset="-127"/>
+              </a:rPr>
+              <a:t>점 사이</a:t>
+            </a:r>
+            <a:endParaRPr lang="en-US" altLang="ko-KR" sz="3200">
               <a:solidFill>
-                <a:srgbClr val="4C50BC"/>
+                <a:srgbClr val="4D4848"/>
               </a:solidFill>
               <a:latin typeface="G마켓 산스 Medium" panose="02000000000000000000" pitchFamily="50" charset="-127"/>
               <a:ea typeface="G마켓 산스 Medium" panose="02000000000000000000" pitchFamily="50" charset="-127"/>
@@ -14323,13 +16528,13 @@
           <p:nvPr>
             <p:extLst>
               <p:ext uri="{D42A27DB-BD31-4B8C-83A1-F6EECF244321}">
-                <p14:modId xmlns:p14="http://schemas.microsoft.com/office/powerpoint/2010/main" val="2814665784"/>
+                <p14:modId xmlns:p14="http://schemas.microsoft.com/office/powerpoint/2010/main" val="3940569719"/>
               </p:ext>
             </p:extLst>
           </p:nvPr>
         </p:nvGraphicFramePr>
         <p:xfrm>
-          <a:off x="10339586" y="2042159"/>
+          <a:off x="10339586" y="2270759"/>
           <a:ext cx="6215744" cy="3596640"/>
         </p:xfrm>
         <a:graphic>
@@ -15744,8 +17949,31 @@
         </p:blipFill>
         <p:spPr>
           <a:xfrm>
-            <a:off x="533399" y="1828799"/>
+            <a:off x="533399" y="2057399"/>
             <a:ext cx="8897664" cy="8191501"/>
+          </a:xfrm>
+          <a:prstGeom prst="rect">
+            <a:avLst/>
+          </a:prstGeom>
+        </p:spPr>
+      </p:pic>
+      <p:pic>
+        <p:nvPicPr>
+          <p:cNvPr id="18" name="그림 17"/>
+          <p:cNvPicPr>
+            <a:picLocks noChangeAspect="1"/>
+          </p:cNvPicPr>
+          <p:nvPr/>
+        </p:nvPicPr>
+        <p:blipFill rotWithShape="1">
+          <a:blip r:embed="rId3"/>
+          <a:srcRect l="-1" t="9302" r="657" b="34884"/>
+          <a:stretch/>
+        </p:blipFill>
+        <p:spPr>
+          <a:xfrm>
+            <a:off x="533400" y="2819401"/>
+            <a:ext cx="8839200" cy="4572000"/>
           </a:xfrm>
           <a:prstGeom prst="rect">
             <a:avLst/>
@@ -15761,14 +17989,14 @@
           <p:nvPr/>
         </p:nvPicPr>
         <p:blipFill>
-          <a:blip r:embed="rId3"/>
+          <a:blip r:embed="rId4"/>
           <a:stretch>
             <a:fillRect/>
           </a:stretch>
         </p:blipFill>
         <p:spPr>
           <a:xfrm>
-            <a:off x="10339586" y="6041942"/>
+            <a:off x="10339586" y="6270542"/>
             <a:ext cx="6399429" cy="2826547"/>
           </a:xfrm>
           <a:prstGeom prst="rect">
@@ -15776,6 +18004,127 @@
           </a:prstGeom>
         </p:spPr>
       </p:pic>
+      <p:sp>
+        <p:nvSpPr>
+          <p:cNvPr id="8" name="TextBox 7">
+            <a:extLst>
+              <a:ext uri="{FF2B5EF4-FFF2-40B4-BE49-F238E27FC236}">
+                <a16:creationId xmlns:a16="http://schemas.microsoft.com/office/drawing/2014/main" id="{33E68E04-890B-B287-E047-0CFC11F77DDA}"/>
+              </a:ext>
+            </a:extLst>
+          </p:cNvPr>
+          <p:cNvSpPr txBox="1"/>
+          <p:nvPr/>
+        </p:nvSpPr>
+        <p:spPr>
+          <a:xfrm>
+            <a:off x="304800" y="114300"/>
+            <a:ext cx="10972800" cy="923330"/>
+          </a:xfrm>
+          <a:prstGeom prst="rect">
+            <a:avLst/>
+          </a:prstGeom>
+          <a:noFill/>
+        </p:spPr>
+        <p:txBody>
+          <a:bodyPr wrap="square" rtlCol="0">
+            <a:spAutoFit/>
+          </a:bodyPr>
+          <a:lstStyle/>
+          <a:p>
+            <a:r>
+              <a:rPr lang="en-US" altLang="ko-KR" sz="5400" spc="-300">
+                <a:solidFill>
+                  <a:srgbClr val="4C50BC"/>
+                </a:solidFill>
+                <a:latin typeface="G마켓 산스 Bold" panose="02000000000000000000" pitchFamily="50" charset="-127"/>
+                <a:ea typeface="G마켓 산스 Bold" panose="02000000000000000000" pitchFamily="50" charset="-127"/>
+              </a:rPr>
+              <a:t>2-2 </a:t>
+            </a:r>
+            <a:r>
+              <a:rPr lang="ko-KR" altLang="en-US" sz="5400" spc="-300">
+                <a:solidFill>
+                  <a:srgbClr val="4C50BC"/>
+                </a:solidFill>
+                <a:latin typeface="G마켓 산스 Bold" panose="02000000000000000000" pitchFamily="50" charset="-127"/>
+                <a:ea typeface="G마켓 산스 Bold" panose="02000000000000000000" pitchFamily="50" charset="-127"/>
+              </a:rPr>
+              <a:t>실습문제</a:t>
+            </a:r>
+            <a:r>
+              <a:rPr lang="en-US" altLang="ko-KR" sz="5400" spc="-300">
+                <a:solidFill>
+                  <a:srgbClr val="4C50BC"/>
+                </a:solidFill>
+                <a:latin typeface="G마켓 산스 Bold" panose="02000000000000000000" pitchFamily="50" charset="-127"/>
+                <a:ea typeface="G마켓 산스 Bold" panose="02000000000000000000" pitchFamily="50" charset="-127"/>
+              </a:rPr>
+              <a:t> </a:t>
+            </a:r>
+            <a:r>
+              <a:rPr lang="en-US" altLang="ko-KR" sz="5400" spc="-300">
+                <a:solidFill>
+                  <a:srgbClr val="FF0000"/>
+                </a:solidFill>
+                <a:latin typeface="G마켓 산스 Bold" panose="02000000000000000000" pitchFamily="50" charset="-127"/>
+                <a:ea typeface="G마켓 산스 Bold" panose="02000000000000000000" pitchFamily="50" charset="-127"/>
+              </a:rPr>
+              <a:t>(Hard)</a:t>
+            </a:r>
+            <a:endParaRPr lang="en-US" altLang="ko-KR" sz="5400" spc="-300" dirty="0">
+              <a:solidFill>
+                <a:srgbClr val="FF0000"/>
+              </a:solidFill>
+              <a:latin typeface="G마켓 산스 Bold" panose="02000000000000000000" pitchFamily="50" charset="-127"/>
+              <a:ea typeface="G마켓 산스 Bold" panose="02000000000000000000" pitchFamily="50" charset="-127"/>
+            </a:endParaRPr>
+          </a:p>
+        </p:txBody>
+      </p:sp>
+      <p:cxnSp>
+        <p:nvCxnSpPr>
+          <p:cNvPr id="9" name="직선 연결선 8">
+            <a:extLst>
+              <a:ext uri="{FF2B5EF4-FFF2-40B4-BE49-F238E27FC236}">
+                <a16:creationId xmlns:a16="http://schemas.microsoft.com/office/drawing/2014/main" id="{B61CE585-454C-C4A8-2837-19A77F2941CE}"/>
+              </a:ext>
+            </a:extLst>
+          </p:cNvPr>
+          <p:cNvCxnSpPr>
+            <a:cxnSpLocks/>
+          </p:cNvCxnSpPr>
+          <p:nvPr/>
+        </p:nvCxnSpPr>
+        <p:spPr>
+          <a:xfrm flipH="1" flipV="1">
+            <a:off x="-13447" y="972511"/>
+            <a:ext cx="18288000" cy="65119"/>
+          </a:xfrm>
+          <a:prstGeom prst="line">
+            <a:avLst/>
+          </a:prstGeom>
+          <a:ln w="38100">
+            <a:solidFill>
+              <a:srgbClr val="4C50BC"/>
+            </a:solidFill>
+          </a:ln>
+        </p:spPr>
+        <p:style>
+          <a:lnRef idx="1">
+            <a:schemeClr val="accent1"/>
+          </a:lnRef>
+          <a:fillRef idx="0">
+            <a:schemeClr val="accent1"/>
+          </a:fillRef>
+          <a:effectRef idx="0">
+            <a:schemeClr val="accent1"/>
+          </a:effectRef>
+          <a:fontRef idx="minor">
+            <a:schemeClr val="tx1"/>
+          </a:fontRef>
+        </p:style>
+      </p:cxnSp>
     </p:spTree>
     <p:extLst>
       <p:ext uri="{BB962C8B-B14F-4D97-AF65-F5344CB8AC3E}">
@@ -15786,623 +18135,81 @@
   <p:clrMapOvr>
     <a:masterClrMapping/>
   </p:clrMapOvr>
-</p:sld>
-</file>
-
-<file path=ppt/slides/slide8.xml><?xml version="1.0" encoding="utf-8"?>
-<p:sld xmlns:a="http://schemas.openxmlformats.org/drawingml/2006/main" xmlns:r="http://schemas.openxmlformats.org/officeDocument/2006/relationships" xmlns:p="http://schemas.openxmlformats.org/presentationml/2006/main">
-  <p:cSld>
-    <p:bg>
-      <p:bgPr>
-        <a:solidFill>
-          <a:srgbClr val="4C50BC"/>
-        </a:solidFill>
-        <a:effectLst/>
-      </p:bgPr>
-    </p:bg>
-    <p:spTree>
-      <p:nvGrpSpPr>
-        <p:cNvPr id="1" name=""/>
-        <p:cNvGrpSpPr/>
-        <p:nvPr/>
-      </p:nvGrpSpPr>
-      <p:grpSpPr>
-        <a:xfrm>
-          <a:off x="0" y="0"/>
-          <a:ext cx="0" cy="0"/>
-          <a:chOff x="0" y="0"/>
-          <a:chExt cx="0" cy="0"/>
-        </a:xfrm>
-      </p:grpSpPr>
-      <p:pic>
-        <p:nvPicPr>
-          <p:cNvPr id="4" name="Object 1">
-            <a:extLst>
-              <a:ext uri="{FF2B5EF4-FFF2-40B4-BE49-F238E27FC236}">
-                <a16:creationId xmlns:a16="http://schemas.microsoft.com/office/drawing/2014/main" id="{B0329035-BE76-33A8-0F2E-44624FCC1DED}"/>
-              </a:ext>
-            </a:extLst>
-          </p:cNvPr>
-          <p:cNvPicPr>
-            <a:picLocks noChangeAspect="1"/>
-          </p:cNvPicPr>
-          <p:nvPr/>
-        </p:nvPicPr>
-        <p:blipFill>
-          <a:blip r:embed="rId2" cstate="print"/>
-          <a:stretch>
-            <a:fillRect/>
-          </a:stretch>
-        </p:blipFill>
-        <p:spPr>
-          <a:xfrm>
-            <a:off x="13669052" y="2416536"/>
-            <a:ext cx="3677289" cy="3284880"/>
-          </a:xfrm>
-          <a:prstGeom prst="rect">
-            <a:avLst/>
-          </a:prstGeom>
-        </p:spPr>
-      </p:pic>
-      <p:grpSp>
-        <p:nvGrpSpPr>
-          <p:cNvPr id="7" name="그룹 1001">
-            <a:extLst>
-              <a:ext uri="{FF2B5EF4-FFF2-40B4-BE49-F238E27FC236}">
-                <a16:creationId xmlns:a16="http://schemas.microsoft.com/office/drawing/2014/main" id="{CD24CE9D-AC18-B6CD-F397-7E8E03D6FE26}"/>
-              </a:ext>
-            </a:extLst>
-          </p:cNvPr>
-          <p:cNvGrpSpPr/>
-          <p:nvPr/>
-        </p:nvGrpSpPr>
-        <p:grpSpPr>
-          <a:xfrm>
-            <a:off x="1466667" y="-1273641"/>
-            <a:ext cx="4883301" cy="4835933"/>
-            <a:chOff x="1466667" y="-1273641"/>
-            <a:chExt cx="4883301" cy="4835933"/>
-          </a:xfrm>
-        </p:grpSpPr>
-        <p:pic>
-          <p:nvPicPr>
-            <p:cNvPr id="8" name="Object 5">
-              <a:extLst>
-                <a:ext uri="{FF2B5EF4-FFF2-40B4-BE49-F238E27FC236}">
-                  <a16:creationId xmlns:a16="http://schemas.microsoft.com/office/drawing/2014/main" id="{0EEF25E8-3BA8-EBAA-6DC2-66D70C3F9F4D}"/>
-                </a:ext>
-              </a:extLst>
-            </p:cNvPr>
-            <p:cNvPicPr>
-              <a:picLocks noChangeAspect="1"/>
-            </p:cNvPicPr>
-            <p:nvPr/>
-          </p:nvPicPr>
-          <p:blipFill>
-            <a:blip r:embed="rId3" cstate="print"/>
-            <a:stretch>
-              <a:fillRect/>
-            </a:stretch>
-          </p:blipFill>
-          <p:spPr>
-            <a:xfrm>
-              <a:off x="1466667" y="-1273641"/>
-              <a:ext cx="4883301" cy="4835933"/>
-            </a:xfrm>
-            <a:prstGeom prst="rect">
-              <a:avLst/>
-            </a:prstGeom>
-          </p:spPr>
-        </p:pic>
-      </p:grpSp>
-      <p:grpSp>
-        <p:nvGrpSpPr>
-          <p:cNvPr id="9" name="그룹 1002">
-            <a:extLst>
-              <a:ext uri="{FF2B5EF4-FFF2-40B4-BE49-F238E27FC236}">
-                <a16:creationId xmlns:a16="http://schemas.microsoft.com/office/drawing/2014/main" id="{0F281BC9-DE1F-D1FE-E64C-C4640398F00C}"/>
-              </a:ext>
-            </a:extLst>
-          </p:cNvPr>
-          <p:cNvGrpSpPr/>
-          <p:nvPr/>
-        </p:nvGrpSpPr>
-        <p:grpSpPr>
-          <a:xfrm>
-            <a:off x="-1875296" y="7034297"/>
-            <a:ext cx="3902974" cy="3971928"/>
-            <a:chOff x="-1875296" y="7034297"/>
-            <a:chExt cx="3902974" cy="3971928"/>
-          </a:xfrm>
-        </p:grpSpPr>
-        <p:pic>
-          <p:nvPicPr>
-            <p:cNvPr id="10" name="Object 8">
-              <a:extLst>
-                <a:ext uri="{FF2B5EF4-FFF2-40B4-BE49-F238E27FC236}">
-                  <a16:creationId xmlns:a16="http://schemas.microsoft.com/office/drawing/2014/main" id="{F669DCEF-04BB-7046-3F7F-5B513213556E}"/>
-                </a:ext>
-              </a:extLst>
-            </p:cNvPr>
-            <p:cNvPicPr>
-              <a:picLocks noChangeAspect="1"/>
-            </p:cNvPicPr>
-            <p:nvPr/>
-          </p:nvPicPr>
-          <p:blipFill>
-            <a:blip r:embed="rId4" cstate="print"/>
-            <a:stretch>
-              <a:fillRect/>
-            </a:stretch>
-          </p:blipFill>
-          <p:spPr>
-            <a:xfrm rot="-2700000">
-              <a:off x="-1875296" y="7034297"/>
-              <a:ext cx="3902974" cy="3971928"/>
-            </a:xfrm>
-            <a:prstGeom prst="rect">
-              <a:avLst/>
-            </a:prstGeom>
-          </p:spPr>
-        </p:pic>
-      </p:grpSp>
-      <p:grpSp>
-        <p:nvGrpSpPr>
-          <p:cNvPr id="11" name="그룹 1003">
-            <a:extLst>
-              <a:ext uri="{FF2B5EF4-FFF2-40B4-BE49-F238E27FC236}">
-                <a16:creationId xmlns:a16="http://schemas.microsoft.com/office/drawing/2014/main" id="{1F91EEF9-13EA-BB7F-B056-D35E7DB989AC}"/>
-              </a:ext>
-            </a:extLst>
-          </p:cNvPr>
-          <p:cNvGrpSpPr/>
-          <p:nvPr/>
-        </p:nvGrpSpPr>
-        <p:grpSpPr>
-          <a:xfrm>
-            <a:off x="15132166" y="7617758"/>
-            <a:ext cx="3708387" cy="3672416"/>
-            <a:chOff x="15132166" y="7617758"/>
-            <a:chExt cx="3708387" cy="3672416"/>
-          </a:xfrm>
-        </p:grpSpPr>
-        <p:pic>
-          <p:nvPicPr>
-            <p:cNvPr id="12" name="Object 11">
-              <a:extLst>
-                <a:ext uri="{FF2B5EF4-FFF2-40B4-BE49-F238E27FC236}">
-                  <a16:creationId xmlns:a16="http://schemas.microsoft.com/office/drawing/2014/main" id="{2CFFB217-AEFB-2C9E-5F86-6EE19510FFC6}"/>
-                </a:ext>
-              </a:extLst>
-            </p:cNvPr>
-            <p:cNvPicPr>
-              <a:picLocks noChangeAspect="1"/>
-            </p:cNvPicPr>
-            <p:nvPr/>
-          </p:nvPicPr>
-          <p:blipFill>
-            <a:blip r:embed="rId5" cstate="print"/>
-            <a:stretch>
-              <a:fillRect/>
-            </a:stretch>
-          </p:blipFill>
-          <p:spPr>
-            <a:xfrm>
-              <a:off x="15132166" y="7617758"/>
-              <a:ext cx="3708387" cy="3672416"/>
-            </a:xfrm>
-            <a:prstGeom prst="rect">
-              <a:avLst/>
-            </a:prstGeom>
-          </p:spPr>
-        </p:pic>
-      </p:grpSp>
-      <p:grpSp>
-        <p:nvGrpSpPr>
-          <p:cNvPr id="13" name="그룹 1004">
-            <a:extLst>
-              <a:ext uri="{FF2B5EF4-FFF2-40B4-BE49-F238E27FC236}">
-                <a16:creationId xmlns:a16="http://schemas.microsoft.com/office/drawing/2014/main" id="{123B9C7E-94E8-E7E1-81BE-D59EA0299187}"/>
-              </a:ext>
-            </a:extLst>
-          </p:cNvPr>
-          <p:cNvGrpSpPr/>
-          <p:nvPr/>
-        </p:nvGrpSpPr>
-        <p:grpSpPr>
-          <a:xfrm>
-            <a:off x="16986360" y="3561542"/>
-            <a:ext cx="1432688" cy="191978"/>
-            <a:chOff x="16986360" y="3561542"/>
-            <a:chExt cx="1432688" cy="191978"/>
-          </a:xfrm>
-        </p:grpSpPr>
-        <p:pic>
-          <p:nvPicPr>
-            <p:cNvPr id="14" name="Object 14">
-              <a:extLst>
-                <a:ext uri="{FF2B5EF4-FFF2-40B4-BE49-F238E27FC236}">
-                  <a16:creationId xmlns:a16="http://schemas.microsoft.com/office/drawing/2014/main" id="{B6291552-2D89-A79F-7ACD-EA0EF9A4C389}"/>
-                </a:ext>
-              </a:extLst>
-            </p:cNvPr>
-            <p:cNvPicPr>
-              <a:picLocks noChangeAspect="1"/>
-            </p:cNvPicPr>
-            <p:nvPr/>
-          </p:nvPicPr>
-          <p:blipFill>
-            <a:blip r:embed="rId6" cstate="print"/>
-            <a:stretch>
-              <a:fillRect/>
-            </a:stretch>
-          </p:blipFill>
-          <p:spPr>
-            <a:xfrm>
-              <a:off x="16986360" y="3561542"/>
-              <a:ext cx="1432688" cy="191978"/>
-            </a:xfrm>
-            <a:prstGeom prst="rect">
-              <a:avLst/>
-            </a:prstGeom>
-          </p:spPr>
-        </p:pic>
-      </p:grpSp>
-      <p:sp>
-        <p:nvSpPr>
-          <p:cNvPr id="15" name="TextBox 14">
-            <a:extLst>
-              <a:ext uri="{FF2B5EF4-FFF2-40B4-BE49-F238E27FC236}">
-                <a16:creationId xmlns:a16="http://schemas.microsoft.com/office/drawing/2014/main" id="{7D99763A-FC24-23F5-5BA9-D7B042E0F323}"/>
-              </a:ext>
-            </a:extLst>
-          </p:cNvPr>
-          <p:cNvSpPr txBox="1"/>
-          <p:nvPr/>
-        </p:nvSpPr>
-        <p:spPr>
-          <a:xfrm>
-            <a:off x="12725400" y="5254704"/>
-            <a:ext cx="4714752" cy="1107996"/>
-          </a:xfrm>
-          <a:prstGeom prst="rect">
-            <a:avLst/>
-          </a:prstGeom>
-          <a:noFill/>
-        </p:spPr>
-        <p:txBody>
-          <a:bodyPr wrap="none" rtlCol="0">
-            <a:spAutoFit/>
-          </a:bodyPr>
-          <a:lstStyle/>
-          <a:p>
-            <a:r>
-              <a:rPr lang="ko-KR" altLang="en-US" sz="6600" dirty="0">
-                <a:solidFill>
-                  <a:schemeClr val="bg1"/>
-                </a:solidFill>
-                <a:latin typeface="G마켓 산스 Medium" panose="02000000000000000000" pitchFamily="50" charset="-127"/>
-                <a:ea typeface="G마켓 산스 Medium" panose="02000000000000000000" pitchFamily="50" charset="-127"/>
-              </a:rPr>
-              <a:t>메서드 활용</a:t>
-            </a:r>
-            <a:endParaRPr lang="ko-KR" altLang="en-US" sz="2800" dirty="0">
-              <a:solidFill>
-                <a:schemeClr val="bg1"/>
-              </a:solidFill>
-              <a:latin typeface="G마켓 산스 Medium" panose="02000000000000000000" pitchFamily="50" charset="-127"/>
-              <a:ea typeface="G마켓 산스 Medium" panose="02000000000000000000" pitchFamily="50" charset="-127"/>
-            </a:endParaRPr>
-          </a:p>
-        </p:txBody>
-      </p:sp>
-    </p:spTree>
-    <p:extLst>
-      <p:ext uri="{BB962C8B-B14F-4D97-AF65-F5344CB8AC3E}">
-        <p14:creationId xmlns:p14="http://schemas.microsoft.com/office/powerpoint/2010/main" val="4010059195"/>
-      </p:ext>
-    </p:extLst>
-  </p:cSld>
-  <p:clrMapOvr>
-    <a:masterClrMapping/>
-  </p:clrMapOvr>
-</p:sld>
-</file>
-
-<file path=ppt/slides/slide9.xml><?xml version="1.0" encoding="utf-8"?>
-<p:sld xmlns:a="http://schemas.openxmlformats.org/drawingml/2006/main" xmlns:r="http://schemas.openxmlformats.org/officeDocument/2006/relationships" xmlns:p="http://schemas.openxmlformats.org/presentationml/2006/main">
-  <p:cSld>
-    <p:spTree>
-      <p:nvGrpSpPr>
-        <p:cNvPr id="1" name=""/>
-        <p:cNvGrpSpPr/>
-        <p:nvPr/>
-      </p:nvGrpSpPr>
-      <p:grpSpPr>
-        <a:xfrm>
-          <a:off x="0" y="0"/>
-          <a:ext cx="0" cy="0"/>
-          <a:chOff x="0" y="0"/>
-          <a:chExt cx="0" cy="0"/>
-        </a:xfrm>
-      </p:grpSpPr>
-      <p:sp>
-        <p:nvSpPr>
-          <p:cNvPr id="5" name="TextBox 4">
-            <a:extLst>
-              <a:ext uri="{FF2B5EF4-FFF2-40B4-BE49-F238E27FC236}">
-                <a16:creationId xmlns:a16="http://schemas.microsoft.com/office/drawing/2014/main" id="{F2BD73FC-CE60-89D8-0057-91C1B7653DFF}"/>
-              </a:ext>
-            </a:extLst>
-          </p:cNvPr>
-          <p:cNvSpPr txBox="1"/>
-          <p:nvPr/>
-        </p:nvSpPr>
-        <p:spPr>
-          <a:xfrm>
-            <a:off x="685800" y="114300"/>
-            <a:ext cx="3657600" cy="830997"/>
-          </a:xfrm>
-          <a:prstGeom prst="rect">
-            <a:avLst/>
-          </a:prstGeom>
-          <a:noFill/>
-        </p:spPr>
-        <p:txBody>
-          <a:bodyPr wrap="square" rtlCol="0">
-            <a:spAutoFit/>
-          </a:bodyPr>
-          <a:lstStyle/>
-          <a:p>
-            <a:r>
-              <a:rPr lang="ko-KR" altLang="en-US" sz="4800">
-                <a:solidFill>
-                  <a:srgbClr val="4C50BC"/>
-                </a:solidFill>
-                <a:latin typeface="G마켓 산스 Medium" panose="02000000000000000000" pitchFamily="50" charset="-127"/>
-                <a:ea typeface="G마켓 산스 Medium" panose="02000000000000000000" pitchFamily="50" charset="-127"/>
-              </a:rPr>
-              <a:t>실습문제</a:t>
-            </a:r>
-            <a:r>
-              <a:rPr lang="en-US" altLang="ko-KR" sz="4800" dirty="0">
-                <a:solidFill>
-                  <a:srgbClr val="4C50BC"/>
-                </a:solidFill>
-                <a:latin typeface="G마켓 산스 Medium" panose="02000000000000000000" pitchFamily="50" charset="-127"/>
-                <a:ea typeface="G마켓 산스 Medium" panose="02000000000000000000" pitchFamily="50" charset="-127"/>
-              </a:rPr>
-              <a:t>3</a:t>
-            </a:r>
-          </a:p>
-        </p:txBody>
-      </p:sp>
-      <p:sp>
-        <p:nvSpPr>
-          <p:cNvPr id="4" name="TextBox 3">
-            <a:extLst>
-              <a:ext uri="{FF2B5EF4-FFF2-40B4-BE49-F238E27FC236}">
-                <a16:creationId xmlns:a16="http://schemas.microsoft.com/office/drawing/2014/main" id="{F0FF9E4E-0550-E648-378E-A52F5B0499D4}"/>
-              </a:ext>
-            </a:extLst>
-          </p:cNvPr>
-          <p:cNvSpPr txBox="1"/>
-          <p:nvPr/>
-        </p:nvSpPr>
-        <p:spPr>
-          <a:xfrm>
-            <a:off x="914400" y="952500"/>
-            <a:ext cx="17373600" cy="1200329"/>
-          </a:xfrm>
-          <a:prstGeom prst="rect">
-            <a:avLst/>
-          </a:prstGeom>
-          <a:noFill/>
-        </p:spPr>
-        <p:txBody>
-          <a:bodyPr wrap="square" rtlCol="0">
-            <a:spAutoFit/>
-          </a:bodyPr>
-          <a:lstStyle/>
-          <a:p>
-            <a:r>
-              <a:rPr lang="en-US" altLang="ko-KR" sz="3600">
-                <a:solidFill>
-                  <a:srgbClr val="4C50BC"/>
-                </a:solidFill>
-                <a:latin typeface="G마켓 산스 Medium" panose="02000000000000000000" pitchFamily="50" charset="-127"/>
-                <a:ea typeface="G마켓 산스 Medium" panose="02000000000000000000" pitchFamily="50" charset="-127"/>
-              </a:rPr>
-              <a:t>3-1 </a:t>
-            </a:r>
-            <a:r>
-              <a:rPr lang="ko-KR" altLang="en-US" sz="3600">
-                <a:solidFill>
-                  <a:srgbClr val="4C50BC"/>
-                </a:solidFill>
-                <a:latin typeface="G마켓 산스 Medium" panose="02000000000000000000" pitchFamily="50" charset="-127"/>
-                <a:ea typeface="G마켓 산스 Medium" panose="02000000000000000000" pitchFamily="50" charset="-127"/>
-              </a:rPr>
-              <a:t>실습문제</a:t>
-            </a:r>
-            <a:r>
-              <a:rPr lang="en-US" altLang="ko-KR" sz="3600">
-                <a:solidFill>
-                  <a:srgbClr val="4C50BC"/>
-                </a:solidFill>
-                <a:latin typeface="G마켓 산스 Medium" panose="02000000000000000000" pitchFamily="50" charset="-127"/>
-                <a:ea typeface="G마켓 산스 Medium" panose="02000000000000000000" pitchFamily="50" charset="-127"/>
-              </a:rPr>
-              <a:t>1</a:t>
-            </a:r>
-            <a:r>
-              <a:rPr lang="ko-KR" altLang="en-US" sz="3600">
-                <a:solidFill>
-                  <a:srgbClr val="4C50BC"/>
-                </a:solidFill>
-                <a:latin typeface="G마켓 산스 Medium" panose="02000000000000000000" pitchFamily="50" charset="-127"/>
-                <a:ea typeface="G마켓 산스 Medium" panose="02000000000000000000" pitchFamily="50" charset="-127"/>
-              </a:rPr>
-              <a:t>에서 구현한 </a:t>
-            </a:r>
-            <a:r>
-              <a:rPr lang="en-US" altLang="ko-KR" sz="3600">
-                <a:solidFill>
-                  <a:srgbClr val="4C50BC"/>
-                </a:solidFill>
-                <a:latin typeface="G마켓 산스 Medium" panose="02000000000000000000" pitchFamily="50" charset="-127"/>
-                <a:ea typeface="G마켓 산스 Medium" panose="02000000000000000000" pitchFamily="50" charset="-127"/>
-              </a:rPr>
-              <a:t>MyMath </a:t>
-            </a:r>
-            <a:r>
-              <a:rPr lang="ko-KR" altLang="en-US" sz="3600">
-                <a:solidFill>
-                  <a:srgbClr val="4C50BC"/>
-                </a:solidFill>
-                <a:latin typeface="G마켓 산스 Medium" panose="02000000000000000000" pitchFamily="50" charset="-127"/>
-                <a:ea typeface="G마켓 산스 Medium" panose="02000000000000000000" pitchFamily="50" charset="-127"/>
-              </a:rPr>
-              <a:t>클래스의 </a:t>
-            </a:r>
-            <a:r>
-              <a:rPr lang="en-US" altLang="ko-KR" sz="3600">
-                <a:solidFill>
-                  <a:srgbClr val="4C50BC"/>
-                </a:solidFill>
-                <a:latin typeface="G마켓 산스 Medium" panose="02000000000000000000" pitchFamily="50" charset="-127"/>
-                <a:ea typeface="G마켓 산스 Medium" panose="02000000000000000000" pitchFamily="50" charset="-127"/>
-              </a:rPr>
-              <a:t>add</a:t>
-            </a:r>
-            <a:r>
-              <a:rPr lang="ko-KR" altLang="en-US" sz="3600">
-                <a:solidFill>
-                  <a:srgbClr val="4C50BC"/>
-                </a:solidFill>
-                <a:latin typeface="G마켓 산스 Medium" panose="02000000000000000000" pitchFamily="50" charset="-127"/>
-                <a:ea typeface="G마켓 산스 Medium" panose="02000000000000000000" pitchFamily="50" charset="-127"/>
-              </a:rPr>
-              <a:t>메서드를 </a:t>
-            </a:r>
-            <a:r>
-              <a:rPr lang="en-US" altLang="ko-KR" sz="3600">
-                <a:solidFill>
-                  <a:srgbClr val="4C50BC"/>
-                </a:solidFill>
-                <a:latin typeface="G마켓 산스 Medium" panose="02000000000000000000" pitchFamily="50" charset="-127"/>
-                <a:ea typeface="G마켓 산스 Medium" panose="02000000000000000000" pitchFamily="50" charset="-127"/>
-              </a:rPr>
-              <a:t>float </a:t>
-            </a:r>
-            <a:r>
-              <a:rPr lang="ko-KR" altLang="en-US" sz="3600">
-                <a:solidFill>
-                  <a:srgbClr val="4C50BC"/>
-                </a:solidFill>
-                <a:latin typeface="G마켓 산스 Medium" panose="02000000000000000000" pitchFamily="50" charset="-127"/>
-                <a:ea typeface="G마켓 산스 Medium" panose="02000000000000000000" pitchFamily="50" charset="-127"/>
-              </a:rPr>
-              <a:t>과 </a:t>
-            </a:r>
-            <a:r>
-              <a:rPr lang="en-US" altLang="ko-KR" sz="3600">
-                <a:solidFill>
-                  <a:srgbClr val="4C50BC"/>
-                </a:solidFill>
-                <a:latin typeface="G마켓 산스 Medium" panose="02000000000000000000" pitchFamily="50" charset="-127"/>
-                <a:ea typeface="G마켓 산스 Medium" panose="02000000000000000000" pitchFamily="50" charset="-127"/>
-              </a:rPr>
-              <a:t>double</a:t>
-            </a:r>
-            <a:r>
-              <a:rPr lang="ko-KR" altLang="en-US" sz="3600">
-                <a:solidFill>
-                  <a:srgbClr val="4C50BC"/>
-                </a:solidFill>
-                <a:latin typeface="G마켓 산스 Medium" panose="02000000000000000000" pitchFamily="50" charset="-127"/>
-                <a:ea typeface="G마켓 산스 Medium" panose="02000000000000000000" pitchFamily="50" charset="-127"/>
-              </a:rPr>
-              <a:t>도 가능하도록 오버로딩 해보자</a:t>
-            </a:r>
-            <a:r>
-              <a:rPr lang="en-US" altLang="ko-KR" sz="3600">
-                <a:solidFill>
-                  <a:srgbClr val="FF0000"/>
-                </a:solidFill>
-                <a:latin typeface="G마켓 산스 Medium" panose="02000000000000000000" pitchFamily="50" charset="-127"/>
-                <a:ea typeface="G마켓 산스 Medium" panose="02000000000000000000" pitchFamily="50" charset="-127"/>
-              </a:rPr>
-              <a:t>(normal)</a:t>
-            </a:r>
-            <a:endParaRPr lang="en-US" altLang="ko-KR" sz="3600" dirty="0">
-              <a:solidFill>
-                <a:srgbClr val="FF0000"/>
-              </a:solidFill>
-              <a:latin typeface="G마켓 산스 Medium" panose="02000000000000000000" pitchFamily="50" charset="-127"/>
-              <a:ea typeface="G마켓 산스 Medium" panose="02000000000000000000" pitchFamily="50" charset="-127"/>
-            </a:endParaRPr>
-          </a:p>
-        </p:txBody>
-      </p:sp>
-      <p:pic>
-        <p:nvPicPr>
-          <p:cNvPr id="24" name="그림 23"/>
-          <p:cNvPicPr>
-            <a:picLocks noChangeAspect="1"/>
-          </p:cNvPicPr>
-          <p:nvPr/>
-        </p:nvPicPr>
-        <p:blipFill>
-          <a:blip r:embed="rId2"/>
-          <a:stretch>
-            <a:fillRect/>
-          </a:stretch>
-        </p:blipFill>
-        <p:spPr>
-          <a:xfrm>
-            <a:off x="1060938" y="2276564"/>
-            <a:ext cx="8784412" cy="4419600"/>
-          </a:xfrm>
-          <a:prstGeom prst="rect">
-            <a:avLst/>
-          </a:prstGeom>
-        </p:spPr>
-      </p:pic>
-      <p:pic>
-        <p:nvPicPr>
-          <p:cNvPr id="25" name="그림 24"/>
-          <p:cNvPicPr>
-            <a:picLocks noChangeAspect="1"/>
-          </p:cNvPicPr>
-          <p:nvPr/>
-        </p:nvPicPr>
-        <p:blipFill>
-          <a:blip r:embed="rId3"/>
-          <a:stretch>
-            <a:fillRect/>
-          </a:stretch>
-        </p:blipFill>
-        <p:spPr>
-          <a:xfrm>
-            <a:off x="1060938" y="6819900"/>
-            <a:ext cx="3053862" cy="2732403"/>
-          </a:xfrm>
-          <a:prstGeom prst="rect">
-            <a:avLst/>
-          </a:prstGeom>
-        </p:spPr>
-      </p:pic>
-    </p:spTree>
-    <p:extLst>
-      <p:ext uri="{BB962C8B-B14F-4D97-AF65-F5344CB8AC3E}">
-        <p14:creationId xmlns:p14="http://schemas.microsoft.com/office/powerpoint/2010/main" val="3516190594"/>
-      </p:ext>
-    </p:extLst>
-  </p:cSld>
-  <p:clrMapOvr>
-    <a:masterClrMapping/>
-  </p:clrMapOvr>
+  <p:timing>
+    <p:tnLst>
+      <p:par>
+        <p:cTn id="1" dur="indefinite" restart="never" nodeType="tmRoot">
+          <p:childTnLst>
+            <p:seq concurrent="1" nextAc="seek">
+              <p:cTn id="2" dur="indefinite" nodeType="mainSeq">
+                <p:childTnLst>
+                  <p:par>
+                    <p:cTn id="3" fill="hold">
+                      <p:stCondLst>
+                        <p:cond delay="indefinite"/>
+                      </p:stCondLst>
+                      <p:childTnLst>
+                        <p:par>
+                          <p:cTn id="4" fill="hold">
+                            <p:stCondLst>
+                              <p:cond delay="0"/>
+                            </p:stCondLst>
+                            <p:childTnLst>
+                              <p:par>
+                                <p:cTn id="5" presetID="1" presetClass="exit" presetSubtype="0" fill="hold" nodeType="clickEffect">
+                                  <p:stCondLst>
+                                    <p:cond delay="0"/>
+                                  </p:stCondLst>
+                                  <p:childTnLst>
+                                    <p:set>
+                                      <p:cBhvr>
+                                        <p:cTn id="6" dur="1" fill="hold">
+                                          <p:stCondLst>
+                                            <p:cond delay="0"/>
+                                          </p:stCondLst>
+                                        </p:cTn>
+                                        <p:tgtEl>
+                                          <p:spTgt spid="18"/>
+                                        </p:tgtEl>
+                                        <p:attrNameLst>
+                                          <p:attrName>style.visibility</p:attrName>
+                                        </p:attrNameLst>
+                                      </p:cBhvr>
+                                      <p:to>
+                                        <p:strVal val="hidden"/>
+                                      </p:to>
+                                    </p:set>
+                                  </p:childTnLst>
+                                </p:cTn>
+                              </p:par>
+                            </p:childTnLst>
+                          </p:cTn>
+                        </p:par>
+                      </p:childTnLst>
+                    </p:cTn>
+                  </p:par>
+                </p:childTnLst>
+              </p:cTn>
+              <p:prevCondLst>
+                <p:cond evt="onPrev" delay="0">
+                  <p:tgtEl>
+                    <p:sldTgt/>
+                  </p:tgtEl>
+                </p:cond>
+              </p:prevCondLst>
+              <p:nextCondLst>
+                <p:cond evt="onNext" delay="0">
+                  <p:tgtEl>
+                    <p:sldTgt/>
+                  </p:tgtEl>
+                </p:cond>
+              </p:nextCondLst>
+            </p:seq>
+          </p:childTnLst>
+        </p:cTn>
+      </p:par>
+    </p:tnLst>
+  </p:timing>
 </p:sld>
 </file>
 
